--- a/result_ppt/14广深铁路/广深铁路.pptx
+++ b/result_ppt/14广深铁路/广深铁路.pptx
@@ -6,16 +6,22 @@
   </p:sldMasterIdLst>
   <p:sldIdLst>
     <p:sldId id="256" r:id="rId2"/>
-    <p:sldId id="264" r:id="rId3"/>
-    <p:sldId id="260" r:id="rId4"/>
-    <p:sldId id="257" r:id="rId5"/>
-    <p:sldId id="267" r:id="rId6"/>
-    <p:sldId id="258" r:id="rId7"/>
-    <p:sldId id="261" r:id="rId8"/>
-    <p:sldId id="262" r:id="rId9"/>
-    <p:sldId id="265" r:id="rId10"/>
-    <p:sldId id="259" r:id="rId11"/>
-    <p:sldId id="263" r:id="rId12"/>
+    <p:sldId id="268" r:id="rId3"/>
+    <p:sldId id="264" r:id="rId4"/>
+    <p:sldId id="269" r:id="rId5"/>
+    <p:sldId id="270" r:id="rId6"/>
+    <p:sldId id="260" r:id="rId7"/>
+    <p:sldId id="257" r:id="rId8"/>
+    <p:sldId id="267" r:id="rId9"/>
+    <p:sldId id="271" r:id="rId10"/>
+    <p:sldId id="258" r:id="rId11"/>
+    <p:sldId id="261" r:id="rId12"/>
+    <p:sldId id="262" r:id="rId13"/>
+    <p:sldId id="265" r:id="rId14"/>
+    <p:sldId id="259" r:id="rId15"/>
+    <p:sldId id="263" r:id="rId16"/>
+    <p:sldId id="272" r:id="rId17"/>
+    <p:sldId id="273" r:id="rId18"/>
   </p:sldIdLst>
   <p:sldSz cx="12192000" cy="6858000"/>
   <p:notesSz cx="6858000" cy="9144000"/>
@@ -898,7 +904,1225 @@
 </c:chartSpace>
 </file>
 
+<file path=ppt/charts/chart10.xml><?xml version="1.0" encoding="utf-8"?>
+<c:chartSpace xmlns:c="http://schemas.openxmlformats.org/drawingml/2006/chart" xmlns:a="http://schemas.openxmlformats.org/drawingml/2006/main" xmlns:r="http://schemas.openxmlformats.org/officeDocument/2006/relationships" xmlns:c16r2="http://schemas.microsoft.com/office/drawing/2015/06/chart">
+  <c:date1904 val="0"/>
+  <c:lang val="zh-CN"/>
+  <c:roundedCorners val="0"/>
+  <mc:AlternateContent xmlns:mc="http://schemas.openxmlformats.org/markup-compatibility/2006">
+    <mc:Choice xmlns:c14="http://schemas.microsoft.com/office/drawing/2007/8/2/chart" Requires="c14">
+      <c14:style val="102"/>
+    </mc:Choice>
+    <mc:Fallback>
+      <c:style val="2"/>
+    </mc:Fallback>
+  </mc:AlternateContent>
+  <c:chart>
+    <c:title>
+      <c:tx>
+        <c:rich>
+          <a:bodyPr rot="0" spcFirstLastPara="1" vertOverflow="ellipsis" vert="horz" wrap="square" anchor="ctr" anchorCtr="1"/>
+          <a:lstStyle/>
+          <a:p>
+            <a:pPr>
+              <a:defRPr sz="1862" b="0" i="0" u="none" strike="noStrike" kern="1200" spc="0" baseline="0">
+                <a:solidFill>
+                  <a:schemeClr val="tx1">
+                    <a:lumMod val="65000"/>
+                    <a:lumOff val="35000"/>
+                  </a:schemeClr>
+                </a:solidFill>
+                <a:latin typeface="+mn-lt"/>
+                <a:ea typeface="+mn-ea"/>
+                <a:cs typeface="+mn-cs"/>
+              </a:defRPr>
+            </a:pPr>
+            <a:r>
+              <a:rPr lang="zh-CN" altLang="en-US" sz="1862" b="0" i="0" u="none" strike="noStrike" baseline="0" dirty="0">
+                <a:effectLst/>
+              </a:rPr>
+              <a:t>广深铁路</a:t>
+            </a:r>
+            <a:r>
+              <a:rPr lang="zh-CN" altLang="en-US" dirty="0"/>
+              <a:t>历年负债堆积图</a:t>
+            </a:r>
+          </a:p>
+        </c:rich>
+      </c:tx>
+      <c:overlay val="0"/>
+      <c:spPr>
+        <a:noFill/>
+        <a:ln>
+          <a:noFill/>
+        </a:ln>
+        <a:effectLst/>
+      </c:spPr>
+      <c:txPr>
+        <a:bodyPr rot="0" spcFirstLastPara="1" vertOverflow="ellipsis" vert="horz" wrap="square" anchor="ctr" anchorCtr="1"/>
+        <a:lstStyle/>
+        <a:p>
+          <a:pPr>
+            <a:defRPr sz="1862" b="0" i="0" u="none" strike="noStrike" kern="1200" spc="0" baseline="0">
+              <a:solidFill>
+                <a:schemeClr val="tx1">
+                  <a:lumMod val="65000"/>
+                  <a:lumOff val="35000"/>
+                </a:schemeClr>
+              </a:solidFill>
+              <a:latin typeface="+mn-lt"/>
+              <a:ea typeface="+mn-ea"/>
+              <a:cs typeface="+mn-cs"/>
+            </a:defRPr>
+          </a:pPr>
+          <a:endParaRPr lang="zh-CN"/>
+        </a:p>
+      </c:txPr>
+    </c:title>
+    <c:autoTitleDeleted val="0"/>
+    <c:plotArea>
+      <c:layout/>
+      <c:areaChart>
+        <c:grouping val="stacked"/>
+        <c:varyColors val="0"/>
+        <c:ser>
+          <c:idx val="0"/>
+          <c:order val="0"/>
+          <c:tx>
+            <c:strRef>
+              <c:f>Sheet1!$B$1</c:f>
+              <c:strCache>
+                <c:ptCount val="1"/>
+                <c:pt idx="0">
+                  <c:v>应付票据及应付账款（亿元）</c:v>
+                </c:pt>
+              </c:strCache>
+            </c:strRef>
+          </c:tx>
+          <c:spPr>
+            <a:solidFill>
+              <a:schemeClr val="accent1"/>
+            </a:solidFill>
+            <a:ln>
+              <a:noFill/>
+            </a:ln>
+            <a:effectLst/>
+          </c:spPr>
+          <c:dLbls>
+            <c:spPr>
+              <a:noFill/>
+              <a:ln>
+                <a:noFill/>
+              </a:ln>
+              <a:effectLst/>
+            </c:spPr>
+            <c:txPr>
+              <a:bodyPr rot="0" spcFirstLastPara="1" vertOverflow="ellipsis" vert="horz" wrap="square" lIns="38100" tIns="19050" rIns="38100" bIns="19050" anchor="ctr" anchorCtr="1">
+                <a:spAutoFit/>
+              </a:bodyPr>
+              <a:lstStyle/>
+              <a:p>
+                <a:pPr>
+                  <a:defRPr sz="1197" b="0" i="0" u="none" strike="noStrike" kern="1200" baseline="0">
+                    <a:solidFill>
+                      <a:schemeClr val="tx1">
+                        <a:lumMod val="75000"/>
+                        <a:lumOff val="25000"/>
+                      </a:schemeClr>
+                    </a:solidFill>
+                    <a:latin typeface="+mn-lt"/>
+                    <a:ea typeface="+mn-ea"/>
+                    <a:cs typeface="+mn-cs"/>
+                  </a:defRPr>
+                </a:pPr>
+                <a:endParaRPr lang="zh-CN"/>
+              </a:p>
+            </c:txPr>
+            <c:showLegendKey val="0"/>
+            <c:showVal val="1"/>
+            <c:showCatName val="0"/>
+            <c:showSerName val="0"/>
+            <c:showPercent val="0"/>
+            <c:showBubbleSize val="0"/>
+            <c:showLeaderLines val="0"/>
+            <c:extLst>
+              <c:ext xmlns:c15="http://schemas.microsoft.com/office/drawing/2012/chart" uri="{CE6537A1-D6FC-4f65-9D91-7224C49458BB}">
+                <c15:showLeaderLines val="1"/>
+                <c15:leaderLines>
+                  <c:spPr>
+                    <a:ln w="9525" cap="flat" cmpd="sng" algn="ctr">
+                      <a:solidFill>
+                        <a:schemeClr val="tx1">
+                          <a:lumMod val="35000"/>
+                          <a:lumOff val="65000"/>
+                        </a:schemeClr>
+                      </a:solidFill>
+                      <a:round/>
+                    </a:ln>
+                    <a:effectLst/>
+                  </c:spPr>
+                </c15:leaderLines>
+              </c:ext>
+            </c:extLst>
+          </c:dLbls>
+          <c:cat>
+            <c:strRef>
+              <c:f>Sheet1!$A$2:$A$14</c:f>
+              <c:strCache>
+                <c:ptCount val="13"/>
+                <c:pt idx="0">
+                  <c:v>2009</c:v>
+                </c:pt>
+                <c:pt idx="1">
+                  <c:v>2010</c:v>
+                </c:pt>
+                <c:pt idx="2">
+                  <c:v>2011</c:v>
+                </c:pt>
+                <c:pt idx="3">
+                  <c:v>2012</c:v>
+                </c:pt>
+                <c:pt idx="4">
+                  <c:v>2013</c:v>
+                </c:pt>
+                <c:pt idx="5">
+                  <c:v>2014</c:v>
+                </c:pt>
+                <c:pt idx="6">
+                  <c:v>2015</c:v>
+                </c:pt>
+                <c:pt idx="7">
+                  <c:v>2016</c:v>
+                </c:pt>
+                <c:pt idx="8">
+                  <c:v>2017</c:v>
+                </c:pt>
+                <c:pt idx="9">
+                  <c:v>2018</c:v>
+                </c:pt>
+                <c:pt idx="10">
+                  <c:v>2019</c:v>
+                </c:pt>
+                <c:pt idx="11">
+                  <c:v>2020年</c:v>
+                </c:pt>
+                <c:pt idx="12">
+                  <c:v>2021年</c:v>
+                </c:pt>
+              </c:strCache>
+            </c:strRef>
+          </c:cat>
+          <c:val>
+            <c:numRef>
+              <c:f>Sheet1!$B$2:$B$14</c:f>
+              <c:numCache>
+                <c:formatCode>General</c:formatCode>
+                <c:ptCount val="13"/>
+                <c:pt idx="0">
+                  <c:v>14.66</c:v>
+                </c:pt>
+                <c:pt idx="1">
+                  <c:v>16.52</c:v>
+                </c:pt>
+                <c:pt idx="2">
+                  <c:v>18.78</c:v>
+                </c:pt>
+                <c:pt idx="3">
+                  <c:v>20.46</c:v>
+                </c:pt>
+                <c:pt idx="4">
+                  <c:v>17.96</c:v>
+                </c:pt>
+                <c:pt idx="5">
+                  <c:v>25.33</c:v>
+                </c:pt>
+                <c:pt idx="6">
+                  <c:v>25.31</c:v>
+                </c:pt>
+                <c:pt idx="7">
+                  <c:v>29.08</c:v>
+                </c:pt>
+                <c:pt idx="8">
+                  <c:v>35.39</c:v>
+                </c:pt>
+                <c:pt idx="9">
+                  <c:v>38.82</c:v>
+                </c:pt>
+                <c:pt idx="10">
+                  <c:v>33.4</c:v>
+                </c:pt>
+                <c:pt idx="11">
+                  <c:v>49.88</c:v>
+                </c:pt>
+                <c:pt idx="12">
+                  <c:v>58.89</c:v>
+                </c:pt>
+              </c:numCache>
+            </c:numRef>
+          </c:val>
+          <c:extLst>
+            <c:ext xmlns:c16="http://schemas.microsoft.com/office/drawing/2014/chart" uri="{C3380CC4-5D6E-409C-BE32-E72D297353CC}">
+              <c16:uniqueId val="{00000000-5EE3-4E2F-AECD-79B8CA27259C}"/>
+            </c:ext>
+          </c:extLst>
+        </c:ser>
+        <c:ser>
+          <c:idx val="1"/>
+          <c:order val="1"/>
+          <c:tx>
+            <c:strRef>
+              <c:f>Sheet1!$C$1</c:f>
+              <c:strCache>
+                <c:ptCount val="1"/>
+                <c:pt idx="0">
+                  <c:v>其交税费（亿元）</c:v>
+                </c:pt>
+              </c:strCache>
+            </c:strRef>
+          </c:tx>
+          <c:spPr>
+            <a:solidFill>
+              <a:schemeClr val="accent2"/>
+            </a:solidFill>
+            <a:ln>
+              <a:noFill/>
+            </a:ln>
+            <a:effectLst/>
+          </c:spPr>
+          <c:dLbls>
+            <c:spPr>
+              <a:noFill/>
+              <a:ln>
+                <a:noFill/>
+              </a:ln>
+              <a:effectLst/>
+            </c:spPr>
+            <c:txPr>
+              <a:bodyPr rot="0" spcFirstLastPara="1" vertOverflow="ellipsis" vert="horz" wrap="square" lIns="38100" tIns="19050" rIns="38100" bIns="19050" anchor="ctr" anchorCtr="1">
+                <a:spAutoFit/>
+              </a:bodyPr>
+              <a:lstStyle/>
+              <a:p>
+                <a:pPr>
+                  <a:defRPr sz="1197" b="0" i="0" u="none" strike="noStrike" kern="1200" baseline="0">
+                    <a:solidFill>
+                      <a:schemeClr val="tx1">
+                        <a:lumMod val="75000"/>
+                        <a:lumOff val="25000"/>
+                      </a:schemeClr>
+                    </a:solidFill>
+                    <a:latin typeface="+mn-lt"/>
+                    <a:ea typeface="+mn-ea"/>
+                    <a:cs typeface="+mn-cs"/>
+                  </a:defRPr>
+                </a:pPr>
+                <a:endParaRPr lang="zh-CN"/>
+              </a:p>
+            </c:txPr>
+            <c:showLegendKey val="0"/>
+            <c:showVal val="1"/>
+            <c:showCatName val="0"/>
+            <c:showSerName val="0"/>
+            <c:showPercent val="0"/>
+            <c:showBubbleSize val="0"/>
+            <c:showLeaderLines val="0"/>
+            <c:extLst>
+              <c:ext xmlns:c15="http://schemas.microsoft.com/office/drawing/2012/chart" uri="{CE6537A1-D6FC-4f65-9D91-7224C49458BB}">
+                <c15:showLeaderLines val="1"/>
+                <c15:leaderLines>
+                  <c:spPr>
+                    <a:ln w="9525" cap="flat" cmpd="sng" algn="ctr">
+                      <a:solidFill>
+                        <a:schemeClr val="tx1">
+                          <a:lumMod val="35000"/>
+                          <a:lumOff val="65000"/>
+                        </a:schemeClr>
+                      </a:solidFill>
+                      <a:round/>
+                    </a:ln>
+                    <a:effectLst/>
+                  </c:spPr>
+                </c15:leaderLines>
+              </c:ext>
+            </c:extLst>
+          </c:dLbls>
+          <c:cat>
+            <c:strRef>
+              <c:f>Sheet1!$A$2:$A$14</c:f>
+              <c:strCache>
+                <c:ptCount val="13"/>
+                <c:pt idx="0">
+                  <c:v>2009</c:v>
+                </c:pt>
+                <c:pt idx="1">
+                  <c:v>2010</c:v>
+                </c:pt>
+                <c:pt idx="2">
+                  <c:v>2011</c:v>
+                </c:pt>
+                <c:pt idx="3">
+                  <c:v>2012</c:v>
+                </c:pt>
+                <c:pt idx="4">
+                  <c:v>2013</c:v>
+                </c:pt>
+                <c:pt idx="5">
+                  <c:v>2014</c:v>
+                </c:pt>
+                <c:pt idx="6">
+                  <c:v>2015</c:v>
+                </c:pt>
+                <c:pt idx="7">
+                  <c:v>2016</c:v>
+                </c:pt>
+                <c:pt idx="8">
+                  <c:v>2017</c:v>
+                </c:pt>
+                <c:pt idx="9">
+                  <c:v>2018</c:v>
+                </c:pt>
+                <c:pt idx="10">
+                  <c:v>2019</c:v>
+                </c:pt>
+                <c:pt idx="11">
+                  <c:v>2020年</c:v>
+                </c:pt>
+                <c:pt idx="12">
+                  <c:v>2021年</c:v>
+                </c:pt>
+              </c:strCache>
+            </c:strRef>
+          </c:cat>
+          <c:val>
+            <c:numRef>
+              <c:f>Sheet1!$C$2:$C$14</c:f>
+              <c:numCache>
+                <c:formatCode>General</c:formatCode>
+                <c:ptCount val="13"/>
+                <c:pt idx="0">
+                  <c:v>2.68</c:v>
+                </c:pt>
+                <c:pt idx="1">
+                  <c:v>3.43</c:v>
+                </c:pt>
+                <c:pt idx="2">
+                  <c:v>4.83</c:v>
+                </c:pt>
+                <c:pt idx="3">
+                  <c:v>3.96</c:v>
+                </c:pt>
+                <c:pt idx="4">
+                  <c:v>3.29</c:v>
+                </c:pt>
+                <c:pt idx="5">
+                  <c:v>2.11</c:v>
+                </c:pt>
+                <c:pt idx="6">
+                  <c:v>3.3</c:v>
+                </c:pt>
+                <c:pt idx="7">
+                  <c:v>1.8</c:v>
+                </c:pt>
+                <c:pt idx="8">
+                  <c:v>2.19</c:v>
+                </c:pt>
+                <c:pt idx="9">
+                  <c:v>3.13</c:v>
+                </c:pt>
+                <c:pt idx="10">
+                  <c:v>3.6</c:v>
+                </c:pt>
+                <c:pt idx="11">
+                  <c:v>0.63</c:v>
+                </c:pt>
+                <c:pt idx="12">
+                  <c:v>0.77</c:v>
+                </c:pt>
+              </c:numCache>
+            </c:numRef>
+          </c:val>
+          <c:extLst>
+            <c:ext xmlns:c16="http://schemas.microsoft.com/office/drawing/2014/chart" uri="{C3380CC4-5D6E-409C-BE32-E72D297353CC}">
+              <c16:uniqueId val="{00000001-5EE3-4E2F-AECD-79B8CA27259C}"/>
+            </c:ext>
+          </c:extLst>
+        </c:ser>
+        <c:ser>
+          <c:idx val="2"/>
+          <c:order val="2"/>
+          <c:tx>
+            <c:strRef>
+              <c:f>Sheet1!$D$1</c:f>
+              <c:strCache>
+                <c:ptCount val="1"/>
+                <c:pt idx="0">
+                  <c:v>其他应付款（亿元）</c:v>
+                </c:pt>
+              </c:strCache>
+            </c:strRef>
+          </c:tx>
+          <c:spPr>
+            <a:solidFill>
+              <a:schemeClr val="accent3"/>
+            </a:solidFill>
+            <a:ln w="25400">
+              <a:noFill/>
+            </a:ln>
+            <a:effectLst/>
+          </c:spPr>
+          <c:dLbls>
+            <c:spPr>
+              <a:noFill/>
+              <a:ln>
+                <a:noFill/>
+              </a:ln>
+              <a:effectLst/>
+            </c:spPr>
+            <c:txPr>
+              <a:bodyPr rot="0" spcFirstLastPara="1" vertOverflow="ellipsis" vert="horz" wrap="square" lIns="38100" tIns="19050" rIns="38100" bIns="19050" anchor="ctr" anchorCtr="1">
+                <a:spAutoFit/>
+              </a:bodyPr>
+              <a:lstStyle/>
+              <a:p>
+                <a:pPr>
+                  <a:defRPr sz="1197" b="0" i="0" u="none" strike="noStrike" kern="1200" baseline="0">
+                    <a:solidFill>
+                      <a:schemeClr val="tx1">
+                        <a:lumMod val="75000"/>
+                        <a:lumOff val="25000"/>
+                      </a:schemeClr>
+                    </a:solidFill>
+                    <a:latin typeface="+mn-lt"/>
+                    <a:ea typeface="+mn-ea"/>
+                    <a:cs typeface="+mn-cs"/>
+                  </a:defRPr>
+                </a:pPr>
+                <a:endParaRPr lang="zh-CN"/>
+              </a:p>
+            </c:txPr>
+            <c:showLegendKey val="0"/>
+            <c:showVal val="1"/>
+            <c:showCatName val="0"/>
+            <c:showSerName val="0"/>
+            <c:showPercent val="0"/>
+            <c:showBubbleSize val="0"/>
+            <c:showLeaderLines val="0"/>
+            <c:extLst>
+              <c:ext xmlns:c15="http://schemas.microsoft.com/office/drawing/2012/chart" uri="{CE6537A1-D6FC-4f65-9D91-7224C49458BB}">
+                <c15:showLeaderLines val="1"/>
+                <c15:leaderLines>
+                  <c:spPr>
+                    <a:ln w="9525" cap="flat" cmpd="sng" algn="ctr">
+                      <a:solidFill>
+                        <a:schemeClr val="tx1">
+                          <a:lumMod val="35000"/>
+                          <a:lumOff val="65000"/>
+                        </a:schemeClr>
+                      </a:solidFill>
+                      <a:round/>
+                    </a:ln>
+                    <a:effectLst/>
+                  </c:spPr>
+                </c15:leaderLines>
+              </c:ext>
+            </c:extLst>
+          </c:dLbls>
+          <c:cat>
+            <c:strRef>
+              <c:f>Sheet1!$A$2:$A$14</c:f>
+              <c:strCache>
+                <c:ptCount val="13"/>
+                <c:pt idx="0">
+                  <c:v>2009</c:v>
+                </c:pt>
+                <c:pt idx="1">
+                  <c:v>2010</c:v>
+                </c:pt>
+                <c:pt idx="2">
+                  <c:v>2011</c:v>
+                </c:pt>
+                <c:pt idx="3">
+                  <c:v>2012</c:v>
+                </c:pt>
+                <c:pt idx="4">
+                  <c:v>2013</c:v>
+                </c:pt>
+                <c:pt idx="5">
+                  <c:v>2014</c:v>
+                </c:pt>
+                <c:pt idx="6">
+                  <c:v>2015</c:v>
+                </c:pt>
+                <c:pt idx="7">
+                  <c:v>2016</c:v>
+                </c:pt>
+                <c:pt idx="8">
+                  <c:v>2017</c:v>
+                </c:pt>
+                <c:pt idx="9">
+                  <c:v>2018</c:v>
+                </c:pt>
+                <c:pt idx="10">
+                  <c:v>2019</c:v>
+                </c:pt>
+                <c:pt idx="11">
+                  <c:v>2020年</c:v>
+                </c:pt>
+                <c:pt idx="12">
+                  <c:v>2021年</c:v>
+                </c:pt>
+              </c:strCache>
+            </c:strRef>
+          </c:cat>
+          <c:val>
+            <c:numRef>
+              <c:f>Sheet1!$D$2:$D$14</c:f>
+              <c:numCache>
+                <c:formatCode>General</c:formatCode>
+                <c:ptCount val="13"/>
+                <c:pt idx="0">
+                  <c:v>4.57</c:v>
+                </c:pt>
+                <c:pt idx="1">
+                  <c:v>3.95</c:v>
+                </c:pt>
+                <c:pt idx="2">
+                  <c:v>4.32</c:v>
+                </c:pt>
+                <c:pt idx="3">
+                  <c:v>4.33</c:v>
+                </c:pt>
+                <c:pt idx="4">
+                  <c:v>4.7699999999999996</c:v>
+                </c:pt>
+                <c:pt idx="5">
+                  <c:v>5.04</c:v>
+                </c:pt>
+                <c:pt idx="6">
+                  <c:v>10.45</c:v>
+                </c:pt>
+                <c:pt idx="7">
+                  <c:v>10.73</c:v>
+                </c:pt>
+                <c:pt idx="8">
+                  <c:v>10.44</c:v>
+                </c:pt>
+                <c:pt idx="9">
+                  <c:v>12.03</c:v>
+                </c:pt>
+                <c:pt idx="10">
+                  <c:v>11.58</c:v>
+                </c:pt>
+                <c:pt idx="11">
+                  <c:v>13.57</c:v>
+                </c:pt>
+                <c:pt idx="12">
+                  <c:v>13.84</c:v>
+                </c:pt>
+              </c:numCache>
+            </c:numRef>
+          </c:val>
+          <c:extLst>
+            <c:ext xmlns:c16="http://schemas.microsoft.com/office/drawing/2014/chart" uri="{C3380CC4-5D6E-409C-BE32-E72D297353CC}">
+              <c16:uniqueId val="{00000002-7A94-2F46-8311-358CDCCC6D35}"/>
+            </c:ext>
+          </c:extLst>
+        </c:ser>
+        <c:dLbls>
+          <c:showLegendKey val="0"/>
+          <c:showVal val="0"/>
+          <c:showCatName val="0"/>
+          <c:showSerName val="0"/>
+          <c:showPercent val="0"/>
+          <c:showBubbleSize val="0"/>
+        </c:dLbls>
+        <c:axId val="362521263"/>
+        <c:axId val="362520015"/>
+      </c:areaChart>
+      <c:catAx>
+        <c:axId val="362521263"/>
+        <c:scaling>
+          <c:orientation val="minMax"/>
+        </c:scaling>
+        <c:delete val="0"/>
+        <c:axPos val="b"/>
+        <c:numFmt formatCode="General" sourceLinked="1"/>
+        <c:majorTickMark val="out"/>
+        <c:minorTickMark val="none"/>
+        <c:tickLblPos val="nextTo"/>
+        <c:spPr>
+          <a:noFill/>
+          <a:ln w="9525" cap="flat" cmpd="sng" algn="ctr">
+            <a:solidFill>
+              <a:schemeClr val="tx1">
+                <a:lumMod val="15000"/>
+                <a:lumOff val="85000"/>
+              </a:schemeClr>
+            </a:solidFill>
+            <a:round/>
+          </a:ln>
+          <a:effectLst/>
+        </c:spPr>
+        <c:txPr>
+          <a:bodyPr rot="-60000000" spcFirstLastPara="1" vertOverflow="ellipsis" vert="horz" wrap="square" anchor="ctr" anchorCtr="1"/>
+          <a:lstStyle/>
+          <a:p>
+            <a:pPr>
+              <a:defRPr sz="1197" b="0" i="0" u="none" strike="noStrike" kern="1200" baseline="0">
+                <a:solidFill>
+                  <a:schemeClr val="tx1">
+                    <a:lumMod val="65000"/>
+                    <a:lumOff val="35000"/>
+                  </a:schemeClr>
+                </a:solidFill>
+                <a:latin typeface="+mn-lt"/>
+                <a:ea typeface="+mn-ea"/>
+                <a:cs typeface="+mn-cs"/>
+              </a:defRPr>
+            </a:pPr>
+            <a:endParaRPr lang="zh-CN"/>
+          </a:p>
+        </c:txPr>
+        <c:crossAx val="362520015"/>
+        <c:crosses val="autoZero"/>
+        <c:auto val="1"/>
+        <c:lblAlgn val="ctr"/>
+        <c:lblOffset val="100"/>
+        <c:noMultiLvlLbl val="0"/>
+      </c:catAx>
+      <c:valAx>
+        <c:axId val="362520015"/>
+        <c:scaling>
+          <c:orientation val="minMax"/>
+        </c:scaling>
+        <c:delete val="0"/>
+        <c:axPos val="l"/>
+        <c:majorGridlines>
+          <c:spPr>
+            <a:ln w="9525" cap="flat" cmpd="sng" algn="ctr">
+              <a:solidFill>
+                <a:schemeClr val="tx1">
+                  <a:lumMod val="15000"/>
+                  <a:lumOff val="85000"/>
+                </a:schemeClr>
+              </a:solidFill>
+              <a:round/>
+            </a:ln>
+            <a:effectLst/>
+          </c:spPr>
+        </c:majorGridlines>
+        <c:numFmt formatCode="General" sourceLinked="1"/>
+        <c:majorTickMark val="none"/>
+        <c:minorTickMark val="none"/>
+        <c:tickLblPos val="nextTo"/>
+        <c:spPr>
+          <a:noFill/>
+          <a:ln>
+            <a:noFill/>
+          </a:ln>
+          <a:effectLst/>
+        </c:spPr>
+        <c:txPr>
+          <a:bodyPr rot="-60000000" spcFirstLastPara="1" vertOverflow="ellipsis" vert="horz" wrap="square" anchor="ctr" anchorCtr="1"/>
+          <a:lstStyle/>
+          <a:p>
+            <a:pPr>
+              <a:defRPr sz="1197" b="0" i="0" u="none" strike="noStrike" kern="1200" baseline="0">
+                <a:solidFill>
+                  <a:schemeClr val="tx1">
+                    <a:lumMod val="65000"/>
+                    <a:lumOff val="35000"/>
+                  </a:schemeClr>
+                </a:solidFill>
+                <a:latin typeface="+mn-lt"/>
+                <a:ea typeface="+mn-ea"/>
+                <a:cs typeface="+mn-cs"/>
+              </a:defRPr>
+            </a:pPr>
+            <a:endParaRPr lang="zh-CN"/>
+          </a:p>
+        </c:txPr>
+        <c:crossAx val="362521263"/>
+        <c:crosses val="autoZero"/>
+        <c:crossBetween val="midCat"/>
+      </c:valAx>
+      <c:spPr>
+        <a:noFill/>
+        <a:ln>
+          <a:noFill/>
+        </a:ln>
+        <a:effectLst/>
+      </c:spPr>
+    </c:plotArea>
+    <c:legend>
+      <c:legendPos val="b"/>
+      <c:overlay val="0"/>
+      <c:spPr>
+        <a:noFill/>
+        <a:ln>
+          <a:noFill/>
+        </a:ln>
+        <a:effectLst/>
+      </c:spPr>
+      <c:txPr>
+        <a:bodyPr rot="0" spcFirstLastPara="1" vertOverflow="ellipsis" vert="horz" wrap="square" anchor="ctr" anchorCtr="1"/>
+        <a:lstStyle/>
+        <a:p>
+          <a:pPr>
+            <a:defRPr sz="1197" b="0" i="0" u="none" strike="noStrike" kern="1200" baseline="0">
+              <a:solidFill>
+                <a:schemeClr val="tx1">
+                  <a:lumMod val="65000"/>
+                  <a:lumOff val="35000"/>
+                </a:schemeClr>
+              </a:solidFill>
+              <a:latin typeface="+mn-lt"/>
+              <a:ea typeface="+mn-ea"/>
+              <a:cs typeface="+mn-cs"/>
+            </a:defRPr>
+          </a:pPr>
+          <a:endParaRPr lang="zh-CN"/>
+        </a:p>
+      </c:txPr>
+    </c:legend>
+    <c:plotVisOnly val="1"/>
+    <c:dispBlanksAs val="zero"/>
+    <c:extLst>
+      <c:ext xmlns:c16r3="http://schemas.microsoft.com/office/drawing/2017/03/chart" uri="{56B9EC1D-385E-4148-901F-78D8002777C0}">
+        <c16r3:dataDisplayOptions16>
+          <c16r3:dispNaAsBlank val="1"/>
+        </c16r3:dataDisplayOptions16>
+      </c:ext>
+    </c:extLst>
+    <c:showDLblsOverMax val="0"/>
+  </c:chart>
+  <c:spPr>
+    <a:noFill/>
+    <a:ln>
+      <a:noFill/>
+    </a:ln>
+    <a:effectLst/>
+  </c:spPr>
+  <c:txPr>
+    <a:bodyPr/>
+    <a:lstStyle/>
+    <a:p>
+      <a:pPr>
+        <a:defRPr/>
+      </a:pPr>
+      <a:endParaRPr lang="zh-CN"/>
+    </a:p>
+  </c:txPr>
+  <c:externalData r:id="rId3">
+    <c:autoUpdate val="0"/>
+  </c:externalData>
+</c:chartSpace>
+</file>
+
 <file path=ppt/charts/chart2.xml><?xml version="1.0" encoding="utf-8"?>
+<c:chartSpace xmlns:c="http://schemas.openxmlformats.org/drawingml/2006/chart" xmlns:a="http://schemas.openxmlformats.org/drawingml/2006/main" xmlns:r="http://schemas.openxmlformats.org/officeDocument/2006/relationships" xmlns:c16r2="http://schemas.microsoft.com/office/drawing/2015/06/chart">
+  <c:date1904 val="0"/>
+  <c:lang val="zh-CN"/>
+  <c:roundedCorners val="0"/>
+  <mc:AlternateContent xmlns:mc="http://schemas.openxmlformats.org/markup-compatibility/2006">
+    <mc:Choice xmlns:c14="http://schemas.microsoft.com/office/drawing/2007/8/2/chart" Requires="c14">
+      <c14:style val="102"/>
+    </mc:Choice>
+    <mc:Fallback>
+      <c:style val="2"/>
+    </mc:Fallback>
+  </mc:AlternateContent>
+  <c:chart>
+    <c:title>
+      <c:tx>
+        <c:rich>
+          <a:bodyPr rot="0" spcFirstLastPara="1" vertOverflow="ellipsis" vert="horz" wrap="square" anchor="ctr" anchorCtr="1"/>
+          <a:lstStyle/>
+          <a:p>
+            <a:pPr>
+              <a:defRPr sz="1862" b="0" i="0" u="none" strike="noStrike" kern="1200" spc="0" baseline="0">
+                <a:solidFill>
+                  <a:schemeClr val="tx1">
+                    <a:lumMod val="65000"/>
+                    <a:lumOff val="35000"/>
+                  </a:schemeClr>
+                </a:solidFill>
+                <a:latin typeface="+mn-lt"/>
+                <a:ea typeface="+mn-ea"/>
+                <a:cs typeface="+mn-cs"/>
+              </a:defRPr>
+            </a:pPr>
+            <a:r>
+              <a:rPr lang="en-US" altLang="zh-CN" dirty="0"/>
+              <a:t>2021</a:t>
+            </a:r>
+            <a:r>
+              <a:rPr lang="zh-CN" altLang="en-US" dirty="0"/>
+              <a:t>年各业务收入占比</a:t>
+            </a:r>
+          </a:p>
+        </c:rich>
+      </c:tx>
+      <c:overlay val="0"/>
+      <c:spPr>
+        <a:noFill/>
+        <a:ln>
+          <a:noFill/>
+        </a:ln>
+        <a:effectLst/>
+      </c:spPr>
+      <c:txPr>
+        <a:bodyPr rot="0" spcFirstLastPara="1" vertOverflow="ellipsis" vert="horz" wrap="square" anchor="ctr" anchorCtr="1"/>
+        <a:lstStyle/>
+        <a:p>
+          <a:pPr>
+            <a:defRPr sz="1862" b="0" i="0" u="none" strike="noStrike" kern="1200" spc="0" baseline="0">
+              <a:solidFill>
+                <a:schemeClr val="tx1">
+                  <a:lumMod val="65000"/>
+                  <a:lumOff val="35000"/>
+                </a:schemeClr>
+              </a:solidFill>
+              <a:latin typeface="+mn-lt"/>
+              <a:ea typeface="+mn-ea"/>
+              <a:cs typeface="+mn-cs"/>
+            </a:defRPr>
+          </a:pPr>
+          <a:endParaRPr lang="zh-CN"/>
+        </a:p>
+      </c:txPr>
+    </c:title>
+    <c:autoTitleDeleted val="0"/>
+    <c:plotArea>
+      <c:layout/>
+      <c:pieChart>
+        <c:varyColors val="1"/>
+        <c:ser>
+          <c:idx val="0"/>
+          <c:order val="0"/>
+          <c:tx>
+            <c:strRef>
+              <c:f>Sheet1!$B$1</c:f>
+              <c:strCache>
+                <c:ptCount val="1"/>
+                <c:pt idx="0">
+                  <c:v>占比</c:v>
+                </c:pt>
+              </c:strCache>
+            </c:strRef>
+          </c:tx>
+          <c:dPt>
+            <c:idx val="0"/>
+            <c:bubble3D val="0"/>
+            <c:spPr>
+              <a:solidFill>
+                <a:schemeClr val="accent1"/>
+              </a:solidFill>
+              <a:ln w="19050">
+                <a:solidFill>
+                  <a:schemeClr val="lt1"/>
+                </a:solidFill>
+              </a:ln>
+              <a:effectLst/>
+            </c:spPr>
+            <c:extLst>
+              <c:ext xmlns:c16="http://schemas.microsoft.com/office/drawing/2014/chart" uri="{C3380CC4-5D6E-409C-BE32-E72D297353CC}">
+                <c16:uniqueId val="{00000002-5CED-E745-BB49-7F2A914E049C}"/>
+              </c:ext>
+            </c:extLst>
+          </c:dPt>
+          <c:dPt>
+            <c:idx val="1"/>
+            <c:bubble3D val="0"/>
+            <c:spPr>
+              <a:solidFill>
+                <a:schemeClr val="accent2"/>
+              </a:solidFill>
+              <a:ln w="19050">
+                <a:solidFill>
+                  <a:schemeClr val="lt1"/>
+                </a:solidFill>
+              </a:ln>
+              <a:effectLst/>
+            </c:spPr>
+            <c:extLst>
+              <c:ext xmlns:c16="http://schemas.microsoft.com/office/drawing/2014/chart" uri="{C3380CC4-5D6E-409C-BE32-E72D297353CC}">
+                <c16:uniqueId val="{00000003-5CED-E745-BB49-7F2A914E049C}"/>
+              </c:ext>
+            </c:extLst>
+          </c:dPt>
+          <c:dPt>
+            <c:idx val="2"/>
+            <c:bubble3D val="0"/>
+            <c:spPr>
+              <a:solidFill>
+                <a:schemeClr val="accent3"/>
+              </a:solidFill>
+              <a:ln w="19050">
+                <a:solidFill>
+                  <a:schemeClr val="lt1"/>
+                </a:solidFill>
+              </a:ln>
+              <a:effectLst/>
+            </c:spPr>
+            <c:extLst>
+              <c:ext xmlns:c16="http://schemas.microsoft.com/office/drawing/2014/chart" uri="{C3380CC4-5D6E-409C-BE32-E72D297353CC}">
+                <c16:uniqueId val="{00000005-5CED-E745-BB49-7F2A914E049C}"/>
+              </c:ext>
+            </c:extLst>
+          </c:dPt>
+          <c:dPt>
+            <c:idx val="3"/>
+            <c:bubble3D val="0"/>
+            <c:spPr>
+              <a:solidFill>
+                <a:schemeClr val="accent4"/>
+              </a:solidFill>
+              <a:ln w="19050">
+                <a:solidFill>
+                  <a:schemeClr val="lt1"/>
+                </a:solidFill>
+              </a:ln>
+              <a:effectLst/>
+            </c:spPr>
+            <c:extLst>
+              <c:ext xmlns:c16="http://schemas.microsoft.com/office/drawing/2014/chart" uri="{C3380CC4-5D6E-409C-BE32-E72D297353CC}">
+                <c16:uniqueId val="{00000004-5CED-E745-BB49-7F2A914E049C}"/>
+              </c:ext>
+            </c:extLst>
+          </c:dPt>
+          <c:dLbls>
+            <c:dLbl>
+              <c:idx val="0"/>
+              <c:showLegendKey val="0"/>
+              <c:showVal val="1"/>
+              <c:showCatName val="0"/>
+              <c:showSerName val="0"/>
+              <c:showPercent val="0"/>
+              <c:showBubbleSize val="0"/>
+              <c:extLst>
+                <c:ext xmlns:c15="http://schemas.microsoft.com/office/drawing/2012/chart" uri="{CE6537A1-D6FC-4f65-9D91-7224C49458BB}"/>
+                <c:ext xmlns:c16="http://schemas.microsoft.com/office/drawing/2014/chart" uri="{C3380CC4-5D6E-409C-BE32-E72D297353CC}">
+                  <c16:uniqueId val="{00000002-5CED-E745-BB49-7F2A914E049C}"/>
+                </c:ext>
+              </c:extLst>
+            </c:dLbl>
+            <c:dLbl>
+              <c:idx val="1"/>
+              <c:showLegendKey val="0"/>
+              <c:showVal val="1"/>
+              <c:showCatName val="0"/>
+              <c:showSerName val="0"/>
+              <c:showPercent val="0"/>
+              <c:showBubbleSize val="0"/>
+              <c:extLst>
+                <c:ext xmlns:c15="http://schemas.microsoft.com/office/drawing/2012/chart" uri="{CE6537A1-D6FC-4f65-9D91-7224C49458BB}"/>
+                <c:ext xmlns:c16="http://schemas.microsoft.com/office/drawing/2014/chart" uri="{C3380CC4-5D6E-409C-BE32-E72D297353CC}">
+                  <c16:uniqueId val="{00000003-5CED-E745-BB49-7F2A914E049C}"/>
+                </c:ext>
+              </c:extLst>
+            </c:dLbl>
+            <c:dLbl>
+              <c:idx val="2"/>
+              <c:showLegendKey val="0"/>
+              <c:showVal val="1"/>
+              <c:showCatName val="0"/>
+              <c:showSerName val="0"/>
+              <c:showPercent val="0"/>
+              <c:showBubbleSize val="0"/>
+              <c:extLst>
+                <c:ext xmlns:c15="http://schemas.microsoft.com/office/drawing/2012/chart" uri="{CE6537A1-D6FC-4f65-9D91-7224C49458BB}"/>
+                <c:ext xmlns:c16="http://schemas.microsoft.com/office/drawing/2014/chart" uri="{C3380CC4-5D6E-409C-BE32-E72D297353CC}">
+                  <c16:uniqueId val="{00000005-5CED-E745-BB49-7F2A914E049C}"/>
+                </c:ext>
+              </c:extLst>
+            </c:dLbl>
+            <c:dLbl>
+              <c:idx val="3"/>
+              <c:showLegendKey val="0"/>
+              <c:showVal val="1"/>
+              <c:showCatName val="0"/>
+              <c:showSerName val="0"/>
+              <c:showPercent val="0"/>
+              <c:showBubbleSize val="0"/>
+              <c:extLst>
+                <c:ext xmlns:c15="http://schemas.microsoft.com/office/drawing/2012/chart" uri="{CE6537A1-D6FC-4f65-9D91-7224C49458BB}"/>
+                <c:ext xmlns:c16="http://schemas.microsoft.com/office/drawing/2014/chart" uri="{C3380CC4-5D6E-409C-BE32-E72D297353CC}">
+                  <c16:uniqueId val="{00000004-5CED-E745-BB49-7F2A914E049C}"/>
+                </c:ext>
+              </c:extLst>
+            </c:dLbl>
+            <c:spPr>
+              <a:noFill/>
+              <a:ln>
+                <a:noFill/>
+              </a:ln>
+              <a:effectLst/>
+            </c:spPr>
+            <c:txPr>
+              <a:bodyPr rot="0" spcFirstLastPara="1" vertOverflow="ellipsis" vert="horz" wrap="square" lIns="38100" tIns="19050" rIns="38100" bIns="19050" anchor="ctr" anchorCtr="1">
+                <a:spAutoFit/>
+              </a:bodyPr>
+              <a:lstStyle/>
+              <a:p>
+                <a:pPr>
+                  <a:defRPr sz="1197" b="0" i="0" u="none" strike="noStrike" kern="1200" baseline="0">
+                    <a:solidFill>
+                      <a:schemeClr val="tx1">
+                        <a:lumMod val="75000"/>
+                        <a:lumOff val="25000"/>
+                      </a:schemeClr>
+                    </a:solidFill>
+                    <a:latin typeface="+mn-lt"/>
+                    <a:ea typeface="+mn-ea"/>
+                    <a:cs typeface="+mn-cs"/>
+                  </a:defRPr>
+                </a:pPr>
+                <a:endParaRPr lang="zh-CN"/>
+              </a:p>
+            </c:txPr>
+            <c:showLegendKey val="0"/>
+            <c:showVal val="0"/>
+            <c:showCatName val="0"/>
+            <c:showSerName val="0"/>
+            <c:showPercent val="0"/>
+            <c:showBubbleSize val="0"/>
+            <c:extLst>
+              <c:ext xmlns:c15="http://schemas.microsoft.com/office/drawing/2012/chart" uri="{CE6537A1-D6FC-4f65-9D91-7224C49458BB}"/>
+            </c:extLst>
+          </c:dLbls>
+          <c:cat>
+            <c:strRef>
+              <c:f>Sheet1!$A$2:$A$5</c:f>
+              <c:strCache>
+                <c:ptCount val="4"/>
+                <c:pt idx="0">
+                  <c:v>客运</c:v>
+                </c:pt>
+                <c:pt idx="1">
+                  <c:v>货运</c:v>
+                </c:pt>
+                <c:pt idx="2">
+                  <c:v>路网清算</c:v>
+                </c:pt>
+                <c:pt idx="3">
+                  <c:v>其他</c:v>
+                </c:pt>
+              </c:strCache>
+            </c:strRef>
+          </c:cat>
+          <c:val>
+            <c:numRef>
+              <c:f>Sheet1!$B$2:$B$5</c:f>
+              <c:numCache>
+                <c:formatCode>General</c:formatCode>
+                <c:ptCount val="4"/>
+                <c:pt idx="0">
+                  <c:v>30.53</c:v>
+                </c:pt>
+                <c:pt idx="1">
+                  <c:v>10.07</c:v>
+                </c:pt>
+                <c:pt idx="2">
+                  <c:v>53.52</c:v>
+                </c:pt>
+                <c:pt idx="3">
+                  <c:v>12</c:v>
+                </c:pt>
+              </c:numCache>
+            </c:numRef>
+          </c:val>
+          <c:extLst>
+            <c:ext xmlns:c16="http://schemas.microsoft.com/office/drawing/2014/chart" uri="{C3380CC4-5D6E-409C-BE32-E72D297353CC}">
+              <c16:uniqueId val="{00000000-5CED-E745-BB49-7F2A914E049C}"/>
+            </c:ext>
+          </c:extLst>
+        </c:ser>
+        <c:dLbls>
+          <c:showLegendKey val="0"/>
+          <c:showVal val="0"/>
+          <c:showCatName val="0"/>
+          <c:showSerName val="0"/>
+          <c:showPercent val="0"/>
+          <c:showBubbleSize val="0"/>
+          <c:showLeaderLines val="1"/>
+        </c:dLbls>
+        <c:firstSliceAng val="0"/>
+      </c:pieChart>
+      <c:spPr>
+        <a:noFill/>
+        <a:ln>
+          <a:noFill/>
+        </a:ln>
+        <a:effectLst/>
+      </c:spPr>
+    </c:plotArea>
+    <c:legend>
+      <c:legendPos val="b"/>
+      <c:overlay val="0"/>
+      <c:spPr>
+        <a:noFill/>
+        <a:ln>
+          <a:noFill/>
+        </a:ln>
+        <a:effectLst/>
+      </c:spPr>
+      <c:txPr>
+        <a:bodyPr rot="0" spcFirstLastPara="1" vertOverflow="ellipsis" vert="horz" wrap="square" anchor="ctr" anchorCtr="1"/>
+        <a:lstStyle/>
+        <a:p>
+          <a:pPr>
+            <a:defRPr sz="1197" b="0" i="0" u="none" strike="noStrike" kern="1200" baseline="0">
+              <a:solidFill>
+                <a:schemeClr val="tx1">
+                  <a:lumMod val="65000"/>
+                  <a:lumOff val="35000"/>
+                </a:schemeClr>
+              </a:solidFill>
+              <a:latin typeface="+mn-lt"/>
+              <a:ea typeface="+mn-ea"/>
+              <a:cs typeface="+mn-cs"/>
+            </a:defRPr>
+          </a:pPr>
+          <a:endParaRPr lang="zh-CN"/>
+        </a:p>
+      </c:txPr>
+    </c:legend>
+    <c:plotVisOnly val="1"/>
+    <c:dispBlanksAs val="gap"/>
+    <c:extLst>
+      <c:ext xmlns:c16r3="http://schemas.microsoft.com/office/drawing/2017/03/chart" uri="{56B9EC1D-385E-4148-901F-78D8002777C0}">
+        <c16r3:dataDisplayOptions16>
+          <c16r3:dispNaAsBlank val="1"/>
+        </c16r3:dataDisplayOptions16>
+      </c:ext>
+    </c:extLst>
+    <c:showDLblsOverMax val="0"/>
+  </c:chart>
+  <c:spPr>
+    <a:noFill/>
+    <a:ln>
+      <a:noFill/>
+    </a:ln>
+    <a:effectLst/>
+  </c:spPr>
+  <c:txPr>
+    <a:bodyPr/>
+    <a:lstStyle/>
+    <a:p>
+      <a:pPr>
+        <a:defRPr/>
+      </a:pPr>
+      <a:endParaRPr lang="zh-CN"/>
+    </a:p>
+  </c:txPr>
+  <c:externalData r:id="rId3">
+    <c:autoUpdate val="0"/>
+  </c:externalData>
+</c:chartSpace>
+</file>
+
+<file path=ppt/charts/chart3.xml><?xml version="1.0" encoding="utf-8"?>
 <c:chartSpace xmlns:c="http://schemas.openxmlformats.org/drawingml/2006/chart" xmlns:a="http://schemas.openxmlformats.org/drawingml/2006/main" xmlns:r="http://schemas.openxmlformats.org/officeDocument/2006/relationships" xmlns:c16r2="http://schemas.microsoft.com/office/drawing/2015/06/chart">
   <c:date1904 val="0"/>
   <c:lang val="zh-CN"/>
@@ -941,15 +2165,7 @@
             </a:r>
             <a:r>
               <a:rPr lang="zh-CN" altLang="en-US" dirty="0"/>
-              <a:t>年都有（</a:t>
-            </a:r>
-            <a:r>
-              <a:rPr lang="en-US" altLang="zh-CN" dirty="0"/>
-              <a:t>3</a:t>
-            </a:r>
-            <a:r>
-              <a:rPr lang="zh-CN" altLang="en-US" dirty="0"/>
-              <a:t>年统计）</a:t>
+              <a:t>年都有</a:t>
             </a:r>
           </a:p>
         </c:rich>
@@ -999,7 +2215,7 @@
               <c:strCache>
                 <c:ptCount val="1"/>
                 <c:pt idx="0">
-                  <c:v>抗肿瘤</c:v>
+                  <c:v>客运</c:v>
                 </c:pt>
               </c:strCache>
             </c:strRef>
@@ -1070,36 +2286,54 @@
           </c:dLbls>
           <c:cat>
             <c:numRef>
-              <c:f>Sheet1!$A$2:$A$4</c:f>
+              <c:f>Sheet1!$A$2:$A$7</c:f>
               <c:numCache>
                 <c:formatCode>General</c:formatCode>
-                <c:ptCount val="3"/>
+                <c:ptCount val="6"/>
                 <c:pt idx="0">
+                  <c:v>2016</c:v>
+                </c:pt>
+                <c:pt idx="1">
                   <c:v>2017</c:v>
                 </c:pt>
-                <c:pt idx="1">
+                <c:pt idx="2">
                   <c:v>2018</c:v>
                 </c:pt>
-                <c:pt idx="2">
+                <c:pt idx="3">
                   <c:v>2019</c:v>
+                </c:pt>
+                <c:pt idx="4">
+                  <c:v>2020</c:v>
+                </c:pt>
+                <c:pt idx="5">
+                  <c:v>2021</c:v>
                 </c:pt>
               </c:numCache>
             </c:numRef>
           </c:cat>
           <c:val>
             <c:numRef>
-              <c:f>Sheet1!$B$2:$B$4</c:f>
+              <c:f>Sheet1!$B$2:$B$7</c:f>
               <c:numCache>
                 <c:formatCode>General</c:formatCode>
-                <c:ptCount val="3"/>
+                <c:ptCount val="6"/>
                 <c:pt idx="0">
-                  <c:v>57</c:v>
+                  <c:v>73.59</c:v>
                 </c:pt>
                 <c:pt idx="1">
-                  <c:v>73</c:v>
+                  <c:v>77.569999999999993</c:v>
                 </c:pt>
                 <c:pt idx="2">
-                  <c:v>105</c:v>
+                  <c:v>81.08</c:v>
+                </c:pt>
+                <c:pt idx="3">
+                  <c:v>80.099999999999994</c:v>
+                </c:pt>
+                <c:pt idx="4">
+                  <c:v>41.15</c:v>
+                </c:pt>
+                <c:pt idx="5">
+                  <c:v>61.69</c:v>
                 </c:pt>
               </c:numCache>
             </c:numRef>
@@ -1119,7 +2353,7 @@
               <c:strCache>
                 <c:ptCount val="1"/>
                 <c:pt idx="0">
-                  <c:v>麻醉</c:v>
+                  <c:v>货运</c:v>
                 </c:pt>
               </c:strCache>
             </c:strRef>
@@ -1190,36 +2424,54 @@
           </c:dLbls>
           <c:cat>
             <c:numRef>
-              <c:f>Sheet1!$A$2:$A$4</c:f>
+              <c:f>Sheet1!$A$2:$A$7</c:f>
               <c:numCache>
                 <c:formatCode>General</c:formatCode>
-                <c:ptCount val="3"/>
+                <c:ptCount val="6"/>
                 <c:pt idx="0">
+                  <c:v>2016</c:v>
+                </c:pt>
+                <c:pt idx="1">
                   <c:v>2017</c:v>
                 </c:pt>
-                <c:pt idx="1">
+                <c:pt idx="2">
                   <c:v>2018</c:v>
                 </c:pt>
-                <c:pt idx="2">
+                <c:pt idx="3">
                   <c:v>2019</c:v>
+                </c:pt>
+                <c:pt idx="4">
+                  <c:v>2020</c:v>
+                </c:pt>
+                <c:pt idx="5">
+                  <c:v>2021</c:v>
                 </c:pt>
               </c:numCache>
             </c:numRef>
           </c:cat>
           <c:val>
             <c:numRef>
-              <c:f>Sheet1!$C$2:$C$4</c:f>
+              <c:f>Sheet1!$C$2:$C$7</c:f>
               <c:numCache>
                 <c:formatCode>General</c:formatCode>
-                <c:ptCount val="3"/>
+                <c:ptCount val="6"/>
                 <c:pt idx="0">
-                  <c:v>36</c:v>
+                  <c:v>17.18</c:v>
                 </c:pt>
                 <c:pt idx="1">
-                  <c:v>46</c:v>
+                  <c:v>18.940000000000001</c:v>
                 </c:pt>
                 <c:pt idx="2">
-                  <c:v>55</c:v>
+                  <c:v>18.489999999999998</c:v>
+                </c:pt>
+                <c:pt idx="3">
+                  <c:v>21.13</c:v>
+                </c:pt>
+                <c:pt idx="4">
+                  <c:v>16.989999999999998</c:v>
+                </c:pt>
+                <c:pt idx="5">
+                  <c:v>20.350000000000001</c:v>
                 </c:pt>
               </c:numCache>
             </c:numRef>
@@ -1239,7 +2491,7 @@
               <c:strCache>
                 <c:ptCount val="1"/>
                 <c:pt idx="0">
-                  <c:v>造影剂</c:v>
+                  <c:v>路网清算</c:v>
                 </c:pt>
               </c:strCache>
             </c:strRef>
@@ -1312,36 +2564,54 @@
           </c:dLbls>
           <c:cat>
             <c:numRef>
-              <c:f>Sheet1!$A$2:$A$4</c:f>
+              <c:f>Sheet1!$A$2:$A$7</c:f>
               <c:numCache>
                 <c:formatCode>General</c:formatCode>
-                <c:ptCount val="3"/>
+                <c:ptCount val="6"/>
                 <c:pt idx="0">
+                  <c:v>2016</c:v>
+                </c:pt>
+                <c:pt idx="1">
                   <c:v>2017</c:v>
                 </c:pt>
-                <c:pt idx="1">
+                <c:pt idx="2">
                   <c:v>2018</c:v>
                 </c:pt>
-                <c:pt idx="2">
+                <c:pt idx="3">
                   <c:v>2019</c:v>
+                </c:pt>
+                <c:pt idx="4">
+                  <c:v>2020</c:v>
+                </c:pt>
+                <c:pt idx="5">
+                  <c:v>2021</c:v>
                 </c:pt>
               </c:numCache>
             </c:numRef>
           </c:cat>
           <c:val>
             <c:numRef>
-              <c:f>Sheet1!$D$2:$D$4</c:f>
+              <c:f>Sheet1!$D$2:$D$7</c:f>
               <c:numCache>
                 <c:formatCode>General</c:formatCode>
-                <c:ptCount val="3"/>
+                <c:ptCount val="6"/>
                 <c:pt idx="0">
-                  <c:v>19</c:v>
+                  <c:v>70.930000000000007</c:v>
                 </c:pt>
                 <c:pt idx="1">
-                  <c:v>23</c:v>
+                  <c:v>76.44</c:v>
                 </c:pt>
                 <c:pt idx="2">
-                  <c:v>32</c:v>
+                  <c:v>88.66</c:v>
+                </c:pt>
+                <c:pt idx="3">
+                  <c:v>99.03</c:v>
+                </c:pt>
+                <c:pt idx="4">
+                  <c:v>95.72</c:v>
+                </c:pt>
+                <c:pt idx="5">
+                  <c:v>108.15</c:v>
                 </c:pt>
               </c:numCache>
             </c:numRef>
@@ -1432,36 +2702,54 @@
           </c:dLbls>
           <c:cat>
             <c:numRef>
-              <c:f>Sheet1!$A$2:$A$4</c:f>
+              <c:f>Sheet1!$A$2:$A$7</c:f>
               <c:numCache>
                 <c:formatCode>General</c:formatCode>
-                <c:ptCount val="3"/>
+                <c:ptCount val="6"/>
                 <c:pt idx="0">
+                  <c:v>2016</c:v>
+                </c:pt>
+                <c:pt idx="1">
                   <c:v>2017</c:v>
                 </c:pt>
-                <c:pt idx="1">
+                <c:pt idx="2">
                   <c:v>2018</c:v>
                 </c:pt>
-                <c:pt idx="2">
+                <c:pt idx="3">
                   <c:v>2019</c:v>
+                </c:pt>
+                <c:pt idx="4">
+                  <c:v>2020</c:v>
+                </c:pt>
+                <c:pt idx="5">
+                  <c:v>2021</c:v>
                 </c:pt>
               </c:numCache>
             </c:numRef>
           </c:cat>
           <c:val>
             <c:numRef>
-              <c:f>Sheet1!$E$2:$E$4</c:f>
+              <c:f>Sheet1!$E$2:$E$7</c:f>
               <c:numCache>
                 <c:formatCode>General</c:formatCode>
-                <c:ptCount val="3"/>
+                <c:ptCount val="6"/>
                 <c:pt idx="0">
-                  <c:v>26</c:v>
+                  <c:v>11.1</c:v>
                 </c:pt>
                 <c:pt idx="1">
-                  <c:v>30</c:v>
+                  <c:v>10.37</c:v>
                 </c:pt>
                 <c:pt idx="2">
-                  <c:v>39</c:v>
+                  <c:v>10.050000000000001</c:v>
+                </c:pt>
+                <c:pt idx="3">
+                  <c:v>11.53</c:v>
+                </c:pt>
+                <c:pt idx="4">
+                  <c:v>9.64</c:v>
+                </c:pt>
+                <c:pt idx="5">
+                  <c:v>11.87</c:v>
                 </c:pt>
               </c:numCache>
             </c:numRef>
@@ -1665,7 +2953,7 @@
 </c:chartSpace>
 </file>
 
-<file path=ppt/charts/chart3.xml><?xml version="1.0" encoding="utf-8"?>
+<file path=ppt/charts/chart4.xml><?xml version="1.0" encoding="utf-8"?>
 <c:chartSpace xmlns:c="http://schemas.openxmlformats.org/drawingml/2006/chart" xmlns:a="http://schemas.openxmlformats.org/drawingml/2006/main" xmlns:r="http://schemas.openxmlformats.org/officeDocument/2006/relationships" xmlns:c16r2="http://schemas.microsoft.com/office/drawing/2015/06/chart">
   <c:date1904 val="0"/>
   <c:lang val="zh-CN"/>
@@ -2437,7 +3725,7 @@
 </c:chartSpace>
 </file>
 
-<file path=ppt/charts/chart4.xml><?xml version="1.0" encoding="utf-8"?>
+<file path=ppt/charts/chart5.xml><?xml version="1.0" encoding="utf-8"?>
 <c:chartSpace xmlns:c="http://schemas.openxmlformats.org/drawingml/2006/chart" xmlns:a="http://schemas.openxmlformats.org/drawingml/2006/main" xmlns:r="http://schemas.openxmlformats.org/officeDocument/2006/relationships" xmlns:c16r2="http://schemas.microsoft.com/office/drawing/2015/06/chart">
   <c:date1904 val="0"/>
   <c:lang val="zh-CN"/>
@@ -3160,7 +4448,7 @@
 </c:chartSpace>
 </file>
 
-<file path=ppt/charts/chart5.xml><?xml version="1.0" encoding="utf-8"?>
+<file path=ppt/charts/chart6.xml><?xml version="1.0" encoding="utf-8"?>
 <c:chartSpace xmlns:c="http://schemas.openxmlformats.org/drawingml/2006/chart" xmlns:a="http://schemas.openxmlformats.org/drawingml/2006/main" xmlns:r="http://schemas.openxmlformats.org/officeDocument/2006/relationships" xmlns:c16r2="http://schemas.microsoft.com/office/drawing/2015/06/chart">
   <c:date1904 val="0"/>
   <c:lang val="zh-CN"/>
@@ -3340,10 +4628,10 @@
           </c:dLbls>
           <c:cat>
             <c:numRef>
-              <c:f>qian!$A$2:$A$5</c:f>
+              <c:f>qian!$A$2:$A$7</c:f>
               <c:numCache>
                 <c:formatCode>General</c:formatCode>
-                <c:ptCount val="4"/>
+                <c:ptCount val="6"/>
                 <c:pt idx="0">
                   <c:v>2016</c:v>
                 </c:pt>
@@ -3361,21 +4649,27 @@
           </c:cat>
           <c:val>
             <c:numRef>
-              <c:f>qian!$B$2:$B$5</c:f>
+              <c:f>qian!$B$2:$B$7</c:f>
               <c:numCache>
                 <c:formatCode>General</c:formatCode>
-                <c:ptCount val="4"/>
+                <c:ptCount val="6"/>
                 <c:pt idx="0">
-                  <c:v>12.93</c:v>
+                  <c:v>88.65</c:v>
                 </c:pt>
                 <c:pt idx="1">
-                  <c:v>13.37</c:v>
+                  <c:v>90.69</c:v>
                 </c:pt>
                 <c:pt idx="2">
-                  <c:v>13.4</c:v>
+                  <c:v>92.4</c:v>
                 </c:pt>
                 <c:pt idx="3">
-                  <c:v>12.5</c:v>
+                  <c:v>92.8</c:v>
+                </c:pt>
+                <c:pt idx="4">
+                  <c:v>109.34</c:v>
+                </c:pt>
+                <c:pt idx="5">
+                  <c:v>105.22</c:v>
                 </c:pt>
               </c:numCache>
             </c:numRef>
@@ -3469,10 +4763,10 @@
           </c:dLbls>
           <c:cat>
             <c:numRef>
-              <c:f>qian!$A$2:$A$5</c:f>
+              <c:f>qian!$A$2:$A$7</c:f>
               <c:numCache>
                 <c:formatCode>General</c:formatCode>
-                <c:ptCount val="4"/>
+                <c:ptCount val="6"/>
                 <c:pt idx="0">
                   <c:v>2016</c:v>
                 </c:pt>
@@ -3490,21 +4784,27 @@
           </c:cat>
           <c:val>
             <c:numRef>
-              <c:f>qian!$C$2:$C$5</c:f>
+              <c:f>qian!$C$2:$C$7</c:f>
               <c:numCache>
                 <c:formatCode>General</c:formatCode>
-                <c:ptCount val="4"/>
+                <c:ptCount val="6"/>
                 <c:pt idx="0">
-                  <c:v>1.82</c:v>
+                  <c:v>0.3</c:v>
                 </c:pt>
                 <c:pt idx="1">
-                  <c:v>1.83</c:v>
+                  <c:v>0.18</c:v>
                 </c:pt>
                 <c:pt idx="2">
-                  <c:v>1.35</c:v>
+                  <c:v>0.13</c:v>
                 </c:pt>
                 <c:pt idx="3">
-                  <c:v>0.92</c:v>
+                  <c:v>0.31</c:v>
+                </c:pt>
+                <c:pt idx="4">
+                  <c:v>0.22</c:v>
+                </c:pt>
+                <c:pt idx="5">
+                  <c:v>0.27</c:v>
                 </c:pt>
               </c:numCache>
             </c:numRef>
@@ -3595,10 +4895,10 @@
           </c:dLbls>
           <c:cat>
             <c:numRef>
-              <c:f>qian!$A$2:$A$5</c:f>
+              <c:f>qian!$A$2:$A$7</c:f>
               <c:numCache>
                 <c:formatCode>General</c:formatCode>
-                <c:ptCount val="4"/>
+                <c:ptCount val="6"/>
                 <c:pt idx="0">
                   <c:v>2016</c:v>
                 </c:pt>
@@ -3616,21 +4916,27 @@
           </c:cat>
           <c:val>
             <c:numRef>
-              <c:f>qian!$D$2:$D$5</c:f>
+              <c:f>qian!$D$2:$D$7</c:f>
               <c:numCache>
                 <c:formatCode>General</c:formatCode>
-                <c:ptCount val="4"/>
+                <c:ptCount val="6"/>
                 <c:pt idx="0">
-                  <c:v>39.22</c:v>
+                  <c:v>0.05</c:v>
                 </c:pt>
                 <c:pt idx="1">
-                  <c:v>37.5</c:v>
+                  <c:v>0.02</c:v>
                 </c:pt>
                 <c:pt idx="2">
-                  <c:v>37.11</c:v>
+                  <c:v>0</c:v>
                 </c:pt>
                 <c:pt idx="3">
-                  <c:v>36.6</c:v>
+                  <c:v>0</c:v>
+                </c:pt>
+                <c:pt idx="4">
+                  <c:v>0</c:v>
+                </c:pt>
+                <c:pt idx="5">
+                  <c:v>0</c:v>
                 </c:pt>
               </c:numCache>
             </c:numRef>
@@ -3724,10 +5030,10 @@
           </c:dLbls>
           <c:cat>
             <c:numRef>
-              <c:f>qian!$A$2:$A$5</c:f>
+              <c:f>qian!$A$2:$A$7</c:f>
               <c:numCache>
                 <c:formatCode>General</c:formatCode>
-                <c:ptCount val="4"/>
+                <c:ptCount val="6"/>
                 <c:pt idx="0">
                   <c:v>2016</c:v>
                 </c:pt>
@@ -3745,21 +5051,27 @@
           </c:cat>
           <c:val>
             <c:numRef>
-              <c:f>qian!$E$2:$E$5</c:f>
+              <c:f>qian!$E$2:$E$7</c:f>
               <c:numCache>
                 <c:formatCode>General</c:formatCode>
-                <c:ptCount val="4"/>
+                <c:ptCount val="6"/>
                 <c:pt idx="0">
-                  <c:v>20.420000000000002</c:v>
+                  <c:v>1.51</c:v>
                 </c:pt>
                 <c:pt idx="1">
-                  <c:v>21.34</c:v>
+                  <c:v>1.42</c:v>
                 </c:pt>
                 <c:pt idx="2">
-                  <c:v>9.33</c:v>
+                  <c:v>1.49</c:v>
                 </c:pt>
                 <c:pt idx="3">
-                  <c:v>9.6199999999999992</c:v>
+                  <c:v>1.62</c:v>
+                </c:pt>
+                <c:pt idx="4">
+                  <c:v>1.65</c:v>
+                </c:pt>
+                <c:pt idx="5">
+                  <c:v>1.27</c:v>
                 </c:pt>
               </c:numCache>
             </c:numRef>
@@ -3856,10 +5168,10 @@
           </c:dLbls>
           <c:cat>
             <c:numRef>
-              <c:f>qian!$A$2:$A$5</c:f>
+              <c:f>qian!$A$2:$A$7</c:f>
               <c:numCache>
                 <c:formatCode>General</c:formatCode>
-                <c:ptCount val="4"/>
+                <c:ptCount val="6"/>
                 <c:pt idx="0">
                   <c:v>2016</c:v>
                 </c:pt>
@@ -3877,10 +5189,10 @@
           </c:cat>
           <c:val>
             <c:numRef>
-              <c:f>qian!$F$2:$F$5</c:f>
+              <c:f>qian!$F$2:$F$7</c:f>
               <c:numCache>
                 <c:formatCode>General</c:formatCode>
-                <c:ptCount val="4"/>
+                <c:ptCount val="6"/>
                 <c:pt idx="0">
                   <c:v>0</c:v>
                 </c:pt>
@@ -3888,10 +5200,16 @@
                   <c:v>0</c:v>
                 </c:pt>
                 <c:pt idx="2">
-                  <c:v>15.33</c:v>
+                  <c:v>0</c:v>
                 </c:pt>
                 <c:pt idx="3">
-                  <c:v>16.73</c:v>
+                  <c:v>0</c:v>
+                </c:pt>
+                <c:pt idx="4">
+                  <c:v>0</c:v>
+                </c:pt>
+                <c:pt idx="5">
+                  <c:v>0</c:v>
                 </c:pt>
               </c:numCache>
             </c:numRef>
@@ -3985,10 +5303,10 @@
           </c:dLbls>
           <c:cat>
             <c:numRef>
-              <c:f>qian!$A$2:$A$5</c:f>
+              <c:f>qian!$A$2:$A$7</c:f>
               <c:numCache>
                 <c:formatCode>General</c:formatCode>
-                <c:ptCount val="4"/>
+                <c:ptCount val="6"/>
                 <c:pt idx="0">
                   <c:v>2016</c:v>
                 </c:pt>
@@ -4006,21 +5324,27 @@
           </c:cat>
           <c:val>
             <c:numRef>
-              <c:f>qian!$G$2:$G$5</c:f>
+              <c:f>qian!$G$2:$G$7</c:f>
               <c:numCache>
                 <c:formatCode>General</c:formatCode>
-                <c:ptCount val="4"/>
+                <c:ptCount val="6"/>
                 <c:pt idx="0">
-                  <c:v>25.58</c:v>
+                  <c:v>9.4700000000000006</c:v>
                 </c:pt>
                 <c:pt idx="1">
-                  <c:v>25.95</c:v>
+                  <c:v>7.67</c:v>
                 </c:pt>
                 <c:pt idx="2">
-                  <c:v>23.45</c:v>
+                  <c:v>5.95</c:v>
                 </c:pt>
                 <c:pt idx="3">
-                  <c:v>23.6</c:v>
+                  <c:v>5.25</c:v>
+                </c:pt>
+                <c:pt idx="4">
+                  <c:v>-11.23</c:v>
+                </c:pt>
+                <c:pt idx="5">
+                  <c:v>-6.77</c:v>
                 </c:pt>
               </c:numCache>
             </c:numRef>
@@ -4225,7 +5549,7 @@
 </c:chartSpace>
 </file>
 
-<file path=ppt/charts/chart6.xml><?xml version="1.0" encoding="utf-8"?>
+<file path=ppt/charts/chart7.xml><?xml version="1.0" encoding="utf-8"?>
 <c:chartSpace xmlns:c="http://schemas.openxmlformats.org/drawingml/2006/chart" xmlns:a="http://schemas.openxmlformats.org/drawingml/2006/main" xmlns:r="http://schemas.openxmlformats.org/officeDocument/2006/relationships" xmlns:c16r2="http://schemas.microsoft.com/office/drawing/2015/06/chart">
   <c:date1904 val="0"/>
   <c:lang val="zh-CN"/>
@@ -4454,10 +5778,10 @@
           </c:dLbls>
           <c:cat>
             <c:numRef>
-              <c:f>Sheet1!$A$2:$A$5</c:f>
+              <c:f>Sheet1!$A$2:$A$7</c:f>
               <c:numCache>
                 <c:formatCode>General</c:formatCode>
-                <c:ptCount val="4"/>
+                <c:ptCount val="6"/>
                 <c:pt idx="0">
                   <c:v>2016</c:v>
                 </c:pt>
@@ -4469,27 +5793,39 @@
                 </c:pt>
                 <c:pt idx="3">
                   <c:v>2019</c:v>
+                </c:pt>
+                <c:pt idx="4">
+                  <c:v>2020</c:v>
+                </c:pt>
+                <c:pt idx="5">
+                  <c:v>2021</c:v>
                 </c:pt>
               </c:numCache>
             </c:numRef>
           </c:cat>
           <c:val>
             <c:numRef>
-              <c:f>Sheet1!$B$2:$B$5</c:f>
+              <c:f>Sheet1!$B$2:$B$7</c:f>
               <c:numCache>
                 <c:formatCode>General</c:formatCode>
-                <c:ptCount val="4"/>
+                <c:ptCount val="6"/>
                 <c:pt idx="0">
-                  <c:v>87.06</c:v>
+                  <c:v>11.34</c:v>
                 </c:pt>
                 <c:pt idx="1">
-                  <c:v>86.62</c:v>
+                  <c:v>9.3000000000000007</c:v>
                 </c:pt>
                 <c:pt idx="2">
-                  <c:v>86.59</c:v>
+                  <c:v>7.59</c:v>
                 </c:pt>
                 <c:pt idx="3">
-                  <c:v>87.49</c:v>
+                  <c:v>7.19</c:v>
+                </c:pt>
+                <c:pt idx="4">
+                  <c:v>-9.34</c:v>
+                </c:pt>
+                <c:pt idx="5">
+                  <c:v>-5.22</c:v>
                 </c:pt>
               </c:numCache>
             </c:numRef>
@@ -4498,842 +5834,6 @@
           <c:extLst>
             <c:ext xmlns:c16="http://schemas.microsoft.com/office/drawing/2014/chart" uri="{C3380CC4-5D6E-409C-BE32-E72D297353CC}">
               <c16:uniqueId val="{00000000-783B-44A6-A8B0-C1C2A88CE0A8}"/>
-            </c:ext>
-          </c:extLst>
-        </c:ser>
-        <c:dLbls>
-          <c:showLegendKey val="0"/>
-          <c:showVal val="0"/>
-          <c:showCatName val="0"/>
-          <c:showSerName val="0"/>
-          <c:showPercent val="0"/>
-          <c:showBubbleSize val="0"/>
-        </c:dLbls>
-        <c:marker val="1"/>
-        <c:smooth val="0"/>
-        <c:axId val="315086272"/>
-        <c:axId val="723200368"/>
-      </c:lineChart>
-      <c:catAx>
-        <c:axId val="315086272"/>
-        <c:scaling>
-          <c:orientation val="minMax"/>
-        </c:scaling>
-        <c:delete val="0"/>
-        <c:axPos val="b"/>
-        <c:numFmt formatCode="General" sourceLinked="1"/>
-        <c:majorTickMark val="none"/>
-        <c:minorTickMark val="none"/>
-        <c:tickLblPos val="nextTo"/>
-        <c:spPr>
-          <a:noFill/>
-          <a:ln w="9525" cap="flat" cmpd="sng" algn="ctr">
-            <a:solidFill>
-              <a:schemeClr val="tx1">
-                <a:lumMod val="15000"/>
-                <a:lumOff val="85000"/>
-              </a:schemeClr>
-            </a:solidFill>
-            <a:round/>
-          </a:ln>
-          <a:effectLst/>
-        </c:spPr>
-        <c:txPr>
-          <a:bodyPr rot="-60000000" spcFirstLastPara="1" vertOverflow="ellipsis" vert="horz" wrap="square" anchor="ctr" anchorCtr="1"/>
-          <a:lstStyle/>
-          <a:p>
-            <a:pPr>
-              <a:defRPr sz="1197" b="0" i="0" u="none" strike="noStrike" kern="1200" baseline="0">
-                <a:solidFill>
-                  <a:schemeClr val="tx1">
-                    <a:lumMod val="65000"/>
-                    <a:lumOff val="35000"/>
-                  </a:schemeClr>
-                </a:solidFill>
-                <a:latin typeface="+mn-lt"/>
-                <a:ea typeface="+mn-ea"/>
-                <a:cs typeface="+mn-cs"/>
-              </a:defRPr>
-            </a:pPr>
-            <a:endParaRPr lang="zh-CN"/>
-          </a:p>
-        </c:txPr>
-        <c:crossAx val="723200368"/>
-        <c:crosses val="autoZero"/>
-        <c:auto val="1"/>
-        <c:lblAlgn val="ctr"/>
-        <c:lblOffset val="100"/>
-        <c:noMultiLvlLbl val="0"/>
-      </c:catAx>
-      <c:valAx>
-        <c:axId val="723200368"/>
-        <c:scaling>
-          <c:orientation val="minMax"/>
-        </c:scaling>
-        <c:delete val="0"/>
-        <c:axPos val="l"/>
-        <c:majorGridlines>
-          <c:spPr>
-            <a:ln w="9525" cap="flat" cmpd="sng" algn="ctr">
-              <a:solidFill>
-                <a:schemeClr val="tx1">
-                  <a:lumMod val="15000"/>
-                  <a:lumOff val="85000"/>
-                </a:schemeClr>
-              </a:solidFill>
-              <a:round/>
-            </a:ln>
-            <a:effectLst/>
-          </c:spPr>
-        </c:majorGridlines>
-        <c:numFmt formatCode="General" sourceLinked="1"/>
-        <c:majorTickMark val="none"/>
-        <c:minorTickMark val="none"/>
-        <c:tickLblPos val="nextTo"/>
-        <c:spPr>
-          <a:noFill/>
-          <a:ln>
-            <a:noFill/>
-          </a:ln>
-          <a:effectLst/>
-        </c:spPr>
-        <c:txPr>
-          <a:bodyPr rot="-60000000" spcFirstLastPara="1" vertOverflow="ellipsis" vert="horz" wrap="square" anchor="ctr" anchorCtr="1"/>
-          <a:lstStyle/>
-          <a:p>
-            <a:pPr>
-              <a:defRPr sz="1197" b="0" i="0" u="none" strike="noStrike" kern="1200" baseline="0">
-                <a:solidFill>
-                  <a:schemeClr val="tx1">
-                    <a:lumMod val="65000"/>
-                    <a:lumOff val="35000"/>
-                  </a:schemeClr>
-                </a:solidFill>
-                <a:latin typeface="+mn-lt"/>
-                <a:ea typeface="+mn-ea"/>
-                <a:cs typeface="+mn-cs"/>
-              </a:defRPr>
-            </a:pPr>
-            <a:endParaRPr lang="zh-CN"/>
-          </a:p>
-        </c:txPr>
-        <c:crossAx val="315086272"/>
-        <c:crosses val="autoZero"/>
-        <c:crossBetween val="between"/>
-      </c:valAx>
-      <c:spPr>
-        <a:noFill/>
-        <a:ln>
-          <a:noFill/>
-        </a:ln>
-        <a:effectLst/>
-      </c:spPr>
-    </c:plotArea>
-    <c:legend>
-      <c:legendPos val="b"/>
-      <c:overlay val="0"/>
-      <c:spPr>
-        <a:noFill/>
-        <a:ln>
-          <a:noFill/>
-        </a:ln>
-        <a:effectLst/>
-      </c:spPr>
-      <c:txPr>
-        <a:bodyPr rot="0" spcFirstLastPara="1" vertOverflow="ellipsis" vert="horz" wrap="square" anchor="ctr" anchorCtr="1"/>
-        <a:lstStyle/>
-        <a:p>
-          <a:pPr>
-            <a:defRPr sz="1197" b="0" i="0" u="none" strike="noStrike" kern="1200" baseline="0">
-              <a:solidFill>
-                <a:schemeClr val="tx1">
-                  <a:lumMod val="65000"/>
-                  <a:lumOff val="35000"/>
-                </a:schemeClr>
-              </a:solidFill>
-              <a:latin typeface="+mn-lt"/>
-              <a:ea typeface="+mn-ea"/>
-              <a:cs typeface="+mn-cs"/>
-            </a:defRPr>
-          </a:pPr>
-          <a:endParaRPr lang="zh-CN"/>
-        </a:p>
-      </c:txPr>
-    </c:legend>
-    <c:plotVisOnly val="1"/>
-    <c:dispBlanksAs val="gap"/>
-    <c:extLst>
-      <c:ext xmlns:c16r3="http://schemas.microsoft.com/office/drawing/2017/03/chart" uri="{56B9EC1D-385E-4148-901F-78D8002777C0}">
-        <c16r3:dataDisplayOptions16>
-          <c16r3:dispNaAsBlank val="1"/>
-        </c16r3:dataDisplayOptions16>
-      </c:ext>
-    </c:extLst>
-    <c:showDLblsOverMax val="0"/>
-  </c:chart>
-  <c:spPr>
-    <a:noFill/>
-    <a:ln>
-      <a:noFill/>
-    </a:ln>
-    <a:effectLst/>
-  </c:spPr>
-  <c:txPr>
-    <a:bodyPr/>
-    <a:lstStyle/>
-    <a:p>
-      <a:pPr>
-        <a:defRPr/>
-      </a:pPr>
-      <a:endParaRPr lang="zh-CN"/>
-    </a:p>
-  </c:txPr>
-  <c:externalData r:id="rId3">
-    <c:autoUpdate val="0"/>
-  </c:externalData>
-</c:chartSpace>
-</file>
-
-<file path=ppt/charts/chart7.xml><?xml version="1.0" encoding="utf-8"?>
-<c:chartSpace xmlns:c="http://schemas.openxmlformats.org/drawingml/2006/chart" xmlns:a="http://schemas.openxmlformats.org/drawingml/2006/main" xmlns:r="http://schemas.openxmlformats.org/officeDocument/2006/relationships" xmlns:c16r2="http://schemas.microsoft.com/office/drawing/2015/06/chart">
-  <c:date1904 val="0"/>
-  <c:lang val="zh-CN"/>
-  <c:roundedCorners val="0"/>
-  <mc:AlternateContent xmlns:mc="http://schemas.openxmlformats.org/markup-compatibility/2006">
-    <mc:Choice xmlns:c14="http://schemas.microsoft.com/office/drawing/2007/8/2/chart" Requires="c14">
-      <c14:style val="102"/>
-    </mc:Choice>
-    <mc:Fallback>
-      <c:style val="2"/>
-    </mc:Fallback>
-  </mc:AlternateContent>
-  <c:chart>
-    <c:title>
-      <c:tx>
-        <c:rich>
-          <a:bodyPr rot="0" spcFirstLastPara="1" vertOverflow="ellipsis" vert="horz" wrap="square" anchor="ctr" anchorCtr="1"/>
-          <a:lstStyle/>
-          <a:p>
-            <a:pPr>
-              <a:defRPr sz="1862" b="0" i="0" u="none" strike="noStrike" kern="1200" spc="0" baseline="0">
-                <a:solidFill>
-                  <a:schemeClr val="tx1">
-                    <a:lumMod val="65000"/>
-                    <a:lumOff val="35000"/>
-                  </a:schemeClr>
-                </a:solidFill>
-                <a:latin typeface="+mn-lt"/>
-                <a:ea typeface="+mn-ea"/>
-                <a:cs typeface="+mn-cs"/>
-              </a:defRPr>
-            </a:pPr>
-            <a:r>
-              <a:rPr lang="zh-CN" altLang="en-US" sz="1862" b="0" i="0" u="none" strike="noStrike" baseline="0" dirty="0">
-                <a:effectLst/>
-              </a:rPr>
-              <a:t>广深铁路</a:t>
-            </a:r>
-            <a:r>
-              <a:rPr lang="zh-CN" altLang="en-US" dirty="0"/>
-              <a:t>历年主要资产周转率（单位：次）</a:t>
-            </a:r>
-          </a:p>
-        </c:rich>
-      </c:tx>
-      <c:overlay val="0"/>
-      <c:spPr>
-        <a:noFill/>
-        <a:ln>
-          <a:noFill/>
-        </a:ln>
-        <a:effectLst/>
-      </c:spPr>
-      <c:txPr>
-        <a:bodyPr rot="0" spcFirstLastPara="1" vertOverflow="ellipsis" vert="horz" wrap="square" anchor="ctr" anchorCtr="1"/>
-        <a:lstStyle/>
-        <a:p>
-          <a:pPr>
-            <a:defRPr sz="1862" b="0" i="0" u="none" strike="noStrike" kern="1200" spc="0" baseline="0">
-              <a:solidFill>
-                <a:schemeClr val="tx1">
-                  <a:lumMod val="65000"/>
-                  <a:lumOff val="35000"/>
-                </a:schemeClr>
-              </a:solidFill>
-              <a:latin typeface="+mn-lt"/>
-              <a:ea typeface="+mn-ea"/>
-              <a:cs typeface="+mn-cs"/>
-            </a:defRPr>
-          </a:pPr>
-          <a:endParaRPr lang="zh-CN"/>
-        </a:p>
-      </c:txPr>
-    </c:title>
-    <c:autoTitleDeleted val="0"/>
-    <c:plotArea>
-      <c:layout/>
-      <c:lineChart>
-        <c:grouping val="standard"/>
-        <c:varyColors val="0"/>
-        <c:ser>
-          <c:idx val="0"/>
-          <c:order val="0"/>
-          <c:tx>
-            <c:strRef>
-              <c:f>Sheet1!$B$1</c:f>
-              <c:strCache>
-                <c:ptCount val="1"/>
-                <c:pt idx="0">
-                  <c:v>总资产周转率（次）</c:v>
-                </c:pt>
-              </c:strCache>
-            </c:strRef>
-          </c:tx>
-          <c:spPr>
-            <a:ln w="28575" cap="rnd">
-              <a:solidFill>
-                <a:srgbClr val="FF0000"/>
-              </a:solidFill>
-              <a:round/>
-            </a:ln>
-            <a:effectLst/>
-          </c:spPr>
-          <c:marker>
-            <c:symbol val="circle"/>
-            <c:size val="5"/>
-            <c:spPr>
-              <a:solidFill>
-                <a:schemeClr val="accent1"/>
-              </a:solidFill>
-              <a:ln w="9525">
-                <a:solidFill>
-                  <a:schemeClr val="accent1"/>
-                </a:solidFill>
-              </a:ln>
-              <a:effectLst/>
-            </c:spPr>
-          </c:marker>
-          <c:dLbls>
-            <c:dLbl>
-              <c:idx val="4"/>
-              <c:layout>
-                <c:manualLayout>
-                  <c:x val="1.5625000000000001E-3"/>
-                  <c:y val="-4.2187497404804541E-2"/>
-                </c:manualLayout>
-              </c:layout>
-              <c:showLegendKey val="0"/>
-              <c:showVal val="1"/>
-              <c:showCatName val="0"/>
-              <c:showSerName val="0"/>
-              <c:showPercent val="0"/>
-              <c:showBubbleSize val="0"/>
-              <c:extLst>
-                <c:ext xmlns:c15="http://schemas.microsoft.com/office/drawing/2012/chart" uri="{CE6537A1-D6FC-4f65-9D91-7224C49458BB}"/>
-                <c:ext xmlns:c16="http://schemas.microsoft.com/office/drawing/2014/chart" uri="{C3380CC4-5D6E-409C-BE32-E72D297353CC}">
-                  <c16:uniqueId val="{00000003-833A-41B2-8066-9E08687A0E2E}"/>
-                </c:ext>
-              </c:extLst>
-            </c:dLbl>
-            <c:dLbl>
-              <c:idx val="5"/>
-              <c:layout>
-                <c:manualLayout>
-                  <c:x val="-9.3749999999999997E-3"/>
-                  <c:y val="-5.156249682809444E-2"/>
-                </c:manualLayout>
-              </c:layout>
-              <c:showLegendKey val="0"/>
-              <c:showVal val="1"/>
-              <c:showCatName val="0"/>
-              <c:showSerName val="0"/>
-              <c:showPercent val="0"/>
-              <c:showBubbleSize val="0"/>
-              <c:extLst>
-                <c:ext xmlns:c15="http://schemas.microsoft.com/office/drawing/2012/chart" uri="{CE6537A1-D6FC-4f65-9D91-7224C49458BB}"/>
-                <c:ext xmlns:c16="http://schemas.microsoft.com/office/drawing/2014/chart" uri="{C3380CC4-5D6E-409C-BE32-E72D297353CC}">
-                  <c16:uniqueId val="{00000001-833A-41B2-8066-9E08687A0E2E}"/>
-                </c:ext>
-              </c:extLst>
-            </c:dLbl>
-            <c:spPr>
-              <a:noFill/>
-              <a:ln>
-                <a:noFill/>
-              </a:ln>
-              <a:effectLst>
-                <a:outerShdw blurRad="50800" dist="50800" dir="5400000" algn="ctr" rotWithShape="0">
-                  <a:schemeClr val="bg1"/>
-                </a:outerShdw>
-              </a:effectLst>
-            </c:spPr>
-            <c:txPr>
-              <a:bodyPr rot="0" spcFirstLastPara="1" vertOverflow="ellipsis" vert="horz" wrap="square" lIns="38100" tIns="19050" rIns="38100" bIns="19050" anchor="ctr" anchorCtr="1">
-                <a:spAutoFit/>
-              </a:bodyPr>
-              <a:lstStyle/>
-              <a:p>
-                <a:pPr>
-                  <a:defRPr sz="1197" b="0" i="0" u="none" strike="noStrike" kern="1200" baseline="0">
-                    <a:solidFill>
-                      <a:srgbClr val="FF0000"/>
-                    </a:solidFill>
-                    <a:latin typeface="+mn-lt"/>
-                    <a:ea typeface="+mn-ea"/>
-                    <a:cs typeface="+mn-cs"/>
-                  </a:defRPr>
-                </a:pPr>
-                <a:endParaRPr lang="zh-CN"/>
-              </a:p>
-            </c:txPr>
-            <c:showLegendKey val="0"/>
-            <c:showVal val="1"/>
-            <c:showCatName val="0"/>
-            <c:showSerName val="0"/>
-            <c:showPercent val="0"/>
-            <c:showBubbleSize val="0"/>
-            <c:showLeaderLines val="0"/>
-            <c:extLst>
-              <c:ext xmlns:c15="http://schemas.microsoft.com/office/drawing/2012/chart" uri="{CE6537A1-D6FC-4f65-9D91-7224C49458BB}">
-                <c15:showLeaderLines val="1"/>
-                <c15:leaderLines>
-                  <c:spPr>
-                    <a:ln w="9525" cap="flat" cmpd="sng" algn="ctr">
-                      <a:solidFill>
-                        <a:schemeClr val="tx1">
-                          <a:lumMod val="35000"/>
-                          <a:lumOff val="65000"/>
-                        </a:schemeClr>
-                      </a:solidFill>
-                      <a:round/>
-                    </a:ln>
-                    <a:effectLst/>
-                  </c:spPr>
-                </c15:leaderLines>
-              </c:ext>
-            </c:extLst>
-          </c:dLbls>
-          <c:cat>
-            <c:numRef>
-              <c:f>Sheet1!$A$2:$A$5</c:f>
-              <c:numCache>
-                <c:formatCode>General</c:formatCode>
-                <c:ptCount val="4"/>
-                <c:pt idx="0">
-                  <c:v>2016</c:v>
-                </c:pt>
-                <c:pt idx="1">
-                  <c:v>2017</c:v>
-                </c:pt>
-                <c:pt idx="2">
-                  <c:v>2018</c:v>
-                </c:pt>
-                <c:pt idx="3">
-                  <c:v>2019</c:v>
-                </c:pt>
-              </c:numCache>
-            </c:numRef>
-          </c:cat>
-          <c:val>
-            <c:numRef>
-              <c:f>Sheet1!$B$2:$B$5</c:f>
-              <c:numCache>
-                <c:formatCode>General</c:formatCode>
-                <c:ptCount val="4"/>
-                <c:pt idx="0">
-                  <c:v>0.85</c:v>
-                </c:pt>
-                <c:pt idx="1">
-                  <c:v>0.85</c:v>
-                </c:pt>
-                <c:pt idx="2">
-                  <c:v>0.86</c:v>
-                </c:pt>
-                <c:pt idx="3">
-                  <c:v>0.93</c:v>
-                </c:pt>
-              </c:numCache>
-            </c:numRef>
-          </c:val>
-          <c:smooth val="0"/>
-          <c:extLst>
-            <c:ext xmlns:c16="http://schemas.microsoft.com/office/drawing/2014/chart" uri="{C3380CC4-5D6E-409C-BE32-E72D297353CC}">
-              <c16:uniqueId val="{00000000-783B-44A6-A8B0-C1C2A88CE0A8}"/>
-            </c:ext>
-          </c:extLst>
-        </c:ser>
-        <c:ser>
-          <c:idx val="1"/>
-          <c:order val="1"/>
-          <c:tx>
-            <c:strRef>
-              <c:f>Sheet1!$C$1</c:f>
-              <c:strCache>
-                <c:ptCount val="1"/>
-                <c:pt idx="0">
-                  <c:v>应收账款周转率（次）</c:v>
-                </c:pt>
-              </c:strCache>
-            </c:strRef>
-          </c:tx>
-          <c:spPr>
-            <a:ln w="28575" cap="rnd">
-              <a:solidFill>
-                <a:schemeClr val="accent2"/>
-              </a:solidFill>
-              <a:round/>
-            </a:ln>
-            <a:effectLst/>
-          </c:spPr>
-          <c:marker>
-            <c:symbol val="circle"/>
-            <c:size val="5"/>
-            <c:spPr>
-              <a:solidFill>
-                <a:schemeClr val="accent2"/>
-              </a:solidFill>
-              <a:ln w="9525">
-                <a:solidFill>
-                  <a:schemeClr val="accent2"/>
-                </a:solidFill>
-              </a:ln>
-              <a:effectLst/>
-            </c:spPr>
-          </c:marker>
-          <c:dLbls>
-            <c:spPr>
-              <a:noFill/>
-              <a:ln>
-                <a:noFill/>
-              </a:ln>
-              <a:effectLst/>
-            </c:spPr>
-            <c:txPr>
-              <a:bodyPr rot="0" spcFirstLastPara="1" vertOverflow="ellipsis" vert="horz" wrap="square" lIns="38100" tIns="19050" rIns="38100" bIns="19050" anchor="ctr" anchorCtr="1">
-                <a:spAutoFit/>
-              </a:bodyPr>
-              <a:lstStyle/>
-              <a:p>
-                <a:pPr>
-                  <a:defRPr sz="1197" b="0" i="0" u="none" strike="noStrike" kern="1200" baseline="0">
-                    <a:solidFill>
-                      <a:schemeClr val="tx1">
-                        <a:lumMod val="75000"/>
-                        <a:lumOff val="25000"/>
-                      </a:schemeClr>
-                    </a:solidFill>
-                    <a:latin typeface="+mn-lt"/>
-                    <a:ea typeface="+mn-ea"/>
-                    <a:cs typeface="+mn-cs"/>
-                  </a:defRPr>
-                </a:pPr>
-                <a:endParaRPr lang="zh-CN"/>
-              </a:p>
-            </c:txPr>
-            <c:showLegendKey val="0"/>
-            <c:showVal val="1"/>
-            <c:showCatName val="0"/>
-            <c:showSerName val="0"/>
-            <c:showPercent val="0"/>
-            <c:showBubbleSize val="0"/>
-            <c:showLeaderLines val="0"/>
-            <c:extLst>
-              <c:ext xmlns:c15="http://schemas.microsoft.com/office/drawing/2012/chart" uri="{CE6537A1-D6FC-4f65-9D91-7224C49458BB}">
-                <c15:showLeaderLines val="1"/>
-                <c15:leaderLines>
-                  <c:spPr>
-                    <a:ln w="9525" cap="flat" cmpd="sng" algn="ctr">
-                      <a:solidFill>
-                        <a:schemeClr val="tx1">
-                          <a:lumMod val="35000"/>
-                          <a:lumOff val="65000"/>
-                        </a:schemeClr>
-                      </a:solidFill>
-                      <a:round/>
-                    </a:ln>
-                    <a:effectLst/>
-                  </c:spPr>
-                </c15:leaderLines>
-              </c:ext>
-            </c:extLst>
-          </c:dLbls>
-          <c:cat>
-            <c:numRef>
-              <c:f>Sheet1!$A$2:$A$5</c:f>
-              <c:numCache>
-                <c:formatCode>General</c:formatCode>
-                <c:ptCount val="4"/>
-                <c:pt idx="0">
-                  <c:v>2016</c:v>
-                </c:pt>
-                <c:pt idx="1">
-                  <c:v>2017</c:v>
-                </c:pt>
-                <c:pt idx="2">
-                  <c:v>2018</c:v>
-                </c:pt>
-                <c:pt idx="3">
-                  <c:v>2019</c:v>
-                </c:pt>
-              </c:numCache>
-            </c:numRef>
-          </c:cat>
-          <c:val>
-            <c:numRef>
-              <c:f>Sheet1!$C$2:$C$5</c:f>
-              <c:numCache>
-                <c:formatCode>General</c:formatCode>
-                <c:ptCount val="4"/>
-                <c:pt idx="0">
-                  <c:v>3.29</c:v>
-                </c:pt>
-                <c:pt idx="1">
-                  <c:v>3.62</c:v>
-                </c:pt>
-                <c:pt idx="2">
-                  <c:v>4.04</c:v>
-                </c:pt>
-                <c:pt idx="3">
-                  <c:v>4.72</c:v>
-                </c:pt>
-              </c:numCache>
-            </c:numRef>
-          </c:val>
-          <c:smooth val="0"/>
-          <c:extLst>
-            <c:ext xmlns:c16="http://schemas.microsoft.com/office/drawing/2014/chart" uri="{C3380CC4-5D6E-409C-BE32-E72D297353CC}">
-              <c16:uniqueId val="{00000001-EE56-D049-97FE-80AAF5819D72}"/>
-            </c:ext>
-          </c:extLst>
-        </c:ser>
-        <c:ser>
-          <c:idx val="2"/>
-          <c:order val="2"/>
-          <c:tx>
-            <c:strRef>
-              <c:f>Sheet1!$D$1</c:f>
-              <c:strCache>
-                <c:ptCount val="1"/>
-                <c:pt idx="0">
-                  <c:v>存货周转率（次）</c:v>
-                </c:pt>
-              </c:strCache>
-            </c:strRef>
-          </c:tx>
-          <c:spPr>
-            <a:ln w="28575" cap="rnd">
-              <a:solidFill>
-                <a:schemeClr val="accent3"/>
-              </a:solidFill>
-              <a:round/>
-            </a:ln>
-            <a:effectLst/>
-          </c:spPr>
-          <c:marker>
-            <c:symbol val="circle"/>
-            <c:size val="5"/>
-            <c:spPr>
-              <a:solidFill>
-                <a:schemeClr val="accent3"/>
-              </a:solidFill>
-              <a:ln w="9525">
-                <a:solidFill>
-                  <a:schemeClr val="accent3"/>
-                </a:solidFill>
-              </a:ln>
-              <a:effectLst/>
-            </c:spPr>
-          </c:marker>
-          <c:dLbls>
-            <c:spPr>
-              <a:noFill/>
-              <a:ln>
-                <a:noFill/>
-              </a:ln>
-              <a:effectLst/>
-            </c:spPr>
-            <c:txPr>
-              <a:bodyPr rot="0" spcFirstLastPara="1" vertOverflow="ellipsis" vert="horz" wrap="square" lIns="38100" tIns="19050" rIns="38100" bIns="19050" anchor="ctr" anchorCtr="1">
-                <a:spAutoFit/>
-              </a:bodyPr>
-              <a:lstStyle/>
-              <a:p>
-                <a:pPr>
-                  <a:defRPr sz="1197" b="0" i="0" u="none" strike="noStrike" kern="1200" baseline="0">
-                    <a:solidFill>
-                      <a:schemeClr val="tx1">
-                        <a:lumMod val="75000"/>
-                        <a:lumOff val="25000"/>
-                      </a:schemeClr>
-                    </a:solidFill>
-                    <a:latin typeface="+mn-lt"/>
-                    <a:ea typeface="+mn-ea"/>
-                    <a:cs typeface="+mn-cs"/>
-                  </a:defRPr>
-                </a:pPr>
-                <a:endParaRPr lang="zh-CN"/>
-              </a:p>
-            </c:txPr>
-            <c:showLegendKey val="0"/>
-            <c:showVal val="1"/>
-            <c:showCatName val="0"/>
-            <c:showSerName val="0"/>
-            <c:showPercent val="0"/>
-            <c:showBubbleSize val="0"/>
-            <c:showLeaderLines val="0"/>
-            <c:extLst>
-              <c:ext xmlns:c15="http://schemas.microsoft.com/office/drawing/2012/chart" uri="{CE6537A1-D6FC-4f65-9D91-7224C49458BB}">
-                <c15:showLeaderLines val="1"/>
-                <c15:leaderLines>
-                  <c:spPr>
-                    <a:ln w="9525" cap="flat" cmpd="sng" algn="ctr">
-                      <a:solidFill>
-                        <a:schemeClr val="tx1">
-                          <a:lumMod val="35000"/>
-                          <a:lumOff val="65000"/>
-                        </a:schemeClr>
-                      </a:solidFill>
-                      <a:round/>
-                    </a:ln>
-                    <a:effectLst/>
-                  </c:spPr>
-                </c15:leaderLines>
-              </c:ext>
-            </c:extLst>
-          </c:dLbls>
-          <c:cat>
-            <c:numRef>
-              <c:f>Sheet1!$A$2:$A$5</c:f>
-              <c:numCache>
-                <c:formatCode>General</c:formatCode>
-                <c:ptCount val="4"/>
-                <c:pt idx="0">
-                  <c:v>2016</c:v>
-                </c:pt>
-                <c:pt idx="1">
-                  <c:v>2017</c:v>
-                </c:pt>
-                <c:pt idx="2">
-                  <c:v>2018</c:v>
-                </c:pt>
-                <c:pt idx="3">
-                  <c:v>2019</c:v>
-                </c:pt>
-              </c:numCache>
-            </c:numRef>
-          </c:cat>
-          <c:val>
-            <c:numRef>
-              <c:f>Sheet1!$D$2:$D$5</c:f>
-              <c:numCache>
-                <c:formatCode>General</c:formatCode>
-                <c:ptCount val="4"/>
-                <c:pt idx="0">
-                  <c:v>2.4700000000000002</c:v>
-                </c:pt>
-                <c:pt idx="1">
-                  <c:v>2.59</c:v>
-                </c:pt>
-                <c:pt idx="2">
-                  <c:v>2.56</c:v>
-                </c:pt>
-                <c:pt idx="3">
-                  <c:v>2.2000000000000002</c:v>
-                </c:pt>
-              </c:numCache>
-            </c:numRef>
-          </c:val>
-          <c:smooth val="0"/>
-          <c:extLst>
-            <c:ext xmlns:c16="http://schemas.microsoft.com/office/drawing/2014/chart" uri="{C3380CC4-5D6E-409C-BE32-E72D297353CC}">
-              <c16:uniqueId val="{00000002-EE56-D049-97FE-80AAF5819D72}"/>
-            </c:ext>
-          </c:extLst>
-        </c:ser>
-        <c:ser>
-          <c:idx val="3"/>
-          <c:order val="3"/>
-          <c:tx>
-            <c:strRef>
-              <c:f>Sheet1!$E$1</c:f>
-              <c:strCache>
-                <c:ptCount val="1"/>
-                <c:pt idx="0">
-                  <c:v>固定资产周转率（次）</c:v>
-                </c:pt>
-              </c:strCache>
-            </c:strRef>
-          </c:tx>
-          <c:spPr>
-            <a:ln w="28575" cap="rnd">
-              <a:solidFill>
-                <a:schemeClr val="accent4"/>
-              </a:solidFill>
-              <a:round/>
-            </a:ln>
-            <a:effectLst/>
-          </c:spPr>
-          <c:marker>
-            <c:symbol val="circle"/>
-            <c:size val="5"/>
-            <c:spPr>
-              <a:solidFill>
-                <a:schemeClr val="accent4"/>
-              </a:solidFill>
-              <a:ln w="9525">
-                <a:solidFill>
-                  <a:schemeClr val="accent4"/>
-                </a:solidFill>
-              </a:ln>
-              <a:effectLst/>
-            </c:spPr>
-          </c:marker>
-          <c:cat>
-            <c:numRef>
-              <c:f>Sheet1!$A$2:$A$5</c:f>
-              <c:numCache>
-                <c:formatCode>General</c:formatCode>
-                <c:ptCount val="4"/>
-                <c:pt idx="0">
-                  <c:v>2016</c:v>
-                </c:pt>
-                <c:pt idx="1">
-                  <c:v>2017</c:v>
-                </c:pt>
-                <c:pt idx="2">
-                  <c:v>2018</c:v>
-                </c:pt>
-                <c:pt idx="3">
-                  <c:v>2019</c:v>
-                </c:pt>
-              </c:numCache>
-            </c:numRef>
-          </c:cat>
-          <c:val>
-            <c:numRef>
-              <c:f>Sheet1!$E$2:$E$5</c:f>
-              <c:numCache>
-                <c:formatCode>General</c:formatCode>
-                <c:ptCount val="4"/>
-                <c:pt idx="0">
-                  <c:v>7.15</c:v>
-                </c:pt>
-                <c:pt idx="1">
-                  <c:v>7.52</c:v>
-                </c:pt>
-                <c:pt idx="2">
-                  <c:v>8.0500000000000007</c:v>
-                </c:pt>
-                <c:pt idx="3">
-                  <c:v>9.56</c:v>
-                </c:pt>
-              </c:numCache>
-            </c:numRef>
-          </c:val>
-          <c:smooth val="0"/>
-          <c:extLst>
-            <c:ext xmlns:c16="http://schemas.microsoft.com/office/drawing/2014/chart" uri="{C3380CC4-5D6E-409C-BE32-E72D297353CC}">
-              <c16:uniqueId val="{00000001-989C-A245-85EE-30AB162EA6F5}"/>
             </c:ext>
           </c:extLst>
         </c:ser>
@@ -5571,7 +6071,7 @@
             </a:r>
             <a:r>
               <a:rPr lang="zh-CN" altLang="en-US" dirty="0"/>
-              <a:t>历年资产堆积图</a:t>
+              <a:t>历年主要资产周转率（单位：次）</a:t>
             </a:r>
           </a:p>
         </c:rich>
@@ -5608,8 +6108,8 @@
     <c:autoTitleDeleted val="0"/>
     <c:plotArea>
       <c:layout/>
-      <c:areaChart>
-        <c:grouping val="stacked"/>
+      <c:lineChart>
+        <c:grouping val="standard"/>
         <c:varyColors val="0"/>
         <c:ser>
           <c:idx val="0"/>
@@ -5620,20 +6120,234 @@
               <c:strCache>
                 <c:ptCount val="1"/>
                 <c:pt idx="0">
-                  <c:v>货币资金（亿元）</c:v>
+                  <c:v>总资产周转率（次）</c:v>
                 </c:pt>
               </c:strCache>
             </c:strRef>
           </c:tx>
           <c:spPr>
-            <a:solidFill>
-              <a:schemeClr val="accent1"/>
-            </a:solidFill>
-            <a:ln>
-              <a:noFill/>
+            <a:ln w="28575" cap="rnd">
+              <a:solidFill>
+                <a:srgbClr val="FF0000"/>
+              </a:solidFill>
+              <a:round/>
             </a:ln>
             <a:effectLst/>
           </c:spPr>
+          <c:marker>
+            <c:symbol val="circle"/>
+            <c:size val="5"/>
+            <c:spPr>
+              <a:solidFill>
+                <a:schemeClr val="accent1"/>
+              </a:solidFill>
+              <a:ln w="9525">
+                <a:solidFill>
+                  <a:schemeClr val="accent1"/>
+                </a:solidFill>
+              </a:ln>
+              <a:effectLst/>
+            </c:spPr>
+          </c:marker>
+          <c:dLbls>
+            <c:dLbl>
+              <c:idx val="4"/>
+              <c:layout>
+                <c:manualLayout>
+                  <c:x val="1.5625000000000001E-3"/>
+                  <c:y val="-4.2187497404804541E-2"/>
+                </c:manualLayout>
+              </c:layout>
+              <c:showLegendKey val="0"/>
+              <c:showVal val="1"/>
+              <c:showCatName val="0"/>
+              <c:showSerName val="0"/>
+              <c:showPercent val="0"/>
+              <c:showBubbleSize val="0"/>
+              <c:extLst>
+                <c:ext xmlns:c15="http://schemas.microsoft.com/office/drawing/2012/chart" uri="{CE6537A1-D6FC-4f65-9D91-7224C49458BB}"/>
+                <c:ext xmlns:c16="http://schemas.microsoft.com/office/drawing/2014/chart" uri="{C3380CC4-5D6E-409C-BE32-E72D297353CC}">
+                  <c16:uniqueId val="{00000003-833A-41B2-8066-9E08687A0E2E}"/>
+                </c:ext>
+              </c:extLst>
+            </c:dLbl>
+            <c:dLbl>
+              <c:idx val="5"/>
+              <c:layout>
+                <c:manualLayout>
+                  <c:x val="-9.3749999999999997E-3"/>
+                  <c:y val="-5.156249682809444E-2"/>
+                </c:manualLayout>
+              </c:layout>
+              <c:showLegendKey val="0"/>
+              <c:showVal val="1"/>
+              <c:showCatName val="0"/>
+              <c:showSerName val="0"/>
+              <c:showPercent val="0"/>
+              <c:showBubbleSize val="0"/>
+              <c:extLst>
+                <c:ext xmlns:c15="http://schemas.microsoft.com/office/drawing/2012/chart" uri="{CE6537A1-D6FC-4f65-9D91-7224C49458BB}"/>
+                <c:ext xmlns:c16="http://schemas.microsoft.com/office/drawing/2014/chart" uri="{C3380CC4-5D6E-409C-BE32-E72D297353CC}">
+                  <c16:uniqueId val="{00000001-833A-41B2-8066-9E08687A0E2E}"/>
+                </c:ext>
+              </c:extLst>
+            </c:dLbl>
+            <c:spPr>
+              <a:noFill/>
+              <a:ln>
+                <a:noFill/>
+              </a:ln>
+              <a:effectLst>
+                <a:outerShdw blurRad="50800" dist="50800" dir="5400000" algn="ctr" rotWithShape="0">
+                  <a:schemeClr val="bg1"/>
+                </a:outerShdw>
+              </a:effectLst>
+            </c:spPr>
+            <c:txPr>
+              <a:bodyPr rot="0" spcFirstLastPara="1" vertOverflow="ellipsis" vert="horz" wrap="square" lIns="38100" tIns="19050" rIns="38100" bIns="19050" anchor="ctr" anchorCtr="1">
+                <a:spAutoFit/>
+              </a:bodyPr>
+              <a:lstStyle/>
+              <a:p>
+                <a:pPr>
+                  <a:defRPr sz="1197" b="0" i="0" u="none" strike="noStrike" kern="1200" baseline="0">
+                    <a:solidFill>
+                      <a:srgbClr val="FF0000"/>
+                    </a:solidFill>
+                    <a:latin typeface="+mn-lt"/>
+                    <a:ea typeface="+mn-ea"/>
+                    <a:cs typeface="+mn-cs"/>
+                  </a:defRPr>
+                </a:pPr>
+                <a:endParaRPr lang="zh-CN"/>
+              </a:p>
+            </c:txPr>
+            <c:showLegendKey val="0"/>
+            <c:showVal val="1"/>
+            <c:showCatName val="0"/>
+            <c:showSerName val="0"/>
+            <c:showPercent val="0"/>
+            <c:showBubbleSize val="0"/>
+            <c:showLeaderLines val="0"/>
+            <c:extLst>
+              <c:ext xmlns:c15="http://schemas.microsoft.com/office/drawing/2012/chart" uri="{CE6537A1-D6FC-4f65-9D91-7224C49458BB}">
+                <c15:showLeaderLines val="1"/>
+                <c15:leaderLines>
+                  <c:spPr>
+                    <a:ln w="9525" cap="flat" cmpd="sng" algn="ctr">
+                      <a:solidFill>
+                        <a:schemeClr val="tx1">
+                          <a:lumMod val="35000"/>
+                          <a:lumOff val="65000"/>
+                        </a:schemeClr>
+                      </a:solidFill>
+                      <a:round/>
+                    </a:ln>
+                    <a:effectLst/>
+                  </c:spPr>
+                </c15:leaderLines>
+              </c:ext>
+            </c:extLst>
+          </c:dLbls>
+          <c:cat>
+            <c:numRef>
+              <c:f>Sheet1!$A$2:$A$7</c:f>
+              <c:numCache>
+                <c:formatCode>General</c:formatCode>
+                <c:ptCount val="6"/>
+                <c:pt idx="0">
+                  <c:v>2016</c:v>
+                </c:pt>
+                <c:pt idx="1">
+                  <c:v>2017</c:v>
+                </c:pt>
+                <c:pt idx="2">
+                  <c:v>2018</c:v>
+                </c:pt>
+                <c:pt idx="3">
+                  <c:v>2019</c:v>
+                </c:pt>
+                <c:pt idx="4">
+                  <c:v>2020</c:v>
+                </c:pt>
+                <c:pt idx="5">
+                  <c:v>2021</c:v>
+                </c:pt>
+              </c:numCache>
+            </c:numRef>
+          </c:cat>
+          <c:val>
+            <c:numRef>
+              <c:f>Sheet1!$B$2:$B$7</c:f>
+              <c:numCache>
+                <c:formatCode>General</c:formatCode>
+                <c:ptCount val="6"/>
+                <c:pt idx="0">
+                  <c:v>0.53</c:v>
+                </c:pt>
+                <c:pt idx="1">
+                  <c:v>0.54</c:v>
+                </c:pt>
+                <c:pt idx="2">
+                  <c:v>0.56999999999999995</c:v>
+                </c:pt>
+                <c:pt idx="3">
+                  <c:v>0.57999999999999996</c:v>
+                </c:pt>
+                <c:pt idx="4">
+                  <c:v>0.44</c:v>
+                </c:pt>
+                <c:pt idx="5">
+                  <c:v>0.54</c:v>
+                </c:pt>
+              </c:numCache>
+            </c:numRef>
+          </c:val>
+          <c:smooth val="0"/>
+          <c:extLst>
+            <c:ext xmlns:c16="http://schemas.microsoft.com/office/drawing/2014/chart" uri="{C3380CC4-5D6E-409C-BE32-E72D297353CC}">
+              <c16:uniqueId val="{00000000-783B-44A6-A8B0-C1C2A88CE0A8}"/>
+            </c:ext>
+          </c:extLst>
+        </c:ser>
+        <c:ser>
+          <c:idx val="1"/>
+          <c:order val="1"/>
+          <c:tx>
+            <c:strRef>
+              <c:f>Sheet1!$C$1</c:f>
+              <c:strCache>
+                <c:ptCount val="1"/>
+                <c:pt idx="0">
+                  <c:v>固定资产周转率（次）</c:v>
+                </c:pt>
+              </c:strCache>
+            </c:strRef>
+          </c:tx>
+          <c:spPr>
+            <a:ln w="28575" cap="rnd">
+              <a:solidFill>
+                <a:schemeClr val="accent2"/>
+              </a:solidFill>
+              <a:round/>
+            </a:ln>
+            <a:effectLst/>
+          </c:spPr>
+          <c:marker>
+            <c:symbol val="circle"/>
+            <c:size val="5"/>
+            <c:spPr>
+              <a:solidFill>
+                <a:schemeClr val="accent2"/>
+              </a:solidFill>
+              <a:ln w="9525">
+                <a:solidFill>
+                  <a:schemeClr val="accent2"/>
+                </a:solidFill>
+              </a:ln>
+              <a:effectLst/>
+            </c:spPr>
+          </c:marker>
           <c:dLbls>
             <c:spPr>
               <a:noFill/>
@@ -5693,884 +6407,62 @@
           </c:dLbls>
           <c:cat>
             <c:numRef>
-              <c:f>Sheet1!$A$2:$A$12</c:f>
+              <c:f>Sheet1!$A$2:$A$7</c:f>
               <c:numCache>
                 <c:formatCode>General</c:formatCode>
-                <c:ptCount val="11"/>
+                <c:ptCount val="6"/>
                 <c:pt idx="0">
-                  <c:v>2009</c:v>
+                  <c:v>2016</c:v>
                 </c:pt>
                 <c:pt idx="1">
-                  <c:v>2010</c:v>
+                  <c:v>2017</c:v>
                 </c:pt>
                 <c:pt idx="2">
-                  <c:v>2011</c:v>
+                  <c:v>2018</c:v>
                 </c:pt>
                 <c:pt idx="3">
-                  <c:v>2012</c:v>
+                  <c:v>2019</c:v>
                 </c:pt>
                 <c:pt idx="4">
-                  <c:v>2013</c:v>
+                  <c:v>2020</c:v>
                 </c:pt>
                 <c:pt idx="5">
-                  <c:v>2014</c:v>
-                </c:pt>
-                <c:pt idx="6">
-                  <c:v>2015</c:v>
-                </c:pt>
-                <c:pt idx="7">
-                  <c:v>2016</c:v>
-                </c:pt>
-                <c:pt idx="8">
-                  <c:v>2017</c:v>
-                </c:pt>
-                <c:pt idx="9">
-                  <c:v>2018</c:v>
-                </c:pt>
-                <c:pt idx="10">
-                  <c:v>2019</c:v>
+                  <c:v>2021</c:v>
                 </c:pt>
               </c:numCache>
             </c:numRef>
           </c:cat>
           <c:val>
             <c:numRef>
-              <c:f>Sheet1!$B$2:$B$12</c:f>
+              <c:f>Sheet1!$C$2:$C$7</c:f>
               <c:numCache>
                 <c:formatCode>General</c:formatCode>
-                <c:ptCount val="11"/>
+                <c:ptCount val="6"/>
                 <c:pt idx="0">
-                  <c:v>7.07</c:v>
+                  <c:v>0.71</c:v>
                 </c:pt>
                 <c:pt idx="1">
-                  <c:v>9.9499999999999993</c:v>
+                  <c:v>0.76</c:v>
                 </c:pt>
                 <c:pt idx="2">
-                  <c:v>9.49</c:v>
+                  <c:v>0.82</c:v>
                 </c:pt>
                 <c:pt idx="3">
-                  <c:v>13.29</c:v>
+                  <c:v>0.88</c:v>
                 </c:pt>
                 <c:pt idx="4">
-                  <c:v>21.69</c:v>
+                  <c:v>0.7</c:v>
                 </c:pt>
                 <c:pt idx="5">
-                  <c:v>34.49</c:v>
-                </c:pt>
-                <c:pt idx="6">
-                  <c:v>51.33</c:v>
-                </c:pt>
-                <c:pt idx="7">
-                  <c:v>49.12</c:v>
-                </c:pt>
-                <c:pt idx="8">
-                  <c:v>42.67</c:v>
-                </c:pt>
-                <c:pt idx="9">
-                  <c:v>38.89</c:v>
-                </c:pt>
-                <c:pt idx="10">
-                  <c:v>50.43</c:v>
+                  <c:v>0.85</c:v>
                 </c:pt>
               </c:numCache>
             </c:numRef>
           </c:val>
+          <c:smooth val="0"/>
           <c:extLst>
             <c:ext xmlns:c16="http://schemas.microsoft.com/office/drawing/2014/chart" uri="{C3380CC4-5D6E-409C-BE32-E72D297353CC}">
-              <c16:uniqueId val="{00000000-5EE3-4E2F-AECD-79B8CA27259C}"/>
-            </c:ext>
-          </c:extLst>
-        </c:ser>
-        <c:ser>
-          <c:idx val="1"/>
-          <c:order val="1"/>
-          <c:tx>
-            <c:strRef>
-              <c:f>Sheet1!$C$1</c:f>
-              <c:strCache>
-                <c:ptCount val="1"/>
-                <c:pt idx="0">
-                  <c:v>存货（亿元）</c:v>
-                </c:pt>
-              </c:strCache>
-            </c:strRef>
-          </c:tx>
-          <c:spPr>
-            <a:solidFill>
-              <a:schemeClr val="accent2"/>
-            </a:solidFill>
-            <a:ln w="25400">
-              <a:noFill/>
-            </a:ln>
-            <a:effectLst/>
-          </c:spPr>
-          <c:dLbls>
-            <c:spPr>
-              <a:noFill/>
-              <a:ln>
-                <a:noFill/>
-              </a:ln>
-              <a:effectLst/>
-            </c:spPr>
-            <c:txPr>
-              <a:bodyPr rot="0" spcFirstLastPara="1" vertOverflow="ellipsis" vert="horz" wrap="square" lIns="38100" tIns="19050" rIns="38100" bIns="19050" anchor="ctr" anchorCtr="1">
-                <a:spAutoFit/>
-              </a:bodyPr>
-              <a:lstStyle/>
-              <a:p>
-                <a:pPr>
-                  <a:defRPr sz="1197" b="0" i="0" u="none" strike="noStrike" kern="1200" baseline="0">
-                    <a:solidFill>
-                      <a:schemeClr val="tx1">
-                        <a:lumMod val="75000"/>
-                        <a:lumOff val="25000"/>
-                      </a:schemeClr>
-                    </a:solidFill>
-                    <a:latin typeface="+mn-lt"/>
-                    <a:ea typeface="+mn-ea"/>
-                    <a:cs typeface="+mn-cs"/>
-                  </a:defRPr>
-                </a:pPr>
-                <a:endParaRPr lang="zh-CN"/>
-              </a:p>
-            </c:txPr>
-            <c:showLegendKey val="0"/>
-            <c:showVal val="1"/>
-            <c:showCatName val="0"/>
-            <c:showSerName val="0"/>
-            <c:showPercent val="0"/>
-            <c:showBubbleSize val="0"/>
-            <c:showLeaderLines val="0"/>
-            <c:extLst>
-              <c:ext xmlns:c15="http://schemas.microsoft.com/office/drawing/2012/chart" uri="{CE6537A1-D6FC-4f65-9D91-7224C49458BB}">
-                <c15:showLeaderLines val="1"/>
-                <c15:leaderLines>
-                  <c:spPr>
-                    <a:ln w="9525" cap="flat" cmpd="sng" algn="ctr">
-                      <a:solidFill>
-                        <a:schemeClr val="tx1">
-                          <a:lumMod val="35000"/>
-                          <a:lumOff val="65000"/>
-                        </a:schemeClr>
-                      </a:solidFill>
-                      <a:round/>
-                    </a:ln>
-                    <a:effectLst/>
-                  </c:spPr>
-                </c15:leaderLines>
-              </c:ext>
-            </c:extLst>
-          </c:dLbls>
-          <c:cat>
-            <c:numRef>
-              <c:f>Sheet1!$A$2:$A$12</c:f>
-              <c:numCache>
-                <c:formatCode>General</c:formatCode>
-                <c:ptCount val="11"/>
-                <c:pt idx="0">
-                  <c:v>2009</c:v>
-                </c:pt>
-                <c:pt idx="1">
-                  <c:v>2010</c:v>
-                </c:pt>
-                <c:pt idx="2">
-                  <c:v>2011</c:v>
-                </c:pt>
-                <c:pt idx="3">
-                  <c:v>2012</c:v>
-                </c:pt>
-                <c:pt idx="4">
-                  <c:v>2013</c:v>
-                </c:pt>
-                <c:pt idx="5">
-                  <c:v>2014</c:v>
-                </c:pt>
-                <c:pt idx="6">
-                  <c:v>2015</c:v>
-                </c:pt>
-                <c:pt idx="7">
-                  <c:v>2016</c:v>
-                </c:pt>
-                <c:pt idx="8">
-                  <c:v>2017</c:v>
-                </c:pt>
-                <c:pt idx="9">
-                  <c:v>2018</c:v>
-                </c:pt>
-                <c:pt idx="10">
-                  <c:v>2019</c:v>
-                </c:pt>
-              </c:numCache>
-            </c:numRef>
-          </c:cat>
-          <c:val>
-            <c:numRef>
-              <c:f>Sheet1!$C$2:$C$12</c:f>
-              <c:numCache>
-                <c:formatCode>General</c:formatCode>
-                <c:ptCount val="11"/>
-                <c:pt idx="0">
-                  <c:v>1.77</c:v>
-                </c:pt>
-                <c:pt idx="1">
-                  <c:v>1.76</c:v>
-                </c:pt>
-                <c:pt idx="2">
-                  <c:v>2.99</c:v>
-                </c:pt>
-                <c:pt idx="3">
-                  <c:v>3.37</c:v>
-                </c:pt>
-                <c:pt idx="4">
-                  <c:v>4.29</c:v>
-                </c:pt>
-                <c:pt idx="5">
-                  <c:v>5.5</c:v>
-                </c:pt>
-                <c:pt idx="6">
-                  <c:v>5.22</c:v>
-                </c:pt>
-                <c:pt idx="7">
-                  <c:v>6.36</c:v>
-                </c:pt>
-                <c:pt idx="8">
-                  <c:v>7.89</c:v>
-                </c:pt>
-                <c:pt idx="9">
-                  <c:v>10.3</c:v>
-                </c:pt>
-                <c:pt idx="10">
-                  <c:v>16.059999999999999</c:v>
-                </c:pt>
-              </c:numCache>
-            </c:numRef>
-          </c:val>
-          <c:extLst>
-            <c:ext xmlns:c16="http://schemas.microsoft.com/office/drawing/2014/chart" uri="{C3380CC4-5D6E-409C-BE32-E72D297353CC}">
-              <c16:uniqueId val="{00000001-5EE3-4E2F-AECD-79B8CA27259C}"/>
-            </c:ext>
-          </c:extLst>
-        </c:ser>
-        <c:ser>
-          <c:idx val="2"/>
-          <c:order val="2"/>
-          <c:tx>
-            <c:strRef>
-              <c:f>Sheet1!$D$1</c:f>
-              <c:strCache>
-                <c:ptCount val="1"/>
-                <c:pt idx="0">
-                  <c:v>应收票据及应收账款（亿元）</c:v>
-                </c:pt>
-              </c:strCache>
-            </c:strRef>
-          </c:tx>
-          <c:spPr>
-            <a:solidFill>
-              <a:schemeClr val="accent3"/>
-            </a:solidFill>
-            <a:ln w="25400">
-              <a:noFill/>
-            </a:ln>
-            <a:effectLst/>
-          </c:spPr>
-          <c:dLbls>
-            <c:spPr>
-              <a:noFill/>
-              <a:ln>
-                <a:noFill/>
-              </a:ln>
-              <a:effectLst/>
-            </c:spPr>
-            <c:txPr>
-              <a:bodyPr rot="0" spcFirstLastPara="1" vertOverflow="ellipsis" vert="horz" wrap="square" lIns="38100" tIns="19050" rIns="38100" bIns="19050" anchor="ctr" anchorCtr="1">
-                <a:spAutoFit/>
-              </a:bodyPr>
-              <a:lstStyle/>
-              <a:p>
-                <a:pPr>
-                  <a:defRPr sz="1197" b="0" i="0" u="none" strike="noStrike" kern="1200" baseline="0">
-                    <a:solidFill>
-                      <a:schemeClr val="tx1">
-                        <a:lumMod val="75000"/>
-                        <a:lumOff val="25000"/>
-                      </a:schemeClr>
-                    </a:solidFill>
-                    <a:latin typeface="+mn-lt"/>
-                    <a:ea typeface="+mn-ea"/>
-                    <a:cs typeface="+mn-cs"/>
-                  </a:defRPr>
-                </a:pPr>
-                <a:endParaRPr lang="zh-CN"/>
-              </a:p>
-            </c:txPr>
-            <c:showLegendKey val="0"/>
-            <c:showVal val="1"/>
-            <c:showCatName val="0"/>
-            <c:showSerName val="0"/>
-            <c:showPercent val="0"/>
-            <c:showBubbleSize val="0"/>
-            <c:showLeaderLines val="0"/>
-            <c:extLst>
-              <c:ext xmlns:c15="http://schemas.microsoft.com/office/drawing/2012/chart" uri="{CE6537A1-D6FC-4f65-9D91-7224C49458BB}">
-                <c15:showLeaderLines val="1"/>
-                <c15:leaderLines>
-                  <c:spPr>
-                    <a:ln w="9525" cap="flat" cmpd="sng" algn="ctr">
-                      <a:solidFill>
-                        <a:schemeClr val="tx1">
-                          <a:lumMod val="35000"/>
-                          <a:lumOff val="65000"/>
-                        </a:schemeClr>
-                      </a:solidFill>
-                      <a:round/>
-                    </a:ln>
-                    <a:effectLst/>
-                  </c:spPr>
-                </c15:leaderLines>
-              </c:ext>
-            </c:extLst>
-          </c:dLbls>
-          <c:cat>
-            <c:numRef>
-              <c:f>Sheet1!$A$2:$A$12</c:f>
-              <c:numCache>
-                <c:formatCode>General</c:formatCode>
-                <c:ptCount val="11"/>
-                <c:pt idx="0">
-                  <c:v>2009</c:v>
-                </c:pt>
-                <c:pt idx="1">
-                  <c:v>2010</c:v>
-                </c:pt>
-                <c:pt idx="2">
-                  <c:v>2011</c:v>
-                </c:pt>
-                <c:pt idx="3">
-                  <c:v>2012</c:v>
-                </c:pt>
-                <c:pt idx="4">
-                  <c:v>2013</c:v>
-                </c:pt>
-                <c:pt idx="5">
-                  <c:v>2014</c:v>
-                </c:pt>
-                <c:pt idx="6">
-                  <c:v>2015</c:v>
-                </c:pt>
-                <c:pt idx="7">
-                  <c:v>2016</c:v>
-                </c:pt>
-                <c:pt idx="8">
-                  <c:v>2017</c:v>
-                </c:pt>
-                <c:pt idx="9">
-                  <c:v>2018</c:v>
-                </c:pt>
-                <c:pt idx="10">
-                  <c:v>2019</c:v>
-                </c:pt>
-              </c:numCache>
-            </c:numRef>
-          </c:cat>
-          <c:val>
-            <c:numRef>
-              <c:f>Sheet1!$D$2:$D$12</c:f>
-              <c:numCache>
-                <c:formatCode>General</c:formatCode>
-                <c:ptCount val="11"/>
-                <c:pt idx="0">
-                  <c:v>11.73</c:v>
-                </c:pt>
-                <c:pt idx="1">
-                  <c:v>16.329999999999998</c:v>
-                </c:pt>
-                <c:pt idx="2">
-                  <c:v>20.190000000000001</c:v>
-                </c:pt>
-                <c:pt idx="3">
-                  <c:v>22.82</c:v>
-                </c:pt>
-                <c:pt idx="4">
-                  <c:v>24.2</c:v>
-                </c:pt>
-                <c:pt idx="5">
-                  <c:v>28.4</c:v>
-                </c:pt>
-                <c:pt idx="6">
-                  <c:v>32.76</c:v>
-                </c:pt>
-                <c:pt idx="7">
-                  <c:v>34.47</c:v>
-                </c:pt>
-                <c:pt idx="8">
-                  <c:v>41.77</c:v>
-                </c:pt>
-                <c:pt idx="9">
-                  <c:v>44.31</c:v>
-                </c:pt>
-                <c:pt idx="10">
-                  <c:v>54.34</c:v>
-                </c:pt>
-              </c:numCache>
-            </c:numRef>
-          </c:val>
-          <c:extLst>
-            <c:ext xmlns:c16="http://schemas.microsoft.com/office/drawing/2014/chart" uri="{C3380CC4-5D6E-409C-BE32-E72D297353CC}">
-              <c16:uniqueId val="{00000001-6308-4E45-8FCD-3DCC286E09E5}"/>
-            </c:ext>
-          </c:extLst>
-        </c:ser>
-        <c:ser>
-          <c:idx val="3"/>
-          <c:order val="3"/>
-          <c:tx>
-            <c:strRef>
-              <c:f>Sheet1!$E$1</c:f>
-              <c:strCache>
-                <c:ptCount val="1"/>
-                <c:pt idx="0">
-                  <c:v>固定资产（亿元）</c:v>
-                </c:pt>
-              </c:strCache>
-            </c:strRef>
-          </c:tx>
-          <c:spPr>
-            <a:solidFill>
-              <a:schemeClr val="accent4"/>
-            </a:solidFill>
-            <a:ln w="25400">
-              <a:noFill/>
-            </a:ln>
-            <a:effectLst/>
-          </c:spPr>
-          <c:dLbls>
-            <c:spPr>
-              <a:noFill/>
-              <a:ln>
-                <a:noFill/>
-              </a:ln>
-              <a:effectLst/>
-            </c:spPr>
-            <c:txPr>
-              <a:bodyPr rot="0" spcFirstLastPara="1" vertOverflow="ellipsis" vert="horz" wrap="square" lIns="38100" tIns="19050" rIns="38100" bIns="19050" anchor="ctr" anchorCtr="1">
-                <a:spAutoFit/>
-              </a:bodyPr>
-              <a:lstStyle/>
-              <a:p>
-                <a:pPr>
-                  <a:defRPr sz="1197" b="0" i="0" u="none" strike="noStrike" kern="1200" baseline="0">
-                    <a:solidFill>
-                      <a:schemeClr val="tx1">
-                        <a:lumMod val="75000"/>
-                        <a:lumOff val="25000"/>
-                      </a:schemeClr>
-                    </a:solidFill>
-                    <a:latin typeface="+mn-lt"/>
-                    <a:ea typeface="+mn-ea"/>
-                    <a:cs typeface="+mn-cs"/>
-                  </a:defRPr>
-                </a:pPr>
-                <a:endParaRPr lang="zh-CN"/>
-              </a:p>
-            </c:txPr>
-            <c:showLegendKey val="0"/>
-            <c:showVal val="1"/>
-            <c:showCatName val="0"/>
-            <c:showSerName val="0"/>
-            <c:showPercent val="0"/>
-            <c:showBubbleSize val="0"/>
-            <c:showLeaderLines val="0"/>
-            <c:extLst>
-              <c:ext xmlns:c15="http://schemas.microsoft.com/office/drawing/2012/chart" uri="{CE6537A1-D6FC-4f65-9D91-7224C49458BB}">
-                <c15:showLeaderLines val="1"/>
-                <c15:leaderLines>
-                  <c:spPr>
-                    <a:ln w="9525" cap="flat" cmpd="sng" algn="ctr">
-                      <a:solidFill>
-                        <a:schemeClr val="tx1">
-                          <a:lumMod val="35000"/>
-                          <a:lumOff val="65000"/>
-                        </a:schemeClr>
-                      </a:solidFill>
-                      <a:round/>
-                    </a:ln>
-                    <a:effectLst/>
-                  </c:spPr>
-                </c15:leaderLines>
-              </c:ext>
-            </c:extLst>
-          </c:dLbls>
-          <c:cat>
-            <c:numRef>
-              <c:f>Sheet1!$A$2:$A$12</c:f>
-              <c:numCache>
-                <c:formatCode>General</c:formatCode>
-                <c:ptCount val="11"/>
-                <c:pt idx="0">
-                  <c:v>2009</c:v>
-                </c:pt>
-                <c:pt idx="1">
-                  <c:v>2010</c:v>
-                </c:pt>
-                <c:pt idx="2">
-                  <c:v>2011</c:v>
-                </c:pt>
-                <c:pt idx="3">
-                  <c:v>2012</c:v>
-                </c:pt>
-                <c:pt idx="4">
-                  <c:v>2013</c:v>
-                </c:pt>
-                <c:pt idx="5">
-                  <c:v>2014</c:v>
-                </c:pt>
-                <c:pt idx="6">
-                  <c:v>2015</c:v>
-                </c:pt>
-                <c:pt idx="7">
-                  <c:v>2016</c:v>
-                </c:pt>
-                <c:pt idx="8">
-                  <c:v>2017</c:v>
-                </c:pt>
-                <c:pt idx="9">
-                  <c:v>2018</c:v>
-                </c:pt>
-                <c:pt idx="10">
-                  <c:v>2019</c:v>
-                </c:pt>
-              </c:numCache>
-            </c:numRef>
-          </c:cat>
-          <c:val>
-            <c:numRef>
-              <c:f>Sheet1!$E$2:$E$12</c:f>
-              <c:numCache>
-                <c:formatCode>General</c:formatCode>
-                <c:ptCount val="11"/>
-                <c:pt idx="0">
-                  <c:v>4.8</c:v>
-                </c:pt>
-                <c:pt idx="1">
-                  <c:v>7.21</c:v>
-                </c:pt>
-                <c:pt idx="2">
-                  <c:v>8.4700000000000006</c:v>
-                </c:pt>
-                <c:pt idx="3">
-                  <c:v>11.79</c:v>
-                </c:pt>
-                <c:pt idx="4">
-                  <c:v>13.01</c:v>
-                </c:pt>
-                <c:pt idx="5">
-                  <c:v>13.65</c:v>
-                </c:pt>
-                <c:pt idx="6">
-                  <c:v>14.24</c:v>
-                </c:pt>
-                <c:pt idx="7">
-                  <c:v>16.760000000000002</c:v>
-                </c:pt>
-                <c:pt idx="8">
-                  <c:v>19.97</c:v>
-                </c:pt>
-                <c:pt idx="9">
-                  <c:v>23.28</c:v>
-                </c:pt>
-                <c:pt idx="10">
-                  <c:v>25.41</c:v>
-                </c:pt>
-              </c:numCache>
-            </c:numRef>
-          </c:val>
-          <c:extLst>
-            <c:ext xmlns:c16="http://schemas.microsoft.com/office/drawing/2014/chart" uri="{C3380CC4-5D6E-409C-BE32-E72D297353CC}">
-              <c16:uniqueId val="{00000001-06DF-8D4A-9AAB-8349E94BD61D}"/>
-            </c:ext>
-          </c:extLst>
-        </c:ser>
-        <c:ser>
-          <c:idx val="4"/>
-          <c:order val="4"/>
-          <c:tx>
-            <c:strRef>
-              <c:f>Sheet1!$F$1</c:f>
-              <c:strCache>
-                <c:ptCount val="1"/>
-                <c:pt idx="0">
-                  <c:v>在建工程（亿元）</c:v>
-                </c:pt>
-              </c:strCache>
-            </c:strRef>
-          </c:tx>
-          <c:spPr>
-            <a:solidFill>
-              <a:srgbClr val="FF0000"/>
-            </a:solidFill>
-            <a:ln w="25400">
-              <a:noFill/>
-            </a:ln>
-            <a:effectLst/>
-          </c:spPr>
-          <c:dLbls>
-            <c:spPr>
-              <a:noFill/>
-              <a:ln>
-                <a:noFill/>
-              </a:ln>
-              <a:effectLst/>
-            </c:spPr>
-            <c:txPr>
-              <a:bodyPr rot="0" spcFirstLastPara="1" vertOverflow="ellipsis" vert="horz" wrap="square" lIns="38100" tIns="19050" rIns="38100" bIns="19050" anchor="ctr" anchorCtr="1">
-                <a:spAutoFit/>
-              </a:bodyPr>
-              <a:lstStyle/>
-              <a:p>
-                <a:pPr>
-                  <a:defRPr sz="1197" b="0" i="0" u="none" strike="noStrike" kern="1200" baseline="0">
-                    <a:solidFill>
-                      <a:schemeClr val="tx1">
-                        <a:lumMod val="75000"/>
-                        <a:lumOff val="25000"/>
-                      </a:schemeClr>
-                    </a:solidFill>
-                    <a:latin typeface="+mn-lt"/>
-                    <a:ea typeface="+mn-ea"/>
-                    <a:cs typeface="+mn-cs"/>
-                  </a:defRPr>
-                </a:pPr>
-                <a:endParaRPr lang="zh-CN"/>
-              </a:p>
-            </c:txPr>
-            <c:showLegendKey val="0"/>
-            <c:showVal val="1"/>
-            <c:showCatName val="0"/>
-            <c:showSerName val="0"/>
-            <c:showPercent val="0"/>
-            <c:showBubbleSize val="0"/>
-            <c:showLeaderLines val="0"/>
-            <c:extLst>
-              <c:ext xmlns:c15="http://schemas.microsoft.com/office/drawing/2012/chart" uri="{CE6537A1-D6FC-4f65-9D91-7224C49458BB}">
-                <c15:showLeaderLines val="1"/>
-                <c15:leaderLines>
-                  <c:spPr>
-                    <a:ln w="9525" cap="flat" cmpd="sng" algn="ctr">
-                      <a:solidFill>
-                        <a:schemeClr val="tx1">
-                          <a:lumMod val="35000"/>
-                          <a:lumOff val="65000"/>
-                        </a:schemeClr>
-                      </a:solidFill>
-                      <a:round/>
-                    </a:ln>
-                    <a:effectLst/>
-                  </c:spPr>
-                </c15:leaderLines>
-              </c:ext>
-            </c:extLst>
-          </c:dLbls>
-          <c:cat>
-            <c:numRef>
-              <c:f>Sheet1!$A$2:$A$12</c:f>
-              <c:numCache>
-                <c:formatCode>General</c:formatCode>
-                <c:ptCount val="11"/>
-                <c:pt idx="0">
-                  <c:v>2009</c:v>
-                </c:pt>
-                <c:pt idx="1">
-                  <c:v>2010</c:v>
-                </c:pt>
-                <c:pt idx="2">
-                  <c:v>2011</c:v>
-                </c:pt>
-                <c:pt idx="3">
-                  <c:v>2012</c:v>
-                </c:pt>
-                <c:pt idx="4">
-                  <c:v>2013</c:v>
-                </c:pt>
-                <c:pt idx="5">
-                  <c:v>2014</c:v>
-                </c:pt>
-                <c:pt idx="6">
-                  <c:v>2015</c:v>
-                </c:pt>
-                <c:pt idx="7">
-                  <c:v>2016</c:v>
-                </c:pt>
-                <c:pt idx="8">
-                  <c:v>2017</c:v>
-                </c:pt>
-                <c:pt idx="9">
-                  <c:v>2018</c:v>
-                </c:pt>
-                <c:pt idx="10">
-                  <c:v>2019</c:v>
-                </c:pt>
-              </c:numCache>
-            </c:numRef>
-          </c:cat>
-          <c:val>
-            <c:numRef>
-              <c:f>Sheet1!$F$2:$F$12</c:f>
-              <c:numCache>
-                <c:formatCode>General</c:formatCode>
-                <c:ptCount val="11"/>
-                <c:pt idx="0">
-                  <c:v>0.78</c:v>
-                </c:pt>
-                <c:pt idx="1">
-                  <c:v>0.38</c:v>
-                </c:pt>
-                <c:pt idx="2">
-                  <c:v>1.36</c:v>
-                </c:pt>
-                <c:pt idx="3">
-                  <c:v>0.89</c:v>
-                </c:pt>
-                <c:pt idx="4">
-                  <c:v>2.62</c:v>
-                </c:pt>
-                <c:pt idx="5">
-                  <c:v>2.58</c:v>
-                </c:pt>
-                <c:pt idx="6">
-                  <c:v>3.46</c:v>
-                </c:pt>
-                <c:pt idx="7">
-                  <c:v>7.97</c:v>
-                </c:pt>
-                <c:pt idx="8">
-                  <c:v>10.8</c:v>
-                </c:pt>
-                <c:pt idx="9">
-                  <c:v>13.57</c:v>
-                </c:pt>
-                <c:pt idx="10">
-                  <c:v>15.32</c:v>
-                </c:pt>
-              </c:numCache>
-            </c:numRef>
-          </c:val>
-          <c:extLst>
-            <c:ext xmlns:c16="http://schemas.microsoft.com/office/drawing/2014/chart" uri="{C3380CC4-5D6E-409C-BE32-E72D297353CC}">
-              <c16:uniqueId val="{00000002-06DF-8D4A-9AAB-8349E94BD61D}"/>
-            </c:ext>
-          </c:extLst>
-        </c:ser>
-        <c:ser>
-          <c:idx val="5"/>
-          <c:order val="5"/>
-          <c:tx>
-            <c:strRef>
-              <c:f>Sheet1!$G$1</c:f>
-              <c:strCache>
-                <c:ptCount val="1"/>
-                <c:pt idx="0">
-                  <c:v>可供出售的金融资产（亿元）</c:v>
-                </c:pt>
-              </c:strCache>
-            </c:strRef>
-          </c:tx>
-          <c:spPr>
-            <a:solidFill>
-              <a:schemeClr val="accent6"/>
-            </a:solidFill>
-            <a:ln w="25400">
-              <a:noFill/>
-            </a:ln>
-            <a:effectLst/>
-          </c:spPr>
-          <c:cat>
-            <c:numRef>
-              <c:f>Sheet1!$A$2:$A$12</c:f>
-              <c:numCache>
-                <c:formatCode>General</c:formatCode>
-                <c:ptCount val="11"/>
-                <c:pt idx="0">
-                  <c:v>2009</c:v>
-                </c:pt>
-                <c:pt idx="1">
-                  <c:v>2010</c:v>
-                </c:pt>
-                <c:pt idx="2">
-                  <c:v>2011</c:v>
-                </c:pt>
-                <c:pt idx="3">
-                  <c:v>2012</c:v>
-                </c:pt>
-                <c:pt idx="4">
-                  <c:v>2013</c:v>
-                </c:pt>
-                <c:pt idx="5">
-                  <c:v>2014</c:v>
-                </c:pt>
-                <c:pt idx="6">
-                  <c:v>2015</c:v>
-                </c:pt>
-                <c:pt idx="7">
-                  <c:v>2016</c:v>
-                </c:pt>
-                <c:pt idx="8">
-                  <c:v>2017</c:v>
-                </c:pt>
-                <c:pt idx="9">
-                  <c:v>2018</c:v>
-                </c:pt>
-                <c:pt idx="10">
-                  <c:v>2019</c:v>
-                </c:pt>
-              </c:numCache>
-            </c:numRef>
-          </c:cat>
-          <c:val>
-            <c:numRef>
-              <c:f>Sheet1!$G$2:$G$12</c:f>
-              <c:numCache>
-                <c:formatCode>General</c:formatCode>
-                <c:ptCount val="11"/>
-                <c:pt idx="0">
-                  <c:v>0</c:v>
-                </c:pt>
-                <c:pt idx="1">
-                  <c:v>0</c:v>
-                </c:pt>
-                <c:pt idx="2">
-                  <c:v>0</c:v>
-                </c:pt>
-                <c:pt idx="3">
-                  <c:v>0</c:v>
-                </c:pt>
-                <c:pt idx="4">
-                  <c:v>0</c:v>
-                </c:pt>
-                <c:pt idx="5">
-                  <c:v>0.01</c:v>
-                </c:pt>
-                <c:pt idx="6">
-                  <c:v>0.78</c:v>
-                </c:pt>
-                <c:pt idx="7">
-                  <c:v>0.81</c:v>
-                </c:pt>
-                <c:pt idx="8">
-                  <c:v>1.17</c:v>
-                </c:pt>
-                <c:pt idx="9">
-                  <c:v>1.54</c:v>
-                </c:pt>
-                <c:pt idx="10">
-                  <c:v>0</c:v>
-                </c:pt>
-              </c:numCache>
-            </c:numRef>
-          </c:val>
-          <c:extLst>
-            <c:ext xmlns:c16="http://schemas.microsoft.com/office/drawing/2014/chart" uri="{C3380CC4-5D6E-409C-BE32-E72D297353CC}">
-              <c16:uniqueId val="{00000003-06DF-8D4A-9AAB-8349E94BD61D}"/>
+              <c16:uniqueId val="{00000001-EE56-D049-97FE-80AAF5819D72}"/>
             </c:ext>
           </c:extLst>
         </c:ser>
@@ -6582,18 +6474,20 @@
           <c:showPercent val="0"/>
           <c:showBubbleSize val="0"/>
         </c:dLbls>
-        <c:axId val="362521263"/>
-        <c:axId val="362520015"/>
-      </c:areaChart>
+        <c:marker val="1"/>
+        <c:smooth val="0"/>
+        <c:axId val="315086272"/>
+        <c:axId val="723200368"/>
+      </c:lineChart>
       <c:catAx>
-        <c:axId val="362521263"/>
+        <c:axId val="315086272"/>
         <c:scaling>
           <c:orientation val="minMax"/>
         </c:scaling>
         <c:delete val="0"/>
         <c:axPos val="b"/>
         <c:numFmt formatCode="General" sourceLinked="1"/>
-        <c:majorTickMark val="out"/>
+        <c:majorTickMark val="none"/>
         <c:minorTickMark val="none"/>
         <c:tickLblPos val="nextTo"/>
         <c:spPr>
@@ -6629,7 +6523,7 @@
             <a:endParaRPr lang="zh-CN"/>
           </a:p>
         </c:txPr>
-        <c:crossAx val="362520015"/>
+        <c:crossAx val="723200368"/>
         <c:crosses val="autoZero"/>
         <c:auto val="1"/>
         <c:lblAlgn val="ctr"/>
@@ -6637,7 +6531,7 @@
         <c:noMultiLvlLbl val="0"/>
       </c:catAx>
       <c:valAx>
-        <c:axId val="362520015"/>
+        <c:axId val="723200368"/>
         <c:scaling>
           <c:orientation val="minMax"/>
         </c:scaling>
@@ -6688,9 +6582,9 @@
             <a:endParaRPr lang="zh-CN"/>
           </a:p>
         </c:txPr>
-        <c:crossAx val="362521263"/>
+        <c:crossAx val="315086272"/>
         <c:crosses val="autoZero"/>
-        <c:crossBetween val="midCat"/>
+        <c:crossBetween val="between"/>
       </c:valAx>
       <c:spPr>
         <a:noFill/>
@@ -6732,7 +6626,7 @@
       </c:txPr>
     </c:legend>
     <c:plotVisOnly val="1"/>
-    <c:dispBlanksAs val="zero"/>
+    <c:dispBlanksAs val="gap"/>
     <c:extLst>
       <c:ext xmlns:c16r3="http://schemas.microsoft.com/office/drawing/2017/03/chart" uri="{56B9EC1D-385E-4148-901F-78D8002777C0}">
         <c16r3:dataDisplayOptions16>
@@ -6806,7 +6700,7 @@
             </a:r>
             <a:r>
               <a:rPr lang="zh-CN" altLang="en-US" dirty="0"/>
-              <a:t>历年负债堆积图</a:t>
+              <a:t>历年资产堆积图</a:t>
             </a:r>
           </a:p>
         </c:rich>
@@ -6855,7 +6749,7 @@
               <c:strCache>
                 <c:ptCount val="1"/>
                 <c:pt idx="0">
-                  <c:v>应付票据及应付账款（亿元）</c:v>
+                  <c:v>货币资金（亿元）</c:v>
                 </c:pt>
               </c:strCache>
             </c:strRef>
@@ -6927,11 +6821,10 @@
             </c:extLst>
           </c:dLbls>
           <c:cat>
-            <c:numRef>
-              <c:f>Sheet1!$A$2:$A$12</c:f>
-              <c:numCache>
-                <c:formatCode>General</c:formatCode>
-                <c:ptCount val="11"/>
+            <c:strRef>
+              <c:f>Sheet1!$A$2:$A$14</c:f>
+              <c:strCache>
+                <c:ptCount val="13"/>
                 <c:pt idx="0">
                   <c:v>2009</c:v>
                 </c:pt>
@@ -6965,47 +6858,59 @@
                 <c:pt idx="10">
                   <c:v>2019</c:v>
                 </c:pt>
-              </c:numCache>
-            </c:numRef>
+                <c:pt idx="11">
+                  <c:v>2020年</c:v>
+                </c:pt>
+                <c:pt idx="12">
+                  <c:v>2021年</c:v>
+                </c:pt>
+              </c:strCache>
+            </c:strRef>
           </c:cat>
           <c:val>
             <c:numRef>
-              <c:f>Sheet1!$B$2:$B$12</c:f>
+              <c:f>Sheet1!$B$2:$B$14</c:f>
               <c:numCache>
                 <c:formatCode>General</c:formatCode>
-                <c:ptCount val="11"/>
+                <c:ptCount val="13"/>
                 <c:pt idx="0">
-                  <c:v>1.38</c:v>
+                  <c:v>16.29</c:v>
                 </c:pt>
                 <c:pt idx="1">
-                  <c:v>1.96</c:v>
+                  <c:v>32.67</c:v>
                 </c:pt>
                 <c:pt idx="2">
-                  <c:v>1.99</c:v>
+                  <c:v>50.52</c:v>
                 </c:pt>
                 <c:pt idx="3">
-                  <c:v>2.19</c:v>
+                  <c:v>48.49</c:v>
                 </c:pt>
                 <c:pt idx="4">
-                  <c:v>2.89</c:v>
+                  <c:v>48.96</c:v>
                 </c:pt>
                 <c:pt idx="5">
-                  <c:v>4.1900000000000004</c:v>
+                  <c:v>17.690000000000001</c:v>
                 </c:pt>
                 <c:pt idx="6">
-                  <c:v>5.05</c:v>
+                  <c:v>23.26</c:v>
                 </c:pt>
                 <c:pt idx="7">
-                  <c:v>7.55</c:v>
+                  <c:v>14.67</c:v>
                 </c:pt>
                 <c:pt idx="8">
-                  <c:v>7.33</c:v>
+                  <c:v>12.68</c:v>
                 </c:pt>
                 <c:pt idx="9">
-                  <c:v>14.02</c:v>
+                  <c:v>18.47</c:v>
                 </c:pt>
                 <c:pt idx="10">
-                  <c:v>12.89</c:v>
+                  <c:v>15.62</c:v>
+                </c:pt>
+                <c:pt idx="11">
+                  <c:v>15.45</c:v>
+                </c:pt>
+                <c:pt idx="12">
+                  <c:v>15.59</c:v>
                 </c:pt>
               </c:numCache>
             </c:numRef>
@@ -7025,7 +6930,7 @@
               <c:strCache>
                 <c:ptCount val="1"/>
                 <c:pt idx="0">
-                  <c:v>其交税费（亿元）</c:v>
+                  <c:v>存货（亿元）</c:v>
                 </c:pt>
               </c:strCache>
             </c:strRef>
@@ -7034,7 +6939,7 @@
             <a:solidFill>
               <a:schemeClr val="accent2"/>
             </a:solidFill>
-            <a:ln>
+            <a:ln w="25400">
               <a:noFill/>
             </a:ln>
             <a:effectLst/>
@@ -7097,11 +7002,10 @@
             </c:extLst>
           </c:dLbls>
           <c:cat>
-            <c:numRef>
-              <c:f>Sheet1!$A$2:$A$12</c:f>
-              <c:numCache>
-                <c:formatCode>General</c:formatCode>
-                <c:ptCount val="11"/>
+            <c:strRef>
+              <c:f>Sheet1!$A$2:$A$14</c:f>
+              <c:strCache>
+                <c:ptCount val="13"/>
                 <c:pt idx="0">
                   <c:v>2009</c:v>
                 </c:pt>
@@ -7135,47 +7039,59 @@
                 <c:pt idx="10">
                   <c:v>2019</c:v>
                 </c:pt>
-              </c:numCache>
-            </c:numRef>
+                <c:pt idx="11">
+                  <c:v>2020年</c:v>
+                </c:pt>
+                <c:pt idx="12">
+                  <c:v>2021年</c:v>
+                </c:pt>
+              </c:strCache>
+            </c:strRef>
           </c:cat>
           <c:val>
             <c:numRef>
-              <c:f>Sheet1!$C$2:$C$12</c:f>
+              <c:f>Sheet1!$C$2:$C$14</c:f>
               <c:numCache>
                 <c:formatCode>General</c:formatCode>
-                <c:ptCount val="11"/>
+                <c:ptCount val="13"/>
                 <c:pt idx="0">
-                  <c:v>0.43</c:v>
+                  <c:v>2.31</c:v>
                 </c:pt>
                 <c:pt idx="1">
-                  <c:v>0.51</c:v>
+                  <c:v>2.5499999999999998</c:v>
                 </c:pt>
                 <c:pt idx="2">
-                  <c:v>0.61</c:v>
+                  <c:v>3.3</c:v>
                 </c:pt>
                 <c:pt idx="3">
-                  <c:v>0.92</c:v>
+                  <c:v>4.37</c:v>
                 </c:pt>
                 <c:pt idx="4">
-                  <c:v>0.83</c:v>
+                  <c:v>3.91</c:v>
                 </c:pt>
                 <c:pt idx="5">
-                  <c:v>1.64</c:v>
+                  <c:v>4</c:v>
                 </c:pt>
                 <c:pt idx="6">
-                  <c:v>2.23</c:v>
+                  <c:v>3.07</c:v>
                 </c:pt>
                 <c:pt idx="7">
-                  <c:v>3.06</c:v>
+                  <c:v>3.32</c:v>
                 </c:pt>
                 <c:pt idx="8">
-                  <c:v>5.08</c:v>
+                  <c:v>3.3</c:v>
                 </c:pt>
                 <c:pt idx="9">
-                  <c:v>1.32</c:v>
+                  <c:v>2.96</c:v>
                 </c:pt>
                 <c:pt idx="10">
-                  <c:v>2.25</c:v>
+                  <c:v>2.71</c:v>
+                </c:pt>
+                <c:pt idx="11">
+                  <c:v>2.96</c:v>
+                </c:pt>
+                <c:pt idx="12">
+                  <c:v>2.71</c:v>
                 </c:pt>
               </c:numCache>
             </c:numRef>
@@ -7195,7 +7111,7 @@
               <c:strCache>
                 <c:ptCount val="1"/>
                 <c:pt idx="0">
-                  <c:v>其他应付款（亿元）</c:v>
+                  <c:v>应收票据及应收账款（亿元）</c:v>
                 </c:pt>
               </c:strCache>
             </c:strRef>
@@ -7267,11 +7183,10 @@
             </c:extLst>
           </c:dLbls>
           <c:cat>
-            <c:numRef>
-              <c:f>Sheet1!$A$2:$A$12</c:f>
-              <c:numCache>
-                <c:formatCode>General</c:formatCode>
-                <c:ptCount val="11"/>
+            <c:strRef>
+              <c:f>Sheet1!$A$2:$A$14</c:f>
+              <c:strCache>
+                <c:ptCount val="13"/>
                 <c:pt idx="0">
                   <c:v>2009</c:v>
                 </c:pt>
@@ -7305,54 +7220,428 @@
                 <c:pt idx="10">
                   <c:v>2019</c:v>
                 </c:pt>
-              </c:numCache>
-            </c:numRef>
+                <c:pt idx="11">
+                  <c:v>2020年</c:v>
+                </c:pt>
+                <c:pt idx="12">
+                  <c:v>2021年</c:v>
+                </c:pt>
+              </c:strCache>
+            </c:strRef>
           </c:cat>
           <c:val>
             <c:numRef>
-              <c:f>Sheet1!$D$2:$D$12</c:f>
+              <c:f>Sheet1!$D$2:$D$14</c:f>
               <c:numCache>
                 <c:formatCode>General</c:formatCode>
-                <c:ptCount val="11"/>
+                <c:ptCount val="13"/>
                 <c:pt idx="0">
-                  <c:v>1.24</c:v>
+                  <c:v>4.83</c:v>
                 </c:pt>
                 <c:pt idx="1">
-                  <c:v>1.19</c:v>
+                  <c:v>5.92</c:v>
                 </c:pt>
                 <c:pt idx="2">
-                  <c:v>1.06</c:v>
+                  <c:v>6.13</c:v>
                 </c:pt>
                 <c:pt idx="3">
-                  <c:v>0.91</c:v>
+                  <c:v>10</c:v>
                 </c:pt>
                 <c:pt idx="4">
-                  <c:v>0.9</c:v>
+                  <c:v>15.54</c:v>
                 </c:pt>
                 <c:pt idx="5">
-                  <c:v>1.08</c:v>
+                  <c:v>23.13</c:v>
                 </c:pt>
                 <c:pt idx="6">
-                  <c:v>2</c:v>
+                  <c:v>28.86</c:v>
                 </c:pt>
                 <c:pt idx="7">
-                  <c:v>1.51</c:v>
+                  <c:v>33.64</c:v>
                 </c:pt>
                 <c:pt idx="8">
-                  <c:v>5.97</c:v>
+                  <c:v>41.42</c:v>
                 </c:pt>
                 <c:pt idx="9">
-                  <c:v>7.36</c:v>
+                  <c:v>38.61</c:v>
                 </c:pt>
                 <c:pt idx="10">
-                  <c:v>7.35</c:v>
+                  <c:v>45.02</c:v>
+                </c:pt>
+                <c:pt idx="11">
+                  <c:v>37.21</c:v>
+                </c:pt>
+                <c:pt idx="12">
+                  <c:v>43.96</c:v>
                 </c:pt>
               </c:numCache>
             </c:numRef>
           </c:val>
           <c:extLst>
             <c:ext xmlns:c16="http://schemas.microsoft.com/office/drawing/2014/chart" uri="{C3380CC4-5D6E-409C-BE32-E72D297353CC}">
-              <c16:uniqueId val="{00000002-7A94-2F46-8311-358CDCCC6D35}"/>
+              <c16:uniqueId val="{00000001-6308-4E45-8FCD-3DCC286E09E5}"/>
+            </c:ext>
+          </c:extLst>
+        </c:ser>
+        <c:ser>
+          <c:idx val="3"/>
+          <c:order val="3"/>
+          <c:tx>
+            <c:strRef>
+              <c:f>Sheet1!$E$1</c:f>
+              <c:strCache>
+                <c:ptCount val="1"/>
+                <c:pt idx="0">
+                  <c:v>固定资产（亿元）</c:v>
+                </c:pt>
+              </c:strCache>
+            </c:strRef>
+          </c:tx>
+          <c:spPr>
+            <a:solidFill>
+              <a:schemeClr val="accent4"/>
+            </a:solidFill>
+            <a:ln w="25400">
+              <a:noFill/>
+            </a:ln>
+            <a:effectLst/>
+          </c:spPr>
+          <c:dLbls>
+            <c:spPr>
+              <a:noFill/>
+              <a:ln>
+                <a:noFill/>
+              </a:ln>
+              <a:effectLst/>
+            </c:spPr>
+            <c:txPr>
+              <a:bodyPr rot="0" spcFirstLastPara="1" vertOverflow="ellipsis" vert="horz" wrap="square" lIns="38100" tIns="19050" rIns="38100" bIns="19050" anchor="ctr" anchorCtr="1">
+                <a:spAutoFit/>
+              </a:bodyPr>
+              <a:lstStyle/>
+              <a:p>
+                <a:pPr>
+                  <a:defRPr sz="1197" b="0" i="0" u="none" strike="noStrike" kern="1200" baseline="0">
+                    <a:solidFill>
+                      <a:schemeClr val="tx1">
+                        <a:lumMod val="75000"/>
+                        <a:lumOff val="25000"/>
+                      </a:schemeClr>
+                    </a:solidFill>
+                    <a:latin typeface="+mn-lt"/>
+                    <a:ea typeface="+mn-ea"/>
+                    <a:cs typeface="+mn-cs"/>
+                  </a:defRPr>
+                </a:pPr>
+                <a:endParaRPr lang="zh-CN"/>
+              </a:p>
+            </c:txPr>
+            <c:showLegendKey val="0"/>
+            <c:showVal val="1"/>
+            <c:showCatName val="0"/>
+            <c:showSerName val="0"/>
+            <c:showPercent val="0"/>
+            <c:showBubbleSize val="0"/>
+            <c:showLeaderLines val="0"/>
+            <c:extLst>
+              <c:ext xmlns:c15="http://schemas.microsoft.com/office/drawing/2012/chart" uri="{CE6537A1-D6FC-4f65-9D91-7224C49458BB}">
+                <c15:showLeaderLines val="1"/>
+                <c15:leaderLines>
+                  <c:spPr>
+                    <a:ln w="9525" cap="flat" cmpd="sng" algn="ctr">
+                      <a:solidFill>
+                        <a:schemeClr val="tx1">
+                          <a:lumMod val="35000"/>
+                          <a:lumOff val="65000"/>
+                        </a:schemeClr>
+                      </a:solidFill>
+                      <a:round/>
+                    </a:ln>
+                    <a:effectLst/>
+                  </c:spPr>
+                </c15:leaderLines>
+              </c:ext>
+            </c:extLst>
+          </c:dLbls>
+          <c:cat>
+            <c:strRef>
+              <c:f>Sheet1!$A$2:$A$14</c:f>
+              <c:strCache>
+                <c:ptCount val="13"/>
+                <c:pt idx="0">
+                  <c:v>2009</c:v>
+                </c:pt>
+                <c:pt idx="1">
+                  <c:v>2010</c:v>
+                </c:pt>
+                <c:pt idx="2">
+                  <c:v>2011</c:v>
+                </c:pt>
+                <c:pt idx="3">
+                  <c:v>2012</c:v>
+                </c:pt>
+                <c:pt idx="4">
+                  <c:v>2013</c:v>
+                </c:pt>
+                <c:pt idx="5">
+                  <c:v>2014</c:v>
+                </c:pt>
+                <c:pt idx="6">
+                  <c:v>2015</c:v>
+                </c:pt>
+                <c:pt idx="7">
+                  <c:v>2016</c:v>
+                </c:pt>
+                <c:pt idx="8">
+                  <c:v>2017</c:v>
+                </c:pt>
+                <c:pt idx="9">
+                  <c:v>2018</c:v>
+                </c:pt>
+                <c:pt idx="10">
+                  <c:v>2019</c:v>
+                </c:pt>
+                <c:pt idx="11">
+                  <c:v>2020年</c:v>
+                </c:pt>
+                <c:pt idx="12">
+                  <c:v>2021年</c:v>
+                </c:pt>
+              </c:strCache>
+            </c:strRef>
+          </c:cat>
+          <c:val>
+            <c:numRef>
+              <c:f>Sheet1!$E$2:$E$14</c:f>
+              <c:numCache>
+                <c:formatCode>General</c:formatCode>
+                <c:ptCount val="13"/>
+                <c:pt idx="0">
+                  <c:v>250.3</c:v>
+                </c:pt>
+                <c:pt idx="1">
+                  <c:v>244.59</c:v>
+                </c:pt>
+                <c:pt idx="2">
+                  <c:v>239.78</c:v>
+                </c:pt>
+                <c:pt idx="3">
+                  <c:v>245.16</c:v>
+                </c:pt>
+                <c:pt idx="4">
+                  <c:v>242.97</c:v>
+                </c:pt>
+                <c:pt idx="5">
+                  <c:v>241.76</c:v>
+                </c:pt>
+                <c:pt idx="6">
+                  <c:v>240.72</c:v>
+                </c:pt>
+                <c:pt idx="7">
+                  <c:v>242.76</c:v>
+                </c:pt>
+                <c:pt idx="8">
+                  <c:v>236.15</c:v>
+                </c:pt>
+                <c:pt idx="9">
+                  <c:v>241.83</c:v>
+                </c:pt>
+                <c:pt idx="10">
+                  <c:v>235.65</c:v>
+                </c:pt>
+                <c:pt idx="11">
+                  <c:v>230.16</c:v>
+                </c:pt>
+                <c:pt idx="12">
+                  <c:v>240.08</c:v>
+                </c:pt>
+              </c:numCache>
+            </c:numRef>
+          </c:val>
+          <c:extLst>
+            <c:ext xmlns:c16="http://schemas.microsoft.com/office/drawing/2014/chart" uri="{C3380CC4-5D6E-409C-BE32-E72D297353CC}">
+              <c16:uniqueId val="{00000001-06DF-8D4A-9AAB-8349E94BD61D}"/>
+            </c:ext>
+          </c:extLst>
+        </c:ser>
+        <c:ser>
+          <c:idx val="4"/>
+          <c:order val="4"/>
+          <c:tx>
+            <c:strRef>
+              <c:f>Sheet1!$F$1</c:f>
+              <c:strCache>
+                <c:ptCount val="1"/>
+                <c:pt idx="0">
+                  <c:v>在建工程（亿元）</c:v>
+                </c:pt>
+              </c:strCache>
+            </c:strRef>
+          </c:tx>
+          <c:spPr>
+            <a:solidFill>
+              <a:srgbClr val="FF0000"/>
+            </a:solidFill>
+            <a:ln w="25400">
+              <a:noFill/>
+            </a:ln>
+            <a:effectLst/>
+          </c:spPr>
+          <c:dLbls>
+            <c:spPr>
+              <a:noFill/>
+              <a:ln>
+                <a:noFill/>
+              </a:ln>
+              <a:effectLst/>
+            </c:spPr>
+            <c:txPr>
+              <a:bodyPr rot="0" spcFirstLastPara="1" vertOverflow="ellipsis" vert="horz" wrap="square" lIns="38100" tIns="19050" rIns="38100" bIns="19050" anchor="ctr" anchorCtr="1">
+                <a:spAutoFit/>
+              </a:bodyPr>
+              <a:lstStyle/>
+              <a:p>
+                <a:pPr>
+                  <a:defRPr sz="1197" b="0" i="0" u="none" strike="noStrike" kern="1200" baseline="0">
+                    <a:solidFill>
+                      <a:schemeClr val="tx1">
+                        <a:lumMod val="75000"/>
+                        <a:lumOff val="25000"/>
+                      </a:schemeClr>
+                    </a:solidFill>
+                    <a:latin typeface="+mn-lt"/>
+                    <a:ea typeface="+mn-ea"/>
+                    <a:cs typeface="+mn-cs"/>
+                  </a:defRPr>
+                </a:pPr>
+                <a:endParaRPr lang="zh-CN"/>
+              </a:p>
+            </c:txPr>
+            <c:showLegendKey val="0"/>
+            <c:showVal val="1"/>
+            <c:showCatName val="0"/>
+            <c:showSerName val="0"/>
+            <c:showPercent val="0"/>
+            <c:showBubbleSize val="0"/>
+            <c:showLeaderLines val="0"/>
+            <c:extLst>
+              <c:ext xmlns:c15="http://schemas.microsoft.com/office/drawing/2012/chart" uri="{CE6537A1-D6FC-4f65-9D91-7224C49458BB}">
+                <c15:showLeaderLines val="1"/>
+                <c15:leaderLines>
+                  <c:spPr>
+                    <a:ln w="9525" cap="flat" cmpd="sng" algn="ctr">
+                      <a:solidFill>
+                        <a:schemeClr val="tx1">
+                          <a:lumMod val="35000"/>
+                          <a:lumOff val="65000"/>
+                        </a:schemeClr>
+                      </a:solidFill>
+                      <a:round/>
+                    </a:ln>
+                    <a:effectLst/>
+                  </c:spPr>
+                </c15:leaderLines>
+              </c:ext>
+            </c:extLst>
+          </c:dLbls>
+          <c:cat>
+            <c:strRef>
+              <c:f>Sheet1!$A$2:$A$14</c:f>
+              <c:strCache>
+                <c:ptCount val="13"/>
+                <c:pt idx="0">
+                  <c:v>2009</c:v>
+                </c:pt>
+                <c:pt idx="1">
+                  <c:v>2010</c:v>
+                </c:pt>
+                <c:pt idx="2">
+                  <c:v>2011</c:v>
+                </c:pt>
+                <c:pt idx="3">
+                  <c:v>2012</c:v>
+                </c:pt>
+                <c:pt idx="4">
+                  <c:v>2013</c:v>
+                </c:pt>
+                <c:pt idx="5">
+                  <c:v>2014</c:v>
+                </c:pt>
+                <c:pt idx="6">
+                  <c:v>2015</c:v>
+                </c:pt>
+                <c:pt idx="7">
+                  <c:v>2016</c:v>
+                </c:pt>
+                <c:pt idx="8">
+                  <c:v>2017</c:v>
+                </c:pt>
+                <c:pt idx="9">
+                  <c:v>2018</c:v>
+                </c:pt>
+                <c:pt idx="10">
+                  <c:v>2019</c:v>
+                </c:pt>
+                <c:pt idx="11">
+                  <c:v>2020年</c:v>
+                </c:pt>
+                <c:pt idx="12">
+                  <c:v>2021年</c:v>
+                </c:pt>
+              </c:strCache>
+            </c:strRef>
+          </c:cat>
+          <c:val>
+            <c:numRef>
+              <c:f>Sheet1!$F$2:$F$14</c:f>
+              <c:numCache>
+                <c:formatCode>General</c:formatCode>
+                <c:ptCount val="13"/>
+                <c:pt idx="0">
+                  <c:v>6.62</c:v>
+                </c:pt>
+                <c:pt idx="1">
+                  <c:v>7.52</c:v>
+                </c:pt>
+                <c:pt idx="2">
+                  <c:v>9.11</c:v>
+                </c:pt>
+                <c:pt idx="3">
+                  <c:v>6.79</c:v>
+                </c:pt>
+                <c:pt idx="4">
+                  <c:v>5.43</c:v>
+                </c:pt>
+                <c:pt idx="5">
+                  <c:v>4.01</c:v>
+                </c:pt>
+                <c:pt idx="6">
+                  <c:v>5.69</c:v>
+                </c:pt>
+                <c:pt idx="7">
+                  <c:v>7.9</c:v>
+                </c:pt>
+                <c:pt idx="8">
+                  <c:v>14.3</c:v>
+                </c:pt>
+                <c:pt idx="9">
+                  <c:v>18.28</c:v>
+                </c:pt>
+                <c:pt idx="10">
+                  <c:v>23.78</c:v>
+                </c:pt>
+                <c:pt idx="11">
+                  <c:v>27.78</c:v>
+                </c:pt>
+                <c:pt idx="12">
+                  <c:v>15.88</c:v>
+                </c:pt>
+              </c:numCache>
+            </c:numRef>
+          </c:val>
+          <c:extLst>
+            <c:ext xmlns:c16="http://schemas.microsoft.com/office/drawing/2014/chart" uri="{C3380CC4-5D6E-409C-BE32-E72D297353CC}">
+              <c16:uniqueId val="{00000002-06DF-8D4A-9AAB-8349E94BD61D}"/>
             </c:ext>
           </c:extLst>
         </c:ser>
@@ -7548,6 +7837,46 @@
 </file>
 
 <file path=ppt/charts/colors1.xml><?xml version="1.0" encoding="utf-8"?>
+<cs:colorStyle xmlns:cs="http://schemas.microsoft.com/office/drawing/2012/chartStyle" xmlns:a="http://schemas.openxmlformats.org/drawingml/2006/main" meth="cycle" id="10">
+  <a:schemeClr val="accent1"/>
+  <a:schemeClr val="accent2"/>
+  <a:schemeClr val="accent3"/>
+  <a:schemeClr val="accent4"/>
+  <a:schemeClr val="accent5"/>
+  <a:schemeClr val="accent6"/>
+  <cs:variation/>
+  <cs:variation>
+    <a:lumMod val="60000"/>
+  </cs:variation>
+  <cs:variation>
+    <a:lumMod val="80000"/>
+    <a:lumOff val="20000"/>
+  </cs:variation>
+  <cs:variation>
+    <a:lumMod val="80000"/>
+  </cs:variation>
+  <cs:variation>
+    <a:lumMod val="60000"/>
+    <a:lumOff val="40000"/>
+  </cs:variation>
+  <cs:variation>
+    <a:lumMod val="50000"/>
+  </cs:variation>
+  <cs:variation>
+    <a:lumMod val="70000"/>
+    <a:lumOff val="30000"/>
+  </cs:variation>
+  <cs:variation>
+    <a:lumMod val="70000"/>
+  </cs:variation>
+  <cs:variation>
+    <a:lumMod val="50000"/>
+    <a:lumOff val="50000"/>
+  </cs:variation>
+</cs:colorStyle>
+</file>
+
+<file path=ppt/charts/colors10.xml><?xml version="1.0" encoding="utf-8"?>
 <cs:colorStyle xmlns:cs="http://schemas.microsoft.com/office/drawing/2012/chartStyle" xmlns:a="http://schemas.openxmlformats.org/drawingml/2006/main" meth="cycle" id="10">
   <a:schemeClr val="accent1"/>
   <a:schemeClr val="accent2"/>
@@ -8423,1027 +8752,8 @@
 </cs:chartStyle>
 </file>
 
-<file path=ppt/charts/style2.xml><?xml version="1.0" encoding="utf-8"?>
-<cs:chartStyle xmlns:cs="http://schemas.microsoft.com/office/drawing/2012/chartStyle" xmlns:a="http://schemas.openxmlformats.org/drawingml/2006/main" id="201">
-  <cs:axisTitle>
-    <cs:lnRef idx="0"/>
-    <cs:fillRef idx="0"/>
-    <cs:effectRef idx="0"/>
-    <cs:fontRef idx="minor">
-      <a:schemeClr val="tx1">
-        <a:lumMod val="65000"/>
-        <a:lumOff val="35000"/>
-      </a:schemeClr>
-    </cs:fontRef>
-    <cs:defRPr sz="1330" kern="1200"/>
-  </cs:axisTitle>
-  <cs:categoryAxis>
-    <cs:lnRef idx="0"/>
-    <cs:fillRef idx="0"/>
-    <cs:effectRef idx="0"/>
-    <cs:fontRef idx="minor">
-      <a:schemeClr val="tx1">
-        <a:lumMod val="65000"/>
-        <a:lumOff val="35000"/>
-      </a:schemeClr>
-    </cs:fontRef>
-    <cs:spPr>
-      <a:ln w="9525" cap="flat" cmpd="sng" algn="ctr">
-        <a:solidFill>
-          <a:schemeClr val="tx1">
-            <a:lumMod val="15000"/>
-            <a:lumOff val="85000"/>
-          </a:schemeClr>
-        </a:solidFill>
-        <a:round/>
-      </a:ln>
-    </cs:spPr>
-    <cs:defRPr sz="1197" kern="1200"/>
-  </cs:categoryAxis>
-  <cs:chartArea mods="allowNoFillOverride allowNoLineOverride">
-    <cs:lnRef idx="0"/>
-    <cs:fillRef idx="0"/>
-    <cs:effectRef idx="0"/>
-    <cs:fontRef idx="minor">
-      <a:schemeClr val="tx1"/>
-    </cs:fontRef>
-    <cs:spPr>
-      <a:solidFill>
-        <a:schemeClr val="bg1"/>
-      </a:solidFill>
-      <a:ln w="9525" cap="flat" cmpd="sng" algn="ctr">
-        <a:solidFill>
-          <a:schemeClr val="tx1">
-            <a:lumMod val="15000"/>
-            <a:lumOff val="85000"/>
-          </a:schemeClr>
-        </a:solidFill>
-        <a:round/>
-      </a:ln>
-    </cs:spPr>
-    <cs:defRPr sz="1330" kern="1200"/>
-  </cs:chartArea>
-  <cs:dataLabel>
-    <cs:lnRef idx="0"/>
-    <cs:fillRef idx="0"/>
-    <cs:effectRef idx="0"/>
-    <cs:fontRef idx="minor">
-      <a:schemeClr val="tx1">
-        <a:lumMod val="75000"/>
-        <a:lumOff val="25000"/>
-      </a:schemeClr>
-    </cs:fontRef>
-    <cs:defRPr sz="1197" kern="1200"/>
-  </cs:dataLabel>
-  <cs:dataLabelCallout>
-    <cs:lnRef idx="0"/>
-    <cs:fillRef idx="0"/>
-    <cs:effectRef idx="0"/>
-    <cs:fontRef idx="minor">
-      <a:schemeClr val="dk1">
-        <a:lumMod val="65000"/>
-        <a:lumOff val="35000"/>
-      </a:schemeClr>
-    </cs:fontRef>
-    <cs:spPr>
-      <a:solidFill>
-        <a:schemeClr val="lt1"/>
-      </a:solidFill>
-      <a:ln>
-        <a:solidFill>
-          <a:schemeClr val="dk1">
-            <a:lumMod val="25000"/>
-            <a:lumOff val="75000"/>
-          </a:schemeClr>
-        </a:solidFill>
-      </a:ln>
-    </cs:spPr>
-    <cs:defRPr sz="1197" kern="1200"/>
-    <cs:bodyPr rot="0" spcFirstLastPara="1" vertOverflow="clip" horzOverflow="clip" vert="horz" wrap="square" lIns="36576" tIns="18288" rIns="36576" bIns="18288" anchor="ctr" anchorCtr="1">
-      <a:spAutoFit/>
-    </cs:bodyPr>
-  </cs:dataLabelCallout>
-  <cs:dataPoint>
-    <cs:lnRef idx="0"/>
-    <cs:fillRef idx="1">
-      <cs:styleClr val="auto"/>
-    </cs:fillRef>
-    <cs:effectRef idx="0"/>
-    <cs:fontRef idx="minor">
-      <a:schemeClr val="tx1"/>
-    </cs:fontRef>
-  </cs:dataPoint>
-  <cs:dataPoint3D>
-    <cs:lnRef idx="0"/>
-    <cs:fillRef idx="1">
-      <cs:styleClr val="auto"/>
-    </cs:fillRef>
-    <cs:effectRef idx="0"/>
-    <cs:fontRef idx="minor">
-      <a:schemeClr val="tx1"/>
-    </cs:fontRef>
-  </cs:dataPoint3D>
-  <cs:dataPointLine>
-    <cs:lnRef idx="0">
-      <cs:styleClr val="auto"/>
-    </cs:lnRef>
-    <cs:fillRef idx="1"/>
-    <cs:effectRef idx="0"/>
-    <cs:fontRef idx="minor">
-      <a:schemeClr val="tx1"/>
-    </cs:fontRef>
-    <cs:spPr>
-      <a:ln w="28575" cap="rnd">
-        <a:solidFill>
-          <a:schemeClr val="phClr"/>
-        </a:solidFill>
-        <a:round/>
-      </a:ln>
-    </cs:spPr>
-  </cs:dataPointLine>
-  <cs:dataPointMarker>
-    <cs:lnRef idx="0">
-      <cs:styleClr val="auto"/>
-    </cs:lnRef>
-    <cs:fillRef idx="1">
-      <cs:styleClr val="auto"/>
-    </cs:fillRef>
-    <cs:effectRef idx="0"/>
-    <cs:fontRef idx="minor">
-      <a:schemeClr val="tx1"/>
-    </cs:fontRef>
-    <cs:spPr>
-      <a:ln w="9525">
-        <a:solidFill>
-          <a:schemeClr val="phClr"/>
-        </a:solidFill>
-      </a:ln>
-    </cs:spPr>
-  </cs:dataPointMarker>
-  <cs:dataPointMarkerLayout symbol="circle" size="5"/>
-  <cs:dataPointWireframe>
-    <cs:lnRef idx="0">
-      <cs:styleClr val="auto"/>
-    </cs:lnRef>
-    <cs:fillRef idx="1"/>
-    <cs:effectRef idx="0"/>
-    <cs:fontRef idx="minor">
-      <a:schemeClr val="tx1"/>
-    </cs:fontRef>
-    <cs:spPr>
-      <a:ln w="9525" cap="rnd">
-        <a:solidFill>
-          <a:schemeClr val="phClr"/>
-        </a:solidFill>
-        <a:round/>
-      </a:ln>
-    </cs:spPr>
-  </cs:dataPointWireframe>
-  <cs:dataTable>
-    <cs:lnRef idx="0"/>
-    <cs:fillRef idx="0"/>
-    <cs:effectRef idx="0"/>
-    <cs:fontRef idx="minor">
-      <a:schemeClr val="tx1">
-        <a:lumMod val="65000"/>
-        <a:lumOff val="35000"/>
-      </a:schemeClr>
-    </cs:fontRef>
-    <cs:spPr>
-      <a:noFill/>
-      <a:ln w="9525" cap="flat" cmpd="sng" algn="ctr">
-        <a:solidFill>
-          <a:schemeClr val="tx1">
-            <a:lumMod val="15000"/>
-            <a:lumOff val="85000"/>
-          </a:schemeClr>
-        </a:solidFill>
-        <a:round/>
-      </a:ln>
-    </cs:spPr>
-    <cs:defRPr sz="1197" kern="1200"/>
-  </cs:dataTable>
-  <cs:downBar>
-    <cs:lnRef idx="0"/>
-    <cs:fillRef idx="0"/>
-    <cs:effectRef idx="0"/>
-    <cs:fontRef idx="minor">
-      <a:schemeClr val="dk1"/>
-    </cs:fontRef>
-    <cs:spPr>
-      <a:solidFill>
-        <a:schemeClr val="dk1">
-          <a:lumMod val="65000"/>
-          <a:lumOff val="35000"/>
-        </a:schemeClr>
-      </a:solidFill>
-      <a:ln w="9525">
-        <a:solidFill>
-          <a:schemeClr val="tx1">
-            <a:lumMod val="65000"/>
-            <a:lumOff val="35000"/>
-          </a:schemeClr>
-        </a:solidFill>
-      </a:ln>
-    </cs:spPr>
-  </cs:downBar>
-  <cs:dropLine>
-    <cs:lnRef idx="0"/>
-    <cs:fillRef idx="0"/>
-    <cs:effectRef idx="0"/>
-    <cs:fontRef idx="minor">
-      <a:schemeClr val="tx1"/>
-    </cs:fontRef>
-    <cs:spPr>
-      <a:ln w="9525" cap="flat" cmpd="sng" algn="ctr">
-        <a:solidFill>
-          <a:schemeClr val="tx1">
-            <a:lumMod val="35000"/>
-            <a:lumOff val="65000"/>
-          </a:schemeClr>
-        </a:solidFill>
-        <a:round/>
-      </a:ln>
-    </cs:spPr>
-  </cs:dropLine>
-  <cs:errorBar>
-    <cs:lnRef idx="0"/>
-    <cs:fillRef idx="0"/>
-    <cs:effectRef idx="0"/>
-    <cs:fontRef idx="minor">
-      <a:schemeClr val="tx1"/>
-    </cs:fontRef>
-    <cs:spPr>
-      <a:ln w="9525" cap="flat" cmpd="sng" algn="ctr">
-        <a:solidFill>
-          <a:schemeClr val="tx1">
-            <a:lumMod val="65000"/>
-            <a:lumOff val="35000"/>
-          </a:schemeClr>
-        </a:solidFill>
-        <a:round/>
-      </a:ln>
-    </cs:spPr>
-  </cs:errorBar>
-  <cs:floor>
-    <cs:lnRef idx="0"/>
-    <cs:fillRef idx="0"/>
-    <cs:effectRef idx="0"/>
-    <cs:fontRef idx="minor">
-      <a:schemeClr val="tx1"/>
-    </cs:fontRef>
-    <cs:spPr>
-      <a:noFill/>
-      <a:ln>
-        <a:noFill/>
-      </a:ln>
-    </cs:spPr>
-  </cs:floor>
-  <cs:gridlineMajor>
-    <cs:lnRef idx="0"/>
-    <cs:fillRef idx="0"/>
-    <cs:effectRef idx="0"/>
-    <cs:fontRef idx="minor">
-      <a:schemeClr val="tx1"/>
-    </cs:fontRef>
-    <cs:spPr>
-      <a:ln w="9525" cap="flat" cmpd="sng" algn="ctr">
-        <a:solidFill>
-          <a:schemeClr val="tx1">
-            <a:lumMod val="15000"/>
-            <a:lumOff val="85000"/>
-          </a:schemeClr>
-        </a:solidFill>
-        <a:round/>
-      </a:ln>
-    </cs:spPr>
-  </cs:gridlineMajor>
-  <cs:gridlineMinor>
-    <cs:lnRef idx="0"/>
-    <cs:fillRef idx="0"/>
-    <cs:effectRef idx="0"/>
-    <cs:fontRef idx="minor">
-      <a:schemeClr val="tx1"/>
-    </cs:fontRef>
-    <cs:spPr>
-      <a:ln w="9525" cap="flat" cmpd="sng" algn="ctr">
-        <a:solidFill>
-          <a:schemeClr val="tx1">
-            <a:lumMod val="5000"/>
-            <a:lumOff val="95000"/>
-          </a:schemeClr>
-        </a:solidFill>
-        <a:round/>
-      </a:ln>
-    </cs:spPr>
-  </cs:gridlineMinor>
-  <cs:hiLoLine>
-    <cs:lnRef idx="0"/>
-    <cs:fillRef idx="0"/>
-    <cs:effectRef idx="0"/>
-    <cs:fontRef idx="minor">
-      <a:schemeClr val="tx1"/>
-    </cs:fontRef>
-    <cs:spPr>
-      <a:ln w="9525" cap="flat" cmpd="sng" algn="ctr">
-        <a:solidFill>
-          <a:schemeClr val="tx1">
-            <a:lumMod val="75000"/>
-            <a:lumOff val="25000"/>
-          </a:schemeClr>
-        </a:solidFill>
-        <a:round/>
-      </a:ln>
-    </cs:spPr>
-  </cs:hiLoLine>
-  <cs:leaderLine>
-    <cs:lnRef idx="0"/>
-    <cs:fillRef idx="0"/>
-    <cs:effectRef idx="0"/>
-    <cs:fontRef idx="minor">
-      <a:schemeClr val="tx1"/>
-    </cs:fontRef>
-    <cs:spPr>
-      <a:ln w="9525" cap="flat" cmpd="sng" algn="ctr">
-        <a:solidFill>
-          <a:schemeClr val="tx1">
-            <a:lumMod val="35000"/>
-            <a:lumOff val="65000"/>
-          </a:schemeClr>
-        </a:solidFill>
-        <a:round/>
-      </a:ln>
-    </cs:spPr>
-  </cs:leaderLine>
-  <cs:legend>
-    <cs:lnRef idx="0"/>
-    <cs:fillRef idx="0"/>
-    <cs:effectRef idx="0"/>
-    <cs:fontRef idx="minor">
-      <a:schemeClr val="tx1">
-        <a:lumMod val="65000"/>
-        <a:lumOff val="35000"/>
-      </a:schemeClr>
-    </cs:fontRef>
-    <cs:defRPr sz="1197" kern="1200"/>
-  </cs:legend>
-  <cs:plotArea mods="allowNoFillOverride allowNoLineOverride">
-    <cs:lnRef idx="0"/>
-    <cs:fillRef idx="0"/>
-    <cs:effectRef idx="0"/>
-    <cs:fontRef idx="minor">
-      <a:schemeClr val="tx1"/>
-    </cs:fontRef>
-  </cs:plotArea>
-  <cs:plotArea3D mods="allowNoFillOverride allowNoLineOverride">
-    <cs:lnRef idx="0"/>
-    <cs:fillRef idx="0"/>
-    <cs:effectRef idx="0"/>
-    <cs:fontRef idx="minor">
-      <a:schemeClr val="tx1"/>
-    </cs:fontRef>
-  </cs:plotArea3D>
-  <cs:seriesAxis>
-    <cs:lnRef idx="0"/>
-    <cs:fillRef idx="0"/>
-    <cs:effectRef idx="0"/>
-    <cs:fontRef idx="minor">
-      <a:schemeClr val="tx1">
-        <a:lumMod val="65000"/>
-        <a:lumOff val="35000"/>
-      </a:schemeClr>
-    </cs:fontRef>
-    <cs:defRPr sz="1197" kern="1200"/>
-  </cs:seriesAxis>
-  <cs:seriesLine>
-    <cs:lnRef idx="0"/>
-    <cs:fillRef idx="0"/>
-    <cs:effectRef idx="0"/>
-    <cs:fontRef idx="minor">
-      <a:schemeClr val="tx1"/>
-    </cs:fontRef>
-    <cs:spPr>
-      <a:ln w="9525" cap="flat" cmpd="sng" algn="ctr">
-        <a:solidFill>
-          <a:schemeClr val="tx1">
-            <a:lumMod val="35000"/>
-            <a:lumOff val="65000"/>
-          </a:schemeClr>
-        </a:solidFill>
-        <a:round/>
-      </a:ln>
-    </cs:spPr>
-  </cs:seriesLine>
-  <cs:title>
-    <cs:lnRef idx="0"/>
-    <cs:fillRef idx="0"/>
-    <cs:effectRef idx="0"/>
-    <cs:fontRef idx="minor">
-      <a:schemeClr val="tx1">
-        <a:lumMod val="65000"/>
-        <a:lumOff val="35000"/>
-      </a:schemeClr>
-    </cs:fontRef>
-    <cs:defRPr sz="1862" b="0" kern="1200" spc="0" baseline="0"/>
-  </cs:title>
-  <cs:trendline>
-    <cs:lnRef idx="0">
-      <cs:styleClr val="auto"/>
-    </cs:lnRef>
-    <cs:fillRef idx="0"/>
-    <cs:effectRef idx="0"/>
-    <cs:fontRef idx="minor">
-      <a:schemeClr val="tx1"/>
-    </cs:fontRef>
-    <cs:spPr>
-      <a:ln w="19050" cap="rnd">
-        <a:solidFill>
-          <a:schemeClr val="phClr"/>
-        </a:solidFill>
-        <a:prstDash val="sysDot"/>
-      </a:ln>
-    </cs:spPr>
-  </cs:trendline>
-  <cs:trendlineLabel>
-    <cs:lnRef idx="0"/>
-    <cs:fillRef idx="0"/>
-    <cs:effectRef idx="0"/>
-    <cs:fontRef idx="minor">
-      <a:schemeClr val="tx1">
-        <a:lumMod val="65000"/>
-        <a:lumOff val="35000"/>
-      </a:schemeClr>
-    </cs:fontRef>
-    <cs:defRPr sz="1197" kern="1200"/>
-  </cs:trendlineLabel>
-  <cs:upBar>
-    <cs:lnRef idx="0"/>
-    <cs:fillRef idx="0"/>
-    <cs:effectRef idx="0"/>
-    <cs:fontRef idx="minor">
-      <a:schemeClr val="dk1"/>
-    </cs:fontRef>
-    <cs:spPr>
-      <a:solidFill>
-        <a:schemeClr val="lt1"/>
-      </a:solidFill>
-      <a:ln w="9525">
-        <a:solidFill>
-          <a:schemeClr val="tx1">
-            <a:lumMod val="15000"/>
-            <a:lumOff val="85000"/>
-          </a:schemeClr>
-        </a:solidFill>
-      </a:ln>
-    </cs:spPr>
-  </cs:upBar>
-  <cs:valueAxis>
-    <cs:lnRef idx="0"/>
-    <cs:fillRef idx="0"/>
-    <cs:effectRef idx="0"/>
-    <cs:fontRef idx="minor">
-      <a:schemeClr val="tx1">
-        <a:lumMod val="65000"/>
-        <a:lumOff val="35000"/>
-      </a:schemeClr>
-    </cs:fontRef>
-    <cs:defRPr sz="1197" kern="1200"/>
-  </cs:valueAxis>
-  <cs:wall>
-    <cs:lnRef idx="0"/>
-    <cs:fillRef idx="0"/>
-    <cs:effectRef idx="0"/>
-    <cs:fontRef idx="minor">
-      <a:schemeClr val="tx1"/>
-    </cs:fontRef>
-    <cs:spPr>
-      <a:noFill/>
-      <a:ln>
-        <a:noFill/>
-      </a:ln>
-    </cs:spPr>
-  </cs:wall>
-</cs:chartStyle>
-</file>
-
-<file path=ppt/charts/style3.xml><?xml version="1.0" encoding="utf-8"?>
-<cs:chartStyle xmlns:cs="http://schemas.microsoft.com/office/drawing/2012/chartStyle" xmlns:a="http://schemas.openxmlformats.org/drawingml/2006/main" id="227">
-  <cs:axisTitle>
-    <cs:lnRef idx="0"/>
-    <cs:fillRef idx="0"/>
-    <cs:effectRef idx="0"/>
-    <cs:fontRef idx="minor">
-      <a:schemeClr val="tx1">
-        <a:lumMod val="65000"/>
-        <a:lumOff val="35000"/>
-      </a:schemeClr>
-    </cs:fontRef>
-    <cs:defRPr sz="1330" kern="1200"/>
-  </cs:axisTitle>
-  <cs:categoryAxis>
-    <cs:lnRef idx="0"/>
-    <cs:fillRef idx="0"/>
-    <cs:effectRef idx="0"/>
-    <cs:fontRef idx="minor">
-      <a:schemeClr val="tx1">
-        <a:lumMod val="65000"/>
-        <a:lumOff val="35000"/>
-      </a:schemeClr>
-    </cs:fontRef>
-    <cs:spPr>
-      <a:ln w="9525" cap="flat" cmpd="sng" algn="ctr">
-        <a:solidFill>
-          <a:schemeClr val="tx1">
-            <a:lumMod val="15000"/>
-            <a:lumOff val="85000"/>
-          </a:schemeClr>
-        </a:solidFill>
-        <a:round/>
-      </a:ln>
-    </cs:spPr>
-    <cs:defRPr sz="1197" kern="1200"/>
-  </cs:categoryAxis>
-  <cs:chartArea mods="allowNoFillOverride allowNoLineOverride">
-    <cs:lnRef idx="0"/>
-    <cs:fillRef idx="0"/>
-    <cs:effectRef idx="0"/>
-    <cs:fontRef idx="minor">
-      <a:schemeClr val="tx1"/>
-    </cs:fontRef>
-    <cs:spPr>
-      <a:solidFill>
-        <a:schemeClr val="bg1"/>
-      </a:solidFill>
-      <a:ln w="9525" cap="flat" cmpd="sng" algn="ctr">
-        <a:solidFill>
-          <a:schemeClr val="tx1">
-            <a:lumMod val="15000"/>
-            <a:lumOff val="85000"/>
-          </a:schemeClr>
-        </a:solidFill>
-        <a:round/>
-      </a:ln>
-    </cs:spPr>
-    <cs:defRPr sz="1330" kern="1200"/>
-  </cs:chartArea>
-  <cs:dataLabel>
-    <cs:lnRef idx="0"/>
-    <cs:fillRef idx="0"/>
-    <cs:effectRef idx="0"/>
-    <cs:fontRef idx="minor">
-      <a:schemeClr val="tx1">
-        <a:lumMod val="75000"/>
-        <a:lumOff val="25000"/>
-      </a:schemeClr>
-    </cs:fontRef>
-    <cs:defRPr sz="1197" kern="1200"/>
-  </cs:dataLabel>
-  <cs:dataLabelCallout>
-    <cs:lnRef idx="0"/>
-    <cs:fillRef idx="0"/>
-    <cs:effectRef idx="0"/>
-    <cs:fontRef idx="minor">
-      <a:schemeClr val="dk1">
-        <a:lumMod val="65000"/>
-        <a:lumOff val="35000"/>
-      </a:schemeClr>
-    </cs:fontRef>
-    <cs:spPr>
-      <a:solidFill>
-        <a:schemeClr val="lt1"/>
-      </a:solidFill>
-      <a:ln>
-        <a:solidFill>
-          <a:schemeClr val="dk1">
-            <a:lumMod val="25000"/>
-            <a:lumOff val="75000"/>
-          </a:schemeClr>
-        </a:solidFill>
-      </a:ln>
-    </cs:spPr>
-    <cs:defRPr sz="1197" kern="1200"/>
-    <cs:bodyPr rot="0" spcFirstLastPara="1" vertOverflow="clip" horzOverflow="clip" vert="horz" wrap="square" lIns="36576" tIns="18288" rIns="36576" bIns="18288" anchor="ctr" anchorCtr="1">
-      <a:spAutoFit/>
-    </cs:bodyPr>
-  </cs:dataLabelCallout>
-  <cs:dataPoint>
-    <cs:lnRef idx="0"/>
-    <cs:fillRef idx="1">
-      <cs:styleClr val="auto"/>
-    </cs:fillRef>
-    <cs:effectRef idx="0"/>
-    <cs:fontRef idx="minor">
-      <a:schemeClr val="tx1"/>
-    </cs:fontRef>
-    <cs:spPr>
-      <a:solidFill>
-        <a:schemeClr val="phClr"/>
-      </a:solidFill>
-    </cs:spPr>
-  </cs:dataPoint>
-  <cs:dataPoint3D>
-    <cs:lnRef idx="0"/>
-    <cs:fillRef idx="1">
-      <cs:styleClr val="auto"/>
-    </cs:fillRef>
-    <cs:effectRef idx="0"/>
-    <cs:fontRef idx="minor">
-      <a:schemeClr val="tx1"/>
-    </cs:fontRef>
-    <cs:spPr>
-      <a:solidFill>
-        <a:schemeClr val="phClr"/>
-      </a:solidFill>
-    </cs:spPr>
-  </cs:dataPoint3D>
-  <cs:dataPointLine>
-    <cs:lnRef idx="0">
-      <cs:styleClr val="auto"/>
-    </cs:lnRef>
-    <cs:fillRef idx="1"/>
-    <cs:effectRef idx="0"/>
-    <cs:fontRef idx="minor">
-      <a:schemeClr val="tx1"/>
-    </cs:fontRef>
-    <cs:spPr>
-      <a:ln w="28575" cap="rnd">
-        <a:solidFill>
-          <a:schemeClr val="phClr"/>
-        </a:solidFill>
-        <a:round/>
-      </a:ln>
-    </cs:spPr>
-  </cs:dataPointLine>
-  <cs:dataPointMarker>
-    <cs:lnRef idx="0">
-      <cs:styleClr val="auto"/>
-    </cs:lnRef>
-    <cs:fillRef idx="1">
-      <cs:styleClr val="auto"/>
-    </cs:fillRef>
-    <cs:effectRef idx="0"/>
-    <cs:fontRef idx="minor">
-      <a:schemeClr val="tx1"/>
-    </cs:fontRef>
-    <cs:spPr>
-      <a:solidFill>
-        <a:schemeClr val="phClr"/>
-      </a:solidFill>
-      <a:ln w="9525">
-        <a:solidFill>
-          <a:schemeClr val="phClr"/>
-        </a:solidFill>
-      </a:ln>
-    </cs:spPr>
-  </cs:dataPointMarker>
-  <cs:dataPointMarkerLayout symbol="circle" size="5"/>
-  <cs:dataPointWireframe>
-    <cs:lnRef idx="0">
-      <cs:styleClr val="auto"/>
-    </cs:lnRef>
-    <cs:fillRef idx="1"/>
-    <cs:effectRef idx="0"/>
-    <cs:fontRef idx="minor">
-      <a:schemeClr val="tx1"/>
-    </cs:fontRef>
-    <cs:spPr>
-      <a:ln w="9525" cap="rnd">
-        <a:solidFill>
-          <a:schemeClr val="phClr"/>
-        </a:solidFill>
-        <a:round/>
-      </a:ln>
-    </cs:spPr>
-  </cs:dataPointWireframe>
-  <cs:dataTable>
-    <cs:lnRef idx="0"/>
-    <cs:fillRef idx="0"/>
-    <cs:effectRef idx="0"/>
-    <cs:fontRef idx="minor">
-      <a:schemeClr val="tx1">
-        <a:lumMod val="65000"/>
-        <a:lumOff val="35000"/>
-      </a:schemeClr>
-    </cs:fontRef>
-    <cs:spPr>
-      <a:noFill/>
-      <a:ln w="9525" cap="flat" cmpd="sng" algn="ctr">
-        <a:solidFill>
-          <a:schemeClr val="tx1">
-            <a:lumMod val="15000"/>
-            <a:lumOff val="85000"/>
-          </a:schemeClr>
-        </a:solidFill>
-        <a:round/>
-      </a:ln>
-    </cs:spPr>
-    <cs:defRPr sz="1197" kern="1200"/>
-  </cs:dataTable>
-  <cs:downBar>
-    <cs:lnRef idx="0"/>
-    <cs:fillRef idx="0"/>
-    <cs:effectRef idx="0"/>
-    <cs:fontRef idx="minor">
-      <a:schemeClr val="dk1"/>
-    </cs:fontRef>
-    <cs:spPr>
-      <a:solidFill>
-        <a:schemeClr val="dk1">
-          <a:lumMod val="65000"/>
-          <a:lumOff val="35000"/>
-        </a:schemeClr>
-      </a:solidFill>
-      <a:ln w="9525">
-        <a:solidFill>
-          <a:schemeClr val="tx1">
-            <a:lumMod val="65000"/>
-            <a:lumOff val="35000"/>
-          </a:schemeClr>
-        </a:solidFill>
-      </a:ln>
-    </cs:spPr>
-  </cs:downBar>
-  <cs:dropLine>
-    <cs:lnRef idx="0"/>
-    <cs:fillRef idx="0"/>
-    <cs:effectRef idx="0"/>
-    <cs:fontRef idx="minor">
-      <a:schemeClr val="tx1"/>
-    </cs:fontRef>
-    <cs:spPr>
-      <a:ln w="9525" cap="flat" cmpd="sng" algn="ctr">
-        <a:solidFill>
-          <a:schemeClr val="tx1">
-            <a:lumMod val="35000"/>
-            <a:lumOff val="65000"/>
-          </a:schemeClr>
-        </a:solidFill>
-        <a:round/>
-      </a:ln>
-    </cs:spPr>
-  </cs:dropLine>
-  <cs:errorBar>
-    <cs:lnRef idx="0"/>
-    <cs:fillRef idx="0"/>
-    <cs:effectRef idx="0"/>
-    <cs:fontRef idx="minor">
-      <a:schemeClr val="tx1"/>
-    </cs:fontRef>
-    <cs:spPr>
-      <a:ln w="9525" cap="flat" cmpd="sng" algn="ctr">
-        <a:solidFill>
-          <a:schemeClr val="tx1">
-            <a:lumMod val="65000"/>
-            <a:lumOff val="35000"/>
-          </a:schemeClr>
-        </a:solidFill>
-        <a:round/>
-      </a:ln>
-    </cs:spPr>
-  </cs:errorBar>
-  <cs:floor>
-    <cs:lnRef idx="0"/>
-    <cs:fillRef idx="0"/>
-    <cs:effectRef idx="0"/>
-    <cs:fontRef idx="minor">
-      <a:schemeClr val="tx1"/>
-    </cs:fontRef>
-    <cs:spPr>
-      <a:noFill/>
-      <a:ln>
-        <a:noFill/>
-      </a:ln>
-    </cs:spPr>
-  </cs:floor>
-  <cs:gridlineMajor>
-    <cs:lnRef idx="0"/>
-    <cs:fillRef idx="0"/>
-    <cs:effectRef idx="0"/>
-    <cs:fontRef idx="minor">
-      <a:schemeClr val="tx1"/>
-    </cs:fontRef>
-    <cs:spPr>
-      <a:ln w="9525" cap="flat" cmpd="sng" algn="ctr">
-        <a:solidFill>
-          <a:schemeClr val="tx1">
-            <a:lumMod val="15000"/>
-            <a:lumOff val="85000"/>
-          </a:schemeClr>
-        </a:solidFill>
-        <a:round/>
-      </a:ln>
-    </cs:spPr>
-  </cs:gridlineMajor>
-  <cs:gridlineMinor>
-    <cs:lnRef idx="0"/>
-    <cs:fillRef idx="0"/>
-    <cs:effectRef idx="0"/>
-    <cs:fontRef idx="minor">
-      <a:schemeClr val="tx1"/>
-    </cs:fontRef>
-    <cs:spPr>
-      <a:ln w="9525" cap="flat" cmpd="sng" algn="ctr">
-        <a:solidFill>
-          <a:schemeClr val="tx1">
-            <a:lumMod val="5000"/>
-            <a:lumOff val="95000"/>
-          </a:schemeClr>
-        </a:solidFill>
-        <a:round/>
-      </a:ln>
-    </cs:spPr>
-  </cs:gridlineMinor>
-  <cs:hiLoLine>
-    <cs:lnRef idx="0"/>
-    <cs:fillRef idx="0"/>
-    <cs:effectRef idx="0"/>
-    <cs:fontRef idx="minor">
-      <a:schemeClr val="tx1"/>
-    </cs:fontRef>
-    <cs:spPr>
-      <a:ln w="9525" cap="flat" cmpd="sng" algn="ctr">
-        <a:solidFill>
-          <a:schemeClr val="tx1">
-            <a:lumMod val="75000"/>
-            <a:lumOff val="25000"/>
-          </a:schemeClr>
-        </a:solidFill>
-        <a:round/>
-      </a:ln>
-    </cs:spPr>
-  </cs:hiLoLine>
-  <cs:leaderLine>
-    <cs:lnRef idx="0"/>
-    <cs:fillRef idx="0"/>
-    <cs:effectRef idx="0"/>
-    <cs:fontRef idx="minor">
-      <a:schemeClr val="tx1"/>
-    </cs:fontRef>
-    <cs:spPr>
-      <a:ln w="9525" cap="flat" cmpd="sng" algn="ctr">
-        <a:solidFill>
-          <a:schemeClr val="tx1">
-            <a:lumMod val="35000"/>
-            <a:lumOff val="65000"/>
-          </a:schemeClr>
-        </a:solidFill>
-        <a:round/>
-      </a:ln>
-    </cs:spPr>
-  </cs:leaderLine>
-  <cs:legend>
-    <cs:lnRef idx="0"/>
-    <cs:fillRef idx="0"/>
-    <cs:effectRef idx="0"/>
-    <cs:fontRef idx="minor">
-      <a:schemeClr val="tx1">
-        <a:lumMod val="65000"/>
-        <a:lumOff val="35000"/>
-      </a:schemeClr>
-    </cs:fontRef>
-    <cs:defRPr sz="1197" kern="1200"/>
-  </cs:legend>
-  <cs:plotArea mods="allowNoFillOverride allowNoLineOverride">
-    <cs:lnRef idx="0"/>
-    <cs:fillRef idx="0"/>
-    <cs:effectRef idx="0"/>
-    <cs:fontRef idx="minor">
-      <a:schemeClr val="tx1"/>
-    </cs:fontRef>
-  </cs:plotArea>
-  <cs:plotArea3D mods="allowNoFillOverride allowNoLineOverride">
-    <cs:lnRef idx="0"/>
-    <cs:fillRef idx="0"/>
-    <cs:effectRef idx="0"/>
-    <cs:fontRef idx="minor">
-      <a:schemeClr val="tx1"/>
-    </cs:fontRef>
-  </cs:plotArea3D>
-  <cs:seriesAxis>
-    <cs:lnRef idx="0"/>
-    <cs:fillRef idx="0"/>
-    <cs:effectRef idx="0"/>
-    <cs:fontRef idx="minor">
-      <a:schemeClr val="tx1">
-        <a:lumMod val="65000"/>
-        <a:lumOff val="35000"/>
-      </a:schemeClr>
-    </cs:fontRef>
-    <cs:defRPr sz="1197" kern="1200"/>
-  </cs:seriesAxis>
-  <cs:seriesLine>
-    <cs:lnRef idx="0"/>
-    <cs:fillRef idx="0"/>
-    <cs:effectRef idx="0"/>
-    <cs:fontRef idx="minor">
-      <a:schemeClr val="tx1"/>
-    </cs:fontRef>
-    <cs:spPr>
-      <a:ln w="9525" cap="flat" cmpd="sng" algn="ctr">
-        <a:solidFill>
-          <a:schemeClr val="tx1">
-            <a:lumMod val="35000"/>
-            <a:lumOff val="65000"/>
-          </a:schemeClr>
-        </a:solidFill>
-        <a:round/>
-      </a:ln>
-    </cs:spPr>
-  </cs:seriesLine>
-  <cs:title>
-    <cs:lnRef idx="0"/>
-    <cs:fillRef idx="0"/>
-    <cs:effectRef idx="0"/>
-    <cs:fontRef idx="minor">
-      <a:schemeClr val="tx1">
-        <a:lumMod val="65000"/>
-        <a:lumOff val="35000"/>
-      </a:schemeClr>
-    </cs:fontRef>
-    <cs:defRPr sz="1862" b="0" kern="1200" spc="0" baseline="0"/>
-  </cs:title>
-  <cs:trendline>
-    <cs:lnRef idx="0">
-      <cs:styleClr val="auto"/>
-    </cs:lnRef>
-    <cs:fillRef idx="0"/>
-    <cs:effectRef idx="0"/>
-    <cs:fontRef idx="minor">
-      <a:schemeClr val="tx1"/>
-    </cs:fontRef>
-    <cs:spPr>
-      <a:ln w="19050" cap="rnd">
-        <a:solidFill>
-          <a:schemeClr val="phClr"/>
-        </a:solidFill>
-        <a:prstDash val="sysDot"/>
-      </a:ln>
-    </cs:spPr>
-  </cs:trendline>
-  <cs:trendlineLabel>
-    <cs:lnRef idx="0"/>
-    <cs:fillRef idx="0"/>
-    <cs:effectRef idx="0"/>
-    <cs:fontRef idx="minor">
-      <a:schemeClr val="tx1">
-        <a:lumMod val="65000"/>
-        <a:lumOff val="35000"/>
-      </a:schemeClr>
-    </cs:fontRef>
-    <cs:defRPr sz="1197" kern="1200"/>
-  </cs:trendlineLabel>
-  <cs:upBar>
-    <cs:lnRef idx="0"/>
-    <cs:fillRef idx="0"/>
-    <cs:effectRef idx="0"/>
-    <cs:fontRef idx="minor">
-      <a:schemeClr val="dk1"/>
-    </cs:fontRef>
-    <cs:spPr>
-      <a:solidFill>
-        <a:schemeClr val="lt1"/>
-      </a:solidFill>
-      <a:ln w="9525">
-        <a:solidFill>
-          <a:schemeClr val="tx1">
-            <a:lumMod val="15000"/>
-            <a:lumOff val="85000"/>
-          </a:schemeClr>
-        </a:solidFill>
-      </a:ln>
-    </cs:spPr>
-  </cs:upBar>
-  <cs:valueAxis>
-    <cs:lnRef idx="0"/>
-    <cs:fillRef idx="0"/>
-    <cs:effectRef idx="0"/>
-    <cs:fontRef idx="minor">
-      <a:schemeClr val="tx1">
-        <a:lumMod val="65000"/>
-        <a:lumOff val="35000"/>
-      </a:schemeClr>
-    </cs:fontRef>
-    <cs:defRPr sz="1197" kern="1200"/>
-  </cs:valueAxis>
-  <cs:wall>
-    <cs:lnRef idx="0"/>
-    <cs:fillRef idx="0"/>
-    <cs:effectRef idx="0"/>
-    <cs:fontRef idx="minor">
-      <a:schemeClr val="tx1"/>
-    </cs:fontRef>
-    <cs:spPr>
-      <a:noFill/>
-      <a:ln>
-        <a:noFill/>
-      </a:ln>
-    </cs:spPr>
-  </cs:wall>
-</cs:chartStyle>
-</file>
-
-<file path=ppt/charts/style4.xml><?xml version="1.0" encoding="utf-8"?>
-<cs:chartStyle xmlns:cs="http://schemas.microsoft.com/office/drawing/2012/chartStyle" xmlns:a="http://schemas.openxmlformats.org/drawingml/2006/main" id="297">
+<file path=ppt/charts/style10.xml><?xml version="1.0" encoding="utf-8"?>
+<cs:chartStyle xmlns:cs="http://schemas.microsoft.com/office/drawing/2012/chartStyle" xmlns:a="http://schemas.openxmlformats.org/drawingml/2006/main" id="276">
   <cs:axisTitle>
     <cs:lnRef idx="0"/>
     <cs:fillRef idx="0"/>
@@ -9713,20 +9023,6 @@
       <a:schemeClr val="tx1"/>
     </cs:fontRef>
     <cs:spPr>
-      <a:noFill/>
-      <a:ln>
-        <a:noFill/>
-      </a:ln>
-    </cs:spPr>
-  </cs:floor>
-  <cs:gridlineMajor>
-    <cs:lnRef idx="0"/>
-    <cs:fillRef idx="0"/>
-    <cs:effectRef idx="0"/>
-    <cs:fontRef idx="minor">
-      <a:schemeClr val="tx1"/>
-    </cs:fontRef>
-    <cs:spPr>
       <a:ln w="9525" cap="flat" cmpd="sng" algn="ctr">
         <a:solidFill>
           <a:schemeClr val="tx1">
@@ -9737,6 +9033,25 @@
         <a:round/>
       </a:ln>
     </cs:spPr>
+  </cs:floor>
+  <cs:gridlineMajor>
+    <cs:lnRef idx="0"/>
+    <cs:fillRef idx="0"/>
+    <cs:effectRef idx="0"/>
+    <cs:fontRef idx="minor">
+      <a:schemeClr val="tx1"/>
+    </cs:fontRef>
+    <cs:spPr>
+      <a:ln w="9525" cap="flat" cmpd="sng" algn="ctr">
+        <a:solidFill>
+          <a:schemeClr val="tx1">
+            <a:lumMod val="15000"/>
+            <a:lumOff val="85000"/>
+          </a:schemeClr>
+        </a:solidFill>
+        <a:round/>
+      </a:ln>
+    </cs:spPr>
   </cs:gridlineMajor>
   <cs:gridlineMinor>
     <cs:lnRef idx="0"/>
@@ -9833,6 +9148,17 @@
         <a:lumOff val="35000"/>
       </a:schemeClr>
     </cs:fontRef>
+    <cs:spPr>
+      <a:ln w="9525" cap="flat" cmpd="sng" algn="ctr">
+        <a:solidFill>
+          <a:schemeClr val="tx1">
+            <a:lumMod val="15000"/>
+            <a:lumOff val="85000"/>
+          </a:schemeClr>
+        </a:solidFill>
+        <a:round/>
+      </a:ln>
+    </cs:spPr>
     <cs:defRPr sz="1197" kern="1200"/>
   </cs:seriesAxis>
   <cs:seriesLine>
@@ -9947,8 +9273,8 @@
 </cs:chartStyle>
 </file>
 
-<file path=ppt/charts/style5.xml><?xml version="1.0" encoding="utf-8"?>
-<cs:chartStyle xmlns:cs="http://schemas.microsoft.com/office/drawing/2012/chartStyle" xmlns:a="http://schemas.openxmlformats.org/drawingml/2006/main" id="297">
+<file path=ppt/charts/style2.xml><?xml version="1.0" encoding="utf-8"?>
+<cs:chartStyle xmlns:cs="http://schemas.microsoft.com/office/drawing/2012/chartStyle" xmlns:a="http://schemas.openxmlformats.org/drawingml/2006/main" id="251">
   <cs:axisTitle>
     <cs:lnRef idx="0"/>
     <cs:fillRef idx="0"/>
@@ -10005,7 +9331,7 @@
         <a:round/>
       </a:ln>
     </cs:spPr>
-    <cs:defRPr sz="1330" kern="1200"/>
+    <cs:defRPr sz="1197" kern="1200"/>
   </cs:chartArea>
   <cs:dataLabel>
     <cs:lnRef idx="0"/>
@@ -10056,6 +9382,13 @@
     <cs:fontRef idx="minor">
       <a:schemeClr val="tx1"/>
     </cs:fontRef>
+    <cs:spPr>
+      <a:ln w="19050">
+        <a:solidFill>
+          <a:schemeClr val="lt1"/>
+        </a:solidFill>
+      </a:ln>
+    </cs:spPr>
   </cs:dataPoint>
   <cs:dataPoint3D>
     <cs:lnRef idx="0"/>
@@ -10066,12 +9399,19 @@
     <cs:fontRef idx="minor">
       <a:schemeClr val="tx1"/>
     </cs:fontRef>
+    <cs:spPr>
+      <a:ln w="25400">
+        <a:solidFill>
+          <a:schemeClr val="lt1"/>
+        </a:solidFill>
+      </a:ln>
+    </cs:spPr>
   </cs:dataPoint3D>
   <cs:dataPointLine>
     <cs:lnRef idx="0">
       <cs:styleClr val="auto"/>
     </cs:lnRef>
-    <cs:fillRef idx="1"/>
+    <cs:fillRef idx="0"/>
     <cs:effectRef idx="0"/>
     <cs:fontRef idx="minor">
       <a:schemeClr val="tx1"/>
@@ -10109,7 +9449,7 @@
     <cs:lnRef idx="0">
       <cs:styleClr val="auto"/>
     </cs:lnRef>
-    <cs:fillRef idx="1"/>
+    <cs:fillRef idx="0"/>
     <cs:effectRef idx="0"/>
     <cs:fontRef idx="minor">
       <a:schemeClr val="tx1"/>
@@ -10452,8 +9792,8 @@
 </cs:chartStyle>
 </file>
 
-<file path=ppt/charts/style6.xml><?xml version="1.0" encoding="utf-8"?>
-<cs:chartStyle xmlns:cs="http://schemas.microsoft.com/office/drawing/2012/chartStyle" xmlns:a="http://schemas.openxmlformats.org/drawingml/2006/main" id="227">
+<file path=ppt/charts/style3.xml><?xml version="1.0" encoding="utf-8"?>
+<cs:chartStyle xmlns:cs="http://schemas.microsoft.com/office/drawing/2012/chartStyle" xmlns:a="http://schemas.openxmlformats.org/drawingml/2006/main" id="201">
   <cs:axisTitle>
     <cs:lnRef idx="0"/>
     <cs:fillRef idx="0"/>
@@ -10561,11 +9901,6 @@
     <cs:fontRef idx="minor">
       <a:schemeClr val="tx1"/>
     </cs:fontRef>
-    <cs:spPr>
-      <a:solidFill>
-        <a:schemeClr val="phClr"/>
-      </a:solidFill>
-    </cs:spPr>
   </cs:dataPoint>
   <cs:dataPoint3D>
     <cs:lnRef idx="0"/>
@@ -10576,11 +9911,6 @@
     <cs:fontRef idx="minor">
       <a:schemeClr val="tx1"/>
     </cs:fontRef>
-    <cs:spPr>
-      <a:solidFill>
-        <a:schemeClr val="phClr"/>
-      </a:solidFill>
-    </cs:spPr>
   </cs:dataPoint3D>
   <cs:dataPointLine>
     <cs:lnRef idx="0">
@@ -10612,9 +9942,6 @@
       <a:schemeClr val="tx1"/>
     </cs:fontRef>
     <cs:spPr>
-      <a:solidFill>
-        <a:schemeClr val="phClr"/>
-      </a:solidFill>
       <a:ln w="9525">
         <a:solidFill>
           <a:schemeClr val="phClr"/>
@@ -10968,7 +10295,7 @@
 </cs:chartStyle>
 </file>
 
-<file path=ppt/charts/style7.xml><?xml version="1.0" encoding="utf-8"?>
+<file path=ppt/charts/style4.xml><?xml version="1.0" encoding="utf-8"?>
 <cs:chartStyle xmlns:cs="http://schemas.microsoft.com/office/drawing/2012/chartStyle" xmlns:a="http://schemas.openxmlformats.org/drawingml/2006/main" id="227">
   <cs:axisTitle>
     <cs:lnRef idx="0"/>
@@ -11484,8 +10811,8 @@
 </cs:chartStyle>
 </file>
 
-<file path=ppt/charts/style8.xml><?xml version="1.0" encoding="utf-8"?>
-<cs:chartStyle xmlns:cs="http://schemas.microsoft.com/office/drawing/2012/chartStyle" xmlns:a="http://schemas.openxmlformats.org/drawingml/2006/main" id="276">
+<file path=ppt/charts/style5.xml><?xml version="1.0" encoding="utf-8"?>
+<cs:chartStyle xmlns:cs="http://schemas.microsoft.com/office/drawing/2012/chartStyle" xmlns:a="http://schemas.openxmlformats.org/drawingml/2006/main" id="297">
   <cs:axisTitle>
     <cs:lnRef idx="0"/>
     <cs:fillRef idx="0"/>
@@ -11755,6 +11082,20 @@
       <a:schemeClr val="tx1"/>
     </cs:fontRef>
     <cs:spPr>
+      <a:noFill/>
+      <a:ln>
+        <a:noFill/>
+      </a:ln>
+    </cs:spPr>
+  </cs:floor>
+  <cs:gridlineMajor>
+    <cs:lnRef idx="0"/>
+    <cs:fillRef idx="0"/>
+    <cs:effectRef idx="0"/>
+    <cs:fontRef idx="minor">
+      <a:schemeClr val="tx1"/>
+    </cs:fontRef>
+    <cs:spPr>
       <a:ln w="9525" cap="flat" cmpd="sng" algn="ctr">
         <a:solidFill>
           <a:schemeClr val="tx1">
@@ -11765,25 +11106,6 @@
         <a:round/>
       </a:ln>
     </cs:spPr>
-  </cs:floor>
-  <cs:gridlineMajor>
-    <cs:lnRef idx="0"/>
-    <cs:fillRef idx="0"/>
-    <cs:effectRef idx="0"/>
-    <cs:fontRef idx="minor">
-      <a:schemeClr val="tx1"/>
-    </cs:fontRef>
-    <cs:spPr>
-      <a:ln w="9525" cap="flat" cmpd="sng" algn="ctr">
-        <a:solidFill>
-          <a:schemeClr val="tx1">
-            <a:lumMod val="15000"/>
-            <a:lumOff val="85000"/>
-          </a:schemeClr>
-        </a:solidFill>
-        <a:round/>
-      </a:ln>
-    </cs:spPr>
   </cs:gridlineMajor>
   <cs:gridlineMinor>
     <cs:lnRef idx="0"/>
@@ -11880,17 +11202,6 @@
         <a:lumOff val="35000"/>
       </a:schemeClr>
     </cs:fontRef>
-    <cs:spPr>
-      <a:ln w="9525" cap="flat" cmpd="sng" algn="ctr">
-        <a:solidFill>
-          <a:schemeClr val="tx1">
-            <a:lumMod val="15000"/>
-            <a:lumOff val="85000"/>
-          </a:schemeClr>
-        </a:solidFill>
-        <a:round/>
-      </a:ln>
-    </cs:spPr>
     <cs:defRPr sz="1197" kern="1200"/>
   </cs:seriesAxis>
   <cs:seriesLine>
@@ -11973,6 +11284,1543 @@
           </a:schemeClr>
         </a:solidFill>
         <a:round/>
+      </a:ln>
+    </cs:spPr>
+  </cs:upBar>
+  <cs:valueAxis>
+    <cs:lnRef idx="0"/>
+    <cs:fillRef idx="0"/>
+    <cs:effectRef idx="0"/>
+    <cs:fontRef idx="minor">
+      <a:schemeClr val="tx1">
+        <a:lumMod val="65000"/>
+        <a:lumOff val="35000"/>
+      </a:schemeClr>
+    </cs:fontRef>
+    <cs:defRPr sz="1197" kern="1200"/>
+  </cs:valueAxis>
+  <cs:wall>
+    <cs:lnRef idx="0"/>
+    <cs:fillRef idx="0"/>
+    <cs:effectRef idx="0"/>
+    <cs:fontRef idx="minor">
+      <a:schemeClr val="tx1"/>
+    </cs:fontRef>
+    <cs:spPr>
+      <a:noFill/>
+      <a:ln>
+        <a:noFill/>
+      </a:ln>
+    </cs:spPr>
+  </cs:wall>
+</cs:chartStyle>
+</file>
+
+<file path=ppt/charts/style6.xml><?xml version="1.0" encoding="utf-8"?>
+<cs:chartStyle xmlns:cs="http://schemas.microsoft.com/office/drawing/2012/chartStyle" xmlns:a="http://schemas.openxmlformats.org/drawingml/2006/main" id="297">
+  <cs:axisTitle>
+    <cs:lnRef idx="0"/>
+    <cs:fillRef idx="0"/>
+    <cs:effectRef idx="0"/>
+    <cs:fontRef idx="minor">
+      <a:schemeClr val="tx1">
+        <a:lumMod val="65000"/>
+        <a:lumOff val="35000"/>
+      </a:schemeClr>
+    </cs:fontRef>
+    <cs:defRPr sz="1330" kern="1200"/>
+  </cs:axisTitle>
+  <cs:categoryAxis>
+    <cs:lnRef idx="0"/>
+    <cs:fillRef idx="0"/>
+    <cs:effectRef idx="0"/>
+    <cs:fontRef idx="minor">
+      <a:schemeClr val="tx1">
+        <a:lumMod val="65000"/>
+        <a:lumOff val="35000"/>
+      </a:schemeClr>
+    </cs:fontRef>
+    <cs:spPr>
+      <a:ln w="9525" cap="flat" cmpd="sng" algn="ctr">
+        <a:solidFill>
+          <a:schemeClr val="tx1">
+            <a:lumMod val="15000"/>
+            <a:lumOff val="85000"/>
+          </a:schemeClr>
+        </a:solidFill>
+        <a:round/>
+      </a:ln>
+    </cs:spPr>
+    <cs:defRPr sz="1197" kern="1200"/>
+  </cs:categoryAxis>
+  <cs:chartArea mods="allowNoFillOverride allowNoLineOverride">
+    <cs:lnRef idx="0"/>
+    <cs:fillRef idx="0"/>
+    <cs:effectRef idx="0"/>
+    <cs:fontRef idx="minor">
+      <a:schemeClr val="tx1"/>
+    </cs:fontRef>
+    <cs:spPr>
+      <a:solidFill>
+        <a:schemeClr val="bg1"/>
+      </a:solidFill>
+      <a:ln w="9525" cap="flat" cmpd="sng" algn="ctr">
+        <a:solidFill>
+          <a:schemeClr val="tx1">
+            <a:lumMod val="15000"/>
+            <a:lumOff val="85000"/>
+          </a:schemeClr>
+        </a:solidFill>
+        <a:round/>
+      </a:ln>
+    </cs:spPr>
+    <cs:defRPr sz="1330" kern="1200"/>
+  </cs:chartArea>
+  <cs:dataLabel>
+    <cs:lnRef idx="0"/>
+    <cs:fillRef idx="0"/>
+    <cs:effectRef idx="0"/>
+    <cs:fontRef idx="minor">
+      <a:schemeClr val="tx1">
+        <a:lumMod val="75000"/>
+        <a:lumOff val="25000"/>
+      </a:schemeClr>
+    </cs:fontRef>
+    <cs:defRPr sz="1197" kern="1200"/>
+  </cs:dataLabel>
+  <cs:dataLabelCallout>
+    <cs:lnRef idx="0"/>
+    <cs:fillRef idx="0"/>
+    <cs:effectRef idx="0"/>
+    <cs:fontRef idx="minor">
+      <a:schemeClr val="dk1">
+        <a:lumMod val="65000"/>
+        <a:lumOff val="35000"/>
+      </a:schemeClr>
+    </cs:fontRef>
+    <cs:spPr>
+      <a:solidFill>
+        <a:schemeClr val="lt1"/>
+      </a:solidFill>
+      <a:ln>
+        <a:solidFill>
+          <a:schemeClr val="dk1">
+            <a:lumMod val="25000"/>
+            <a:lumOff val="75000"/>
+          </a:schemeClr>
+        </a:solidFill>
+      </a:ln>
+    </cs:spPr>
+    <cs:defRPr sz="1197" kern="1200"/>
+    <cs:bodyPr rot="0" spcFirstLastPara="1" vertOverflow="clip" horzOverflow="clip" vert="horz" wrap="square" lIns="36576" tIns="18288" rIns="36576" bIns="18288" anchor="ctr" anchorCtr="1">
+      <a:spAutoFit/>
+    </cs:bodyPr>
+  </cs:dataLabelCallout>
+  <cs:dataPoint>
+    <cs:lnRef idx="0"/>
+    <cs:fillRef idx="1">
+      <cs:styleClr val="auto"/>
+    </cs:fillRef>
+    <cs:effectRef idx="0"/>
+    <cs:fontRef idx="minor">
+      <a:schemeClr val="tx1"/>
+    </cs:fontRef>
+  </cs:dataPoint>
+  <cs:dataPoint3D>
+    <cs:lnRef idx="0"/>
+    <cs:fillRef idx="1">
+      <cs:styleClr val="auto"/>
+    </cs:fillRef>
+    <cs:effectRef idx="0"/>
+    <cs:fontRef idx="minor">
+      <a:schemeClr val="tx1"/>
+    </cs:fontRef>
+  </cs:dataPoint3D>
+  <cs:dataPointLine>
+    <cs:lnRef idx="0">
+      <cs:styleClr val="auto"/>
+    </cs:lnRef>
+    <cs:fillRef idx="1"/>
+    <cs:effectRef idx="0"/>
+    <cs:fontRef idx="minor">
+      <a:schemeClr val="tx1"/>
+    </cs:fontRef>
+    <cs:spPr>
+      <a:ln w="28575" cap="rnd">
+        <a:solidFill>
+          <a:schemeClr val="phClr"/>
+        </a:solidFill>
+        <a:round/>
+      </a:ln>
+    </cs:spPr>
+  </cs:dataPointLine>
+  <cs:dataPointMarker>
+    <cs:lnRef idx="0">
+      <cs:styleClr val="auto"/>
+    </cs:lnRef>
+    <cs:fillRef idx="1">
+      <cs:styleClr val="auto"/>
+    </cs:fillRef>
+    <cs:effectRef idx="0"/>
+    <cs:fontRef idx="minor">
+      <a:schemeClr val="tx1"/>
+    </cs:fontRef>
+    <cs:spPr>
+      <a:ln w="9525">
+        <a:solidFill>
+          <a:schemeClr val="phClr"/>
+        </a:solidFill>
+      </a:ln>
+    </cs:spPr>
+  </cs:dataPointMarker>
+  <cs:dataPointMarkerLayout symbol="circle" size="5"/>
+  <cs:dataPointWireframe>
+    <cs:lnRef idx="0">
+      <cs:styleClr val="auto"/>
+    </cs:lnRef>
+    <cs:fillRef idx="1"/>
+    <cs:effectRef idx="0"/>
+    <cs:fontRef idx="minor">
+      <a:schemeClr val="tx1"/>
+    </cs:fontRef>
+    <cs:spPr>
+      <a:ln w="9525" cap="rnd">
+        <a:solidFill>
+          <a:schemeClr val="phClr"/>
+        </a:solidFill>
+        <a:round/>
+      </a:ln>
+    </cs:spPr>
+  </cs:dataPointWireframe>
+  <cs:dataTable>
+    <cs:lnRef idx="0"/>
+    <cs:fillRef idx="0"/>
+    <cs:effectRef idx="0"/>
+    <cs:fontRef idx="minor">
+      <a:schemeClr val="tx1">
+        <a:lumMod val="65000"/>
+        <a:lumOff val="35000"/>
+      </a:schemeClr>
+    </cs:fontRef>
+    <cs:spPr>
+      <a:noFill/>
+      <a:ln w="9525" cap="flat" cmpd="sng" algn="ctr">
+        <a:solidFill>
+          <a:schemeClr val="tx1">
+            <a:lumMod val="15000"/>
+            <a:lumOff val="85000"/>
+          </a:schemeClr>
+        </a:solidFill>
+        <a:round/>
+      </a:ln>
+    </cs:spPr>
+    <cs:defRPr sz="1197" kern="1200"/>
+  </cs:dataTable>
+  <cs:downBar>
+    <cs:lnRef idx="0"/>
+    <cs:fillRef idx="0"/>
+    <cs:effectRef idx="0"/>
+    <cs:fontRef idx="minor">
+      <a:schemeClr val="tx1"/>
+    </cs:fontRef>
+    <cs:spPr>
+      <a:solidFill>
+        <a:schemeClr val="dk1">
+          <a:lumMod val="75000"/>
+          <a:lumOff val="25000"/>
+        </a:schemeClr>
+      </a:solidFill>
+      <a:ln w="9525" cap="flat" cmpd="sng" algn="ctr">
+        <a:solidFill>
+          <a:schemeClr val="tx1">
+            <a:lumMod val="65000"/>
+            <a:lumOff val="35000"/>
+          </a:schemeClr>
+        </a:solidFill>
+        <a:round/>
+      </a:ln>
+    </cs:spPr>
+  </cs:downBar>
+  <cs:dropLine>
+    <cs:lnRef idx="0"/>
+    <cs:fillRef idx="0"/>
+    <cs:effectRef idx="0"/>
+    <cs:fontRef idx="minor">
+      <a:schemeClr val="tx1"/>
+    </cs:fontRef>
+    <cs:spPr>
+      <a:ln w="9525" cap="flat" cmpd="sng" algn="ctr">
+        <a:solidFill>
+          <a:schemeClr val="tx1">
+            <a:lumMod val="35000"/>
+            <a:lumOff val="65000"/>
+          </a:schemeClr>
+        </a:solidFill>
+        <a:round/>
+      </a:ln>
+    </cs:spPr>
+  </cs:dropLine>
+  <cs:errorBar>
+    <cs:lnRef idx="0"/>
+    <cs:fillRef idx="0"/>
+    <cs:effectRef idx="0"/>
+    <cs:fontRef idx="minor">
+      <a:schemeClr val="tx1"/>
+    </cs:fontRef>
+    <cs:spPr>
+      <a:ln w="9525" cap="flat" cmpd="sng" algn="ctr">
+        <a:solidFill>
+          <a:schemeClr val="tx1">
+            <a:lumMod val="65000"/>
+            <a:lumOff val="35000"/>
+          </a:schemeClr>
+        </a:solidFill>
+        <a:round/>
+      </a:ln>
+    </cs:spPr>
+  </cs:errorBar>
+  <cs:floor>
+    <cs:lnRef idx="0"/>
+    <cs:fillRef idx="0"/>
+    <cs:effectRef idx="0"/>
+    <cs:fontRef idx="minor">
+      <a:schemeClr val="tx1"/>
+    </cs:fontRef>
+    <cs:spPr>
+      <a:noFill/>
+      <a:ln>
+        <a:noFill/>
+      </a:ln>
+    </cs:spPr>
+  </cs:floor>
+  <cs:gridlineMajor>
+    <cs:lnRef idx="0"/>
+    <cs:fillRef idx="0"/>
+    <cs:effectRef idx="0"/>
+    <cs:fontRef idx="minor">
+      <a:schemeClr val="tx1"/>
+    </cs:fontRef>
+    <cs:spPr>
+      <a:ln w="9525" cap="flat" cmpd="sng" algn="ctr">
+        <a:solidFill>
+          <a:schemeClr val="tx1">
+            <a:lumMod val="15000"/>
+            <a:lumOff val="85000"/>
+          </a:schemeClr>
+        </a:solidFill>
+        <a:round/>
+      </a:ln>
+    </cs:spPr>
+  </cs:gridlineMajor>
+  <cs:gridlineMinor>
+    <cs:lnRef idx="0"/>
+    <cs:fillRef idx="0"/>
+    <cs:effectRef idx="0"/>
+    <cs:fontRef idx="minor">
+      <a:schemeClr val="tx1"/>
+    </cs:fontRef>
+    <cs:spPr>
+      <a:ln w="9525" cap="flat" cmpd="sng" algn="ctr">
+        <a:solidFill>
+          <a:schemeClr val="tx1">
+            <a:lumMod val="5000"/>
+            <a:lumOff val="95000"/>
+          </a:schemeClr>
+        </a:solidFill>
+        <a:round/>
+      </a:ln>
+    </cs:spPr>
+  </cs:gridlineMinor>
+  <cs:hiLoLine>
+    <cs:lnRef idx="0"/>
+    <cs:fillRef idx="0"/>
+    <cs:effectRef idx="0"/>
+    <cs:fontRef idx="minor">
+      <a:schemeClr val="tx1"/>
+    </cs:fontRef>
+    <cs:spPr>
+      <a:ln w="9525" cap="flat" cmpd="sng" algn="ctr">
+        <a:solidFill>
+          <a:schemeClr val="tx1">
+            <a:lumMod val="50000"/>
+            <a:lumOff val="50000"/>
+          </a:schemeClr>
+        </a:solidFill>
+        <a:round/>
+      </a:ln>
+    </cs:spPr>
+  </cs:hiLoLine>
+  <cs:leaderLine>
+    <cs:lnRef idx="0"/>
+    <cs:fillRef idx="0"/>
+    <cs:effectRef idx="0"/>
+    <cs:fontRef idx="minor">
+      <a:schemeClr val="tx1"/>
+    </cs:fontRef>
+    <cs:spPr>
+      <a:ln w="9525" cap="flat" cmpd="sng" algn="ctr">
+        <a:solidFill>
+          <a:schemeClr val="tx1">
+            <a:lumMod val="35000"/>
+            <a:lumOff val="65000"/>
+          </a:schemeClr>
+        </a:solidFill>
+        <a:round/>
+      </a:ln>
+    </cs:spPr>
+  </cs:leaderLine>
+  <cs:legend>
+    <cs:lnRef idx="0"/>
+    <cs:fillRef idx="0"/>
+    <cs:effectRef idx="0"/>
+    <cs:fontRef idx="minor">
+      <a:schemeClr val="tx1">
+        <a:lumMod val="65000"/>
+        <a:lumOff val="35000"/>
+      </a:schemeClr>
+    </cs:fontRef>
+    <cs:defRPr sz="1197" kern="1200"/>
+  </cs:legend>
+  <cs:plotArea mods="allowNoFillOverride allowNoLineOverride">
+    <cs:lnRef idx="0"/>
+    <cs:fillRef idx="0"/>
+    <cs:effectRef idx="0"/>
+    <cs:fontRef idx="minor">
+      <a:schemeClr val="tx1"/>
+    </cs:fontRef>
+  </cs:plotArea>
+  <cs:plotArea3D mods="allowNoFillOverride allowNoLineOverride">
+    <cs:lnRef idx="0"/>
+    <cs:fillRef idx="0"/>
+    <cs:effectRef idx="0"/>
+    <cs:fontRef idx="minor">
+      <a:schemeClr val="tx1"/>
+    </cs:fontRef>
+  </cs:plotArea3D>
+  <cs:seriesAxis>
+    <cs:lnRef idx="0"/>
+    <cs:fillRef idx="0"/>
+    <cs:effectRef idx="0"/>
+    <cs:fontRef idx="minor">
+      <a:schemeClr val="tx1">
+        <a:lumMod val="65000"/>
+        <a:lumOff val="35000"/>
+      </a:schemeClr>
+    </cs:fontRef>
+    <cs:defRPr sz="1197" kern="1200"/>
+  </cs:seriesAxis>
+  <cs:seriesLine>
+    <cs:lnRef idx="0"/>
+    <cs:fillRef idx="0"/>
+    <cs:effectRef idx="0"/>
+    <cs:fontRef idx="minor">
+      <a:schemeClr val="tx1"/>
+    </cs:fontRef>
+    <cs:spPr>
+      <a:ln w="9525" cap="flat" cmpd="sng" algn="ctr">
+        <a:solidFill>
+          <a:schemeClr val="tx1">
+            <a:lumMod val="35000"/>
+            <a:lumOff val="65000"/>
+          </a:schemeClr>
+        </a:solidFill>
+        <a:round/>
+      </a:ln>
+    </cs:spPr>
+  </cs:seriesLine>
+  <cs:title>
+    <cs:lnRef idx="0"/>
+    <cs:fillRef idx="0"/>
+    <cs:effectRef idx="0"/>
+    <cs:fontRef idx="minor">
+      <a:schemeClr val="tx1">
+        <a:lumMod val="65000"/>
+        <a:lumOff val="35000"/>
+      </a:schemeClr>
+    </cs:fontRef>
+    <cs:defRPr sz="1862" b="0" kern="1200" spc="0" baseline="0"/>
+  </cs:title>
+  <cs:trendline>
+    <cs:lnRef idx="0">
+      <cs:styleClr val="auto"/>
+    </cs:lnRef>
+    <cs:fillRef idx="0"/>
+    <cs:effectRef idx="0"/>
+    <cs:fontRef idx="minor">
+      <a:schemeClr val="tx1"/>
+    </cs:fontRef>
+    <cs:spPr>
+      <a:ln w="19050" cap="rnd">
+        <a:solidFill>
+          <a:schemeClr val="phClr"/>
+        </a:solidFill>
+        <a:prstDash val="sysDot"/>
+      </a:ln>
+    </cs:spPr>
+  </cs:trendline>
+  <cs:trendlineLabel>
+    <cs:lnRef idx="0"/>
+    <cs:fillRef idx="0"/>
+    <cs:effectRef idx="0"/>
+    <cs:fontRef idx="minor">
+      <a:schemeClr val="tx1">
+        <a:lumMod val="65000"/>
+        <a:lumOff val="35000"/>
+      </a:schemeClr>
+    </cs:fontRef>
+    <cs:defRPr sz="1197" kern="1200"/>
+  </cs:trendlineLabel>
+  <cs:upBar>
+    <cs:lnRef idx="0"/>
+    <cs:fillRef idx="0"/>
+    <cs:effectRef idx="0"/>
+    <cs:fontRef idx="minor">
+      <a:schemeClr val="tx1"/>
+    </cs:fontRef>
+    <cs:spPr>
+      <a:solidFill>
+        <a:schemeClr val="lt1"/>
+      </a:solidFill>
+      <a:ln w="9525" cap="flat" cmpd="sng" algn="ctr">
+        <a:solidFill>
+          <a:schemeClr val="tx1">
+            <a:lumMod val="65000"/>
+            <a:lumOff val="35000"/>
+          </a:schemeClr>
+        </a:solidFill>
+        <a:round/>
+      </a:ln>
+    </cs:spPr>
+  </cs:upBar>
+  <cs:valueAxis>
+    <cs:lnRef idx="0"/>
+    <cs:fillRef idx="0"/>
+    <cs:effectRef idx="0"/>
+    <cs:fontRef idx="minor">
+      <a:schemeClr val="tx1">
+        <a:lumMod val="65000"/>
+        <a:lumOff val="35000"/>
+      </a:schemeClr>
+    </cs:fontRef>
+    <cs:defRPr sz="1197" kern="1200"/>
+  </cs:valueAxis>
+  <cs:wall>
+    <cs:lnRef idx="0"/>
+    <cs:fillRef idx="0"/>
+    <cs:effectRef idx="0"/>
+    <cs:fontRef idx="minor">
+      <a:schemeClr val="tx1"/>
+    </cs:fontRef>
+    <cs:spPr>
+      <a:noFill/>
+      <a:ln>
+        <a:noFill/>
+      </a:ln>
+    </cs:spPr>
+  </cs:wall>
+</cs:chartStyle>
+</file>
+
+<file path=ppt/charts/style7.xml><?xml version="1.0" encoding="utf-8"?>
+<cs:chartStyle xmlns:cs="http://schemas.microsoft.com/office/drawing/2012/chartStyle" xmlns:a="http://schemas.openxmlformats.org/drawingml/2006/main" id="227">
+  <cs:axisTitle>
+    <cs:lnRef idx="0"/>
+    <cs:fillRef idx="0"/>
+    <cs:effectRef idx="0"/>
+    <cs:fontRef idx="minor">
+      <a:schemeClr val="tx1">
+        <a:lumMod val="65000"/>
+        <a:lumOff val="35000"/>
+      </a:schemeClr>
+    </cs:fontRef>
+    <cs:defRPr sz="1330" kern="1200"/>
+  </cs:axisTitle>
+  <cs:categoryAxis>
+    <cs:lnRef idx="0"/>
+    <cs:fillRef idx="0"/>
+    <cs:effectRef idx="0"/>
+    <cs:fontRef idx="minor">
+      <a:schemeClr val="tx1">
+        <a:lumMod val="65000"/>
+        <a:lumOff val="35000"/>
+      </a:schemeClr>
+    </cs:fontRef>
+    <cs:spPr>
+      <a:ln w="9525" cap="flat" cmpd="sng" algn="ctr">
+        <a:solidFill>
+          <a:schemeClr val="tx1">
+            <a:lumMod val="15000"/>
+            <a:lumOff val="85000"/>
+          </a:schemeClr>
+        </a:solidFill>
+        <a:round/>
+      </a:ln>
+    </cs:spPr>
+    <cs:defRPr sz="1197" kern="1200"/>
+  </cs:categoryAxis>
+  <cs:chartArea mods="allowNoFillOverride allowNoLineOverride">
+    <cs:lnRef idx="0"/>
+    <cs:fillRef idx="0"/>
+    <cs:effectRef idx="0"/>
+    <cs:fontRef idx="minor">
+      <a:schemeClr val="tx1"/>
+    </cs:fontRef>
+    <cs:spPr>
+      <a:solidFill>
+        <a:schemeClr val="bg1"/>
+      </a:solidFill>
+      <a:ln w="9525" cap="flat" cmpd="sng" algn="ctr">
+        <a:solidFill>
+          <a:schemeClr val="tx1">
+            <a:lumMod val="15000"/>
+            <a:lumOff val="85000"/>
+          </a:schemeClr>
+        </a:solidFill>
+        <a:round/>
+      </a:ln>
+    </cs:spPr>
+    <cs:defRPr sz="1330" kern="1200"/>
+  </cs:chartArea>
+  <cs:dataLabel>
+    <cs:lnRef idx="0"/>
+    <cs:fillRef idx="0"/>
+    <cs:effectRef idx="0"/>
+    <cs:fontRef idx="minor">
+      <a:schemeClr val="tx1">
+        <a:lumMod val="75000"/>
+        <a:lumOff val="25000"/>
+      </a:schemeClr>
+    </cs:fontRef>
+    <cs:defRPr sz="1197" kern="1200"/>
+  </cs:dataLabel>
+  <cs:dataLabelCallout>
+    <cs:lnRef idx="0"/>
+    <cs:fillRef idx="0"/>
+    <cs:effectRef idx="0"/>
+    <cs:fontRef idx="minor">
+      <a:schemeClr val="dk1">
+        <a:lumMod val="65000"/>
+        <a:lumOff val="35000"/>
+      </a:schemeClr>
+    </cs:fontRef>
+    <cs:spPr>
+      <a:solidFill>
+        <a:schemeClr val="lt1"/>
+      </a:solidFill>
+      <a:ln>
+        <a:solidFill>
+          <a:schemeClr val="dk1">
+            <a:lumMod val="25000"/>
+            <a:lumOff val="75000"/>
+          </a:schemeClr>
+        </a:solidFill>
+      </a:ln>
+    </cs:spPr>
+    <cs:defRPr sz="1197" kern="1200"/>
+    <cs:bodyPr rot="0" spcFirstLastPara="1" vertOverflow="clip" horzOverflow="clip" vert="horz" wrap="square" lIns="36576" tIns="18288" rIns="36576" bIns="18288" anchor="ctr" anchorCtr="1">
+      <a:spAutoFit/>
+    </cs:bodyPr>
+  </cs:dataLabelCallout>
+  <cs:dataPoint>
+    <cs:lnRef idx="0"/>
+    <cs:fillRef idx="1">
+      <cs:styleClr val="auto"/>
+    </cs:fillRef>
+    <cs:effectRef idx="0"/>
+    <cs:fontRef idx="minor">
+      <a:schemeClr val="tx1"/>
+    </cs:fontRef>
+    <cs:spPr>
+      <a:solidFill>
+        <a:schemeClr val="phClr"/>
+      </a:solidFill>
+    </cs:spPr>
+  </cs:dataPoint>
+  <cs:dataPoint3D>
+    <cs:lnRef idx="0"/>
+    <cs:fillRef idx="1">
+      <cs:styleClr val="auto"/>
+    </cs:fillRef>
+    <cs:effectRef idx="0"/>
+    <cs:fontRef idx="minor">
+      <a:schemeClr val="tx1"/>
+    </cs:fontRef>
+    <cs:spPr>
+      <a:solidFill>
+        <a:schemeClr val="phClr"/>
+      </a:solidFill>
+    </cs:spPr>
+  </cs:dataPoint3D>
+  <cs:dataPointLine>
+    <cs:lnRef idx="0">
+      <cs:styleClr val="auto"/>
+    </cs:lnRef>
+    <cs:fillRef idx="1"/>
+    <cs:effectRef idx="0"/>
+    <cs:fontRef idx="minor">
+      <a:schemeClr val="tx1"/>
+    </cs:fontRef>
+    <cs:spPr>
+      <a:ln w="28575" cap="rnd">
+        <a:solidFill>
+          <a:schemeClr val="phClr"/>
+        </a:solidFill>
+        <a:round/>
+      </a:ln>
+    </cs:spPr>
+  </cs:dataPointLine>
+  <cs:dataPointMarker>
+    <cs:lnRef idx="0">
+      <cs:styleClr val="auto"/>
+    </cs:lnRef>
+    <cs:fillRef idx="1">
+      <cs:styleClr val="auto"/>
+    </cs:fillRef>
+    <cs:effectRef idx="0"/>
+    <cs:fontRef idx="minor">
+      <a:schemeClr val="tx1"/>
+    </cs:fontRef>
+    <cs:spPr>
+      <a:solidFill>
+        <a:schemeClr val="phClr"/>
+      </a:solidFill>
+      <a:ln w="9525">
+        <a:solidFill>
+          <a:schemeClr val="phClr"/>
+        </a:solidFill>
+      </a:ln>
+    </cs:spPr>
+  </cs:dataPointMarker>
+  <cs:dataPointMarkerLayout symbol="circle" size="5"/>
+  <cs:dataPointWireframe>
+    <cs:lnRef idx="0">
+      <cs:styleClr val="auto"/>
+    </cs:lnRef>
+    <cs:fillRef idx="1"/>
+    <cs:effectRef idx="0"/>
+    <cs:fontRef idx="minor">
+      <a:schemeClr val="tx1"/>
+    </cs:fontRef>
+    <cs:spPr>
+      <a:ln w="9525" cap="rnd">
+        <a:solidFill>
+          <a:schemeClr val="phClr"/>
+        </a:solidFill>
+        <a:round/>
+      </a:ln>
+    </cs:spPr>
+  </cs:dataPointWireframe>
+  <cs:dataTable>
+    <cs:lnRef idx="0"/>
+    <cs:fillRef idx="0"/>
+    <cs:effectRef idx="0"/>
+    <cs:fontRef idx="minor">
+      <a:schemeClr val="tx1">
+        <a:lumMod val="65000"/>
+        <a:lumOff val="35000"/>
+      </a:schemeClr>
+    </cs:fontRef>
+    <cs:spPr>
+      <a:noFill/>
+      <a:ln w="9525" cap="flat" cmpd="sng" algn="ctr">
+        <a:solidFill>
+          <a:schemeClr val="tx1">
+            <a:lumMod val="15000"/>
+            <a:lumOff val="85000"/>
+          </a:schemeClr>
+        </a:solidFill>
+        <a:round/>
+      </a:ln>
+    </cs:spPr>
+    <cs:defRPr sz="1197" kern="1200"/>
+  </cs:dataTable>
+  <cs:downBar>
+    <cs:lnRef idx="0"/>
+    <cs:fillRef idx="0"/>
+    <cs:effectRef idx="0"/>
+    <cs:fontRef idx="minor">
+      <a:schemeClr val="dk1"/>
+    </cs:fontRef>
+    <cs:spPr>
+      <a:solidFill>
+        <a:schemeClr val="dk1">
+          <a:lumMod val="65000"/>
+          <a:lumOff val="35000"/>
+        </a:schemeClr>
+      </a:solidFill>
+      <a:ln w="9525">
+        <a:solidFill>
+          <a:schemeClr val="tx1">
+            <a:lumMod val="65000"/>
+            <a:lumOff val="35000"/>
+          </a:schemeClr>
+        </a:solidFill>
+      </a:ln>
+    </cs:spPr>
+  </cs:downBar>
+  <cs:dropLine>
+    <cs:lnRef idx="0"/>
+    <cs:fillRef idx="0"/>
+    <cs:effectRef idx="0"/>
+    <cs:fontRef idx="minor">
+      <a:schemeClr val="tx1"/>
+    </cs:fontRef>
+    <cs:spPr>
+      <a:ln w="9525" cap="flat" cmpd="sng" algn="ctr">
+        <a:solidFill>
+          <a:schemeClr val="tx1">
+            <a:lumMod val="35000"/>
+            <a:lumOff val="65000"/>
+          </a:schemeClr>
+        </a:solidFill>
+        <a:round/>
+      </a:ln>
+    </cs:spPr>
+  </cs:dropLine>
+  <cs:errorBar>
+    <cs:lnRef idx="0"/>
+    <cs:fillRef idx="0"/>
+    <cs:effectRef idx="0"/>
+    <cs:fontRef idx="minor">
+      <a:schemeClr val="tx1"/>
+    </cs:fontRef>
+    <cs:spPr>
+      <a:ln w="9525" cap="flat" cmpd="sng" algn="ctr">
+        <a:solidFill>
+          <a:schemeClr val="tx1">
+            <a:lumMod val="65000"/>
+            <a:lumOff val="35000"/>
+          </a:schemeClr>
+        </a:solidFill>
+        <a:round/>
+      </a:ln>
+    </cs:spPr>
+  </cs:errorBar>
+  <cs:floor>
+    <cs:lnRef idx="0"/>
+    <cs:fillRef idx="0"/>
+    <cs:effectRef idx="0"/>
+    <cs:fontRef idx="minor">
+      <a:schemeClr val="tx1"/>
+    </cs:fontRef>
+    <cs:spPr>
+      <a:noFill/>
+      <a:ln>
+        <a:noFill/>
+      </a:ln>
+    </cs:spPr>
+  </cs:floor>
+  <cs:gridlineMajor>
+    <cs:lnRef idx="0"/>
+    <cs:fillRef idx="0"/>
+    <cs:effectRef idx="0"/>
+    <cs:fontRef idx="minor">
+      <a:schemeClr val="tx1"/>
+    </cs:fontRef>
+    <cs:spPr>
+      <a:ln w="9525" cap="flat" cmpd="sng" algn="ctr">
+        <a:solidFill>
+          <a:schemeClr val="tx1">
+            <a:lumMod val="15000"/>
+            <a:lumOff val="85000"/>
+          </a:schemeClr>
+        </a:solidFill>
+        <a:round/>
+      </a:ln>
+    </cs:spPr>
+  </cs:gridlineMajor>
+  <cs:gridlineMinor>
+    <cs:lnRef idx="0"/>
+    <cs:fillRef idx="0"/>
+    <cs:effectRef idx="0"/>
+    <cs:fontRef idx="minor">
+      <a:schemeClr val="tx1"/>
+    </cs:fontRef>
+    <cs:spPr>
+      <a:ln w="9525" cap="flat" cmpd="sng" algn="ctr">
+        <a:solidFill>
+          <a:schemeClr val="tx1">
+            <a:lumMod val="5000"/>
+            <a:lumOff val="95000"/>
+          </a:schemeClr>
+        </a:solidFill>
+        <a:round/>
+      </a:ln>
+    </cs:spPr>
+  </cs:gridlineMinor>
+  <cs:hiLoLine>
+    <cs:lnRef idx="0"/>
+    <cs:fillRef idx="0"/>
+    <cs:effectRef idx="0"/>
+    <cs:fontRef idx="minor">
+      <a:schemeClr val="tx1"/>
+    </cs:fontRef>
+    <cs:spPr>
+      <a:ln w="9525" cap="flat" cmpd="sng" algn="ctr">
+        <a:solidFill>
+          <a:schemeClr val="tx1">
+            <a:lumMod val="75000"/>
+            <a:lumOff val="25000"/>
+          </a:schemeClr>
+        </a:solidFill>
+        <a:round/>
+      </a:ln>
+    </cs:spPr>
+  </cs:hiLoLine>
+  <cs:leaderLine>
+    <cs:lnRef idx="0"/>
+    <cs:fillRef idx="0"/>
+    <cs:effectRef idx="0"/>
+    <cs:fontRef idx="minor">
+      <a:schemeClr val="tx1"/>
+    </cs:fontRef>
+    <cs:spPr>
+      <a:ln w="9525" cap="flat" cmpd="sng" algn="ctr">
+        <a:solidFill>
+          <a:schemeClr val="tx1">
+            <a:lumMod val="35000"/>
+            <a:lumOff val="65000"/>
+          </a:schemeClr>
+        </a:solidFill>
+        <a:round/>
+      </a:ln>
+    </cs:spPr>
+  </cs:leaderLine>
+  <cs:legend>
+    <cs:lnRef idx="0"/>
+    <cs:fillRef idx="0"/>
+    <cs:effectRef idx="0"/>
+    <cs:fontRef idx="minor">
+      <a:schemeClr val="tx1">
+        <a:lumMod val="65000"/>
+        <a:lumOff val="35000"/>
+      </a:schemeClr>
+    </cs:fontRef>
+    <cs:defRPr sz="1197" kern="1200"/>
+  </cs:legend>
+  <cs:plotArea mods="allowNoFillOverride allowNoLineOverride">
+    <cs:lnRef idx="0"/>
+    <cs:fillRef idx="0"/>
+    <cs:effectRef idx="0"/>
+    <cs:fontRef idx="minor">
+      <a:schemeClr val="tx1"/>
+    </cs:fontRef>
+  </cs:plotArea>
+  <cs:plotArea3D mods="allowNoFillOverride allowNoLineOverride">
+    <cs:lnRef idx="0"/>
+    <cs:fillRef idx="0"/>
+    <cs:effectRef idx="0"/>
+    <cs:fontRef idx="minor">
+      <a:schemeClr val="tx1"/>
+    </cs:fontRef>
+  </cs:plotArea3D>
+  <cs:seriesAxis>
+    <cs:lnRef idx="0"/>
+    <cs:fillRef idx="0"/>
+    <cs:effectRef idx="0"/>
+    <cs:fontRef idx="minor">
+      <a:schemeClr val="tx1">
+        <a:lumMod val="65000"/>
+        <a:lumOff val="35000"/>
+      </a:schemeClr>
+    </cs:fontRef>
+    <cs:defRPr sz="1197" kern="1200"/>
+  </cs:seriesAxis>
+  <cs:seriesLine>
+    <cs:lnRef idx="0"/>
+    <cs:fillRef idx="0"/>
+    <cs:effectRef idx="0"/>
+    <cs:fontRef idx="minor">
+      <a:schemeClr val="tx1"/>
+    </cs:fontRef>
+    <cs:spPr>
+      <a:ln w="9525" cap="flat" cmpd="sng" algn="ctr">
+        <a:solidFill>
+          <a:schemeClr val="tx1">
+            <a:lumMod val="35000"/>
+            <a:lumOff val="65000"/>
+          </a:schemeClr>
+        </a:solidFill>
+        <a:round/>
+      </a:ln>
+    </cs:spPr>
+  </cs:seriesLine>
+  <cs:title>
+    <cs:lnRef idx="0"/>
+    <cs:fillRef idx="0"/>
+    <cs:effectRef idx="0"/>
+    <cs:fontRef idx="minor">
+      <a:schemeClr val="tx1">
+        <a:lumMod val="65000"/>
+        <a:lumOff val="35000"/>
+      </a:schemeClr>
+    </cs:fontRef>
+    <cs:defRPr sz="1862" b="0" kern="1200" spc="0" baseline="0"/>
+  </cs:title>
+  <cs:trendline>
+    <cs:lnRef idx="0">
+      <cs:styleClr val="auto"/>
+    </cs:lnRef>
+    <cs:fillRef idx="0"/>
+    <cs:effectRef idx="0"/>
+    <cs:fontRef idx="minor">
+      <a:schemeClr val="tx1"/>
+    </cs:fontRef>
+    <cs:spPr>
+      <a:ln w="19050" cap="rnd">
+        <a:solidFill>
+          <a:schemeClr val="phClr"/>
+        </a:solidFill>
+        <a:prstDash val="sysDot"/>
+      </a:ln>
+    </cs:spPr>
+  </cs:trendline>
+  <cs:trendlineLabel>
+    <cs:lnRef idx="0"/>
+    <cs:fillRef idx="0"/>
+    <cs:effectRef idx="0"/>
+    <cs:fontRef idx="minor">
+      <a:schemeClr val="tx1">
+        <a:lumMod val="65000"/>
+        <a:lumOff val="35000"/>
+      </a:schemeClr>
+    </cs:fontRef>
+    <cs:defRPr sz="1197" kern="1200"/>
+  </cs:trendlineLabel>
+  <cs:upBar>
+    <cs:lnRef idx="0"/>
+    <cs:fillRef idx="0"/>
+    <cs:effectRef idx="0"/>
+    <cs:fontRef idx="minor">
+      <a:schemeClr val="dk1"/>
+    </cs:fontRef>
+    <cs:spPr>
+      <a:solidFill>
+        <a:schemeClr val="lt1"/>
+      </a:solidFill>
+      <a:ln w="9525">
+        <a:solidFill>
+          <a:schemeClr val="tx1">
+            <a:lumMod val="15000"/>
+            <a:lumOff val="85000"/>
+          </a:schemeClr>
+        </a:solidFill>
+      </a:ln>
+    </cs:spPr>
+  </cs:upBar>
+  <cs:valueAxis>
+    <cs:lnRef idx="0"/>
+    <cs:fillRef idx="0"/>
+    <cs:effectRef idx="0"/>
+    <cs:fontRef idx="minor">
+      <a:schemeClr val="tx1">
+        <a:lumMod val="65000"/>
+        <a:lumOff val="35000"/>
+      </a:schemeClr>
+    </cs:fontRef>
+    <cs:defRPr sz="1197" kern="1200"/>
+  </cs:valueAxis>
+  <cs:wall>
+    <cs:lnRef idx="0"/>
+    <cs:fillRef idx="0"/>
+    <cs:effectRef idx="0"/>
+    <cs:fontRef idx="minor">
+      <a:schemeClr val="tx1"/>
+    </cs:fontRef>
+    <cs:spPr>
+      <a:noFill/>
+      <a:ln>
+        <a:noFill/>
+      </a:ln>
+    </cs:spPr>
+  </cs:wall>
+</cs:chartStyle>
+</file>
+
+<file path=ppt/charts/style8.xml><?xml version="1.0" encoding="utf-8"?>
+<cs:chartStyle xmlns:cs="http://schemas.microsoft.com/office/drawing/2012/chartStyle" xmlns:a="http://schemas.openxmlformats.org/drawingml/2006/main" id="227">
+  <cs:axisTitle>
+    <cs:lnRef idx="0"/>
+    <cs:fillRef idx="0"/>
+    <cs:effectRef idx="0"/>
+    <cs:fontRef idx="minor">
+      <a:schemeClr val="tx1">
+        <a:lumMod val="65000"/>
+        <a:lumOff val="35000"/>
+      </a:schemeClr>
+    </cs:fontRef>
+    <cs:defRPr sz="1330" kern="1200"/>
+  </cs:axisTitle>
+  <cs:categoryAxis>
+    <cs:lnRef idx="0"/>
+    <cs:fillRef idx="0"/>
+    <cs:effectRef idx="0"/>
+    <cs:fontRef idx="minor">
+      <a:schemeClr val="tx1">
+        <a:lumMod val="65000"/>
+        <a:lumOff val="35000"/>
+      </a:schemeClr>
+    </cs:fontRef>
+    <cs:spPr>
+      <a:ln w="9525" cap="flat" cmpd="sng" algn="ctr">
+        <a:solidFill>
+          <a:schemeClr val="tx1">
+            <a:lumMod val="15000"/>
+            <a:lumOff val="85000"/>
+          </a:schemeClr>
+        </a:solidFill>
+        <a:round/>
+      </a:ln>
+    </cs:spPr>
+    <cs:defRPr sz="1197" kern="1200"/>
+  </cs:categoryAxis>
+  <cs:chartArea mods="allowNoFillOverride allowNoLineOverride">
+    <cs:lnRef idx="0"/>
+    <cs:fillRef idx="0"/>
+    <cs:effectRef idx="0"/>
+    <cs:fontRef idx="minor">
+      <a:schemeClr val="tx1"/>
+    </cs:fontRef>
+    <cs:spPr>
+      <a:solidFill>
+        <a:schemeClr val="bg1"/>
+      </a:solidFill>
+      <a:ln w="9525" cap="flat" cmpd="sng" algn="ctr">
+        <a:solidFill>
+          <a:schemeClr val="tx1">
+            <a:lumMod val="15000"/>
+            <a:lumOff val="85000"/>
+          </a:schemeClr>
+        </a:solidFill>
+        <a:round/>
+      </a:ln>
+    </cs:spPr>
+    <cs:defRPr sz="1330" kern="1200"/>
+  </cs:chartArea>
+  <cs:dataLabel>
+    <cs:lnRef idx="0"/>
+    <cs:fillRef idx="0"/>
+    <cs:effectRef idx="0"/>
+    <cs:fontRef idx="minor">
+      <a:schemeClr val="tx1">
+        <a:lumMod val="75000"/>
+        <a:lumOff val="25000"/>
+      </a:schemeClr>
+    </cs:fontRef>
+    <cs:defRPr sz="1197" kern="1200"/>
+  </cs:dataLabel>
+  <cs:dataLabelCallout>
+    <cs:lnRef idx="0"/>
+    <cs:fillRef idx="0"/>
+    <cs:effectRef idx="0"/>
+    <cs:fontRef idx="minor">
+      <a:schemeClr val="dk1">
+        <a:lumMod val="65000"/>
+        <a:lumOff val="35000"/>
+      </a:schemeClr>
+    </cs:fontRef>
+    <cs:spPr>
+      <a:solidFill>
+        <a:schemeClr val="lt1"/>
+      </a:solidFill>
+      <a:ln>
+        <a:solidFill>
+          <a:schemeClr val="dk1">
+            <a:lumMod val="25000"/>
+            <a:lumOff val="75000"/>
+          </a:schemeClr>
+        </a:solidFill>
+      </a:ln>
+    </cs:spPr>
+    <cs:defRPr sz="1197" kern="1200"/>
+    <cs:bodyPr rot="0" spcFirstLastPara="1" vertOverflow="clip" horzOverflow="clip" vert="horz" wrap="square" lIns="36576" tIns="18288" rIns="36576" bIns="18288" anchor="ctr" anchorCtr="1">
+      <a:spAutoFit/>
+    </cs:bodyPr>
+  </cs:dataLabelCallout>
+  <cs:dataPoint>
+    <cs:lnRef idx="0"/>
+    <cs:fillRef idx="1">
+      <cs:styleClr val="auto"/>
+    </cs:fillRef>
+    <cs:effectRef idx="0"/>
+    <cs:fontRef idx="minor">
+      <a:schemeClr val="tx1"/>
+    </cs:fontRef>
+    <cs:spPr>
+      <a:solidFill>
+        <a:schemeClr val="phClr"/>
+      </a:solidFill>
+    </cs:spPr>
+  </cs:dataPoint>
+  <cs:dataPoint3D>
+    <cs:lnRef idx="0"/>
+    <cs:fillRef idx="1">
+      <cs:styleClr val="auto"/>
+    </cs:fillRef>
+    <cs:effectRef idx="0"/>
+    <cs:fontRef idx="minor">
+      <a:schemeClr val="tx1"/>
+    </cs:fontRef>
+    <cs:spPr>
+      <a:solidFill>
+        <a:schemeClr val="phClr"/>
+      </a:solidFill>
+    </cs:spPr>
+  </cs:dataPoint3D>
+  <cs:dataPointLine>
+    <cs:lnRef idx="0">
+      <cs:styleClr val="auto"/>
+    </cs:lnRef>
+    <cs:fillRef idx="1"/>
+    <cs:effectRef idx="0"/>
+    <cs:fontRef idx="minor">
+      <a:schemeClr val="tx1"/>
+    </cs:fontRef>
+    <cs:spPr>
+      <a:ln w="28575" cap="rnd">
+        <a:solidFill>
+          <a:schemeClr val="phClr"/>
+        </a:solidFill>
+        <a:round/>
+      </a:ln>
+    </cs:spPr>
+  </cs:dataPointLine>
+  <cs:dataPointMarker>
+    <cs:lnRef idx="0">
+      <cs:styleClr val="auto"/>
+    </cs:lnRef>
+    <cs:fillRef idx="1">
+      <cs:styleClr val="auto"/>
+    </cs:fillRef>
+    <cs:effectRef idx="0"/>
+    <cs:fontRef idx="minor">
+      <a:schemeClr val="tx1"/>
+    </cs:fontRef>
+    <cs:spPr>
+      <a:solidFill>
+        <a:schemeClr val="phClr"/>
+      </a:solidFill>
+      <a:ln w="9525">
+        <a:solidFill>
+          <a:schemeClr val="phClr"/>
+        </a:solidFill>
+      </a:ln>
+    </cs:spPr>
+  </cs:dataPointMarker>
+  <cs:dataPointMarkerLayout symbol="circle" size="5"/>
+  <cs:dataPointWireframe>
+    <cs:lnRef idx="0">
+      <cs:styleClr val="auto"/>
+    </cs:lnRef>
+    <cs:fillRef idx="1"/>
+    <cs:effectRef idx="0"/>
+    <cs:fontRef idx="minor">
+      <a:schemeClr val="tx1"/>
+    </cs:fontRef>
+    <cs:spPr>
+      <a:ln w="9525" cap="rnd">
+        <a:solidFill>
+          <a:schemeClr val="phClr"/>
+        </a:solidFill>
+        <a:round/>
+      </a:ln>
+    </cs:spPr>
+  </cs:dataPointWireframe>
+  <cs:dataTable>
+    <cs:lnRef idx="0"/>
+    <cs:fillRef idx="0"/>
+    <cs:effectRef idx="0"/>
+    <cs:fontRef idx="minor">
+      <a:schemeClr val="tx1">
+        <a:lumMod val="65000"/>
+        <a:lumOff val="35000"/>
+      </a:schemeClr>
+    </cs:fontRef>
+    <cs:spPr>
+      <a:noFill/>
+      <a:ln w="9525" cap="flat" cmpd="sng" algn="ctr">
+        <a:solidFill>
+          <a:schemeClr val="tx1">
+            <a:lumMod val="15000"/>
+            <a:lumOff val="85000"/>
+          </a:schemeClr>
+        </a:solidFill>
+        <a:round/>
+      </a:ln>
+    </cs:spPr>
+    <cs:defRPr sz="1197" kern="1200"/>
+  </cs:dataTable>
+  <cs:downBar>
+    <cs:lnRef idx="0"/>
+    <cs:fillRef idx="0"/>
+    <cs:effectRef idx="0"/>
+    <cs:fontRef idx="minor">
+      <a:schemeClr val="dk1"/>
+    </cs:fontRef>
+    <cs:spPr>
+      <a:solidFill>
+        <a:schemeClr val="dk1">
+          <a:lumMod val="65000"/>
+          <a:lumOff val="35000"/>
+        </a:schemeClr>
+      </a:solidFill>
+      <a:ln w="9525">
+        <a:solidFill>
+          <a:schemeClr val="tx1">
+            <a:lumMod val="65000"/>
+            <a:lumOff val="35000"/>
+          </a:schemeClr>
+        </a:solidFill>
+      </a:ln>
+    </cs:spPr>
+  </cs:downBar>
+  <cs:dropLine>
+    <cs:lnRef idx="0"/>
+    <cs:fillRef idx="0"/>
+    <cs:effectRef idx="0"/>
+    <cs:fontRef idx="minor">
+      <a:schemeClr val="tx1"/>
+    </cs:fontRef>
+    <cs:spPr>
+      <a:ln w="9525" cap="flat" cmpd="sng" algn="ctr">
+        <a:solidFill>
+          <a:schemeClr val="tx1">
+            <a:lumMod val="35000"/>
+            <a:lumOff val="65000"/>
+          </a:schemeClr>
+        </a:solidFill>
+        <a:round/>
+      </a:ln>
+    </cs:spPr>
+  </cs:dropLine>
+  <cs:errorBar>
+    <cs:lnRef idx="0"/>
+    <cs:fillRef idx="0"/>
+    <cs:effectRef idx="0"/>
+    <cs:fontRef idx="minor">
+      <a:schemeClr val="tx1"/>
+    </cs:fontRef>
+    <cs:spPr>
+      <a:ln w="9525" cap="flat" cmpd="sng" algn="ctr">
+        <a:solidFill>
+          <a:schemeClr val="tx1">
+            <a:lumMod val="65000"/>
+            <a:lumOff val="35000"/>
+          </a:schemeClr>
+        </a:solidFill>
+        <a:round/>
+      </a:ln>
+    </cs:spPr>
+  </cs:errorBar>
+  <cs:floor>
+    <cs:lnRef idx="0"/>
+    <cs:fillRef idx="0"/>
+    <cs:effectRef idx="0"/>
+    <cs:fontRef idx="minor">
+      <a:schemeClr val="tx1"/>
+    </cs:fontRef>
+    <cs:spPr>
+      <a:noFill/>
+      <a:ln>
+        <a:noFill/>
+      </a:ln>
+    </cs:spPr>
+  </cs:floor>
+  <cs:gridlineMajor>
+    <cs:lnRef idx="0"/>
+    <cs:fillRef idx="0"/>
+    <cs:effectRef idx="0"/>
+    <cs:fontRef idx="minor">
+      <a:schemeClr val="tx1"/>
+    </cs:fontRef>
+    <cs:spPr>
+      <a:ln w="9525" cap="flat" cmpd="sng" algn="ctr">
+        <a:solidFill>
+          <a:schemeClr val="tx1">
+            <a:lumMod val="15000"/>
+            <a:lumOff val="85000"/>
+          </a:schemeClr>
+        </a:solidFill>
+        <a:round/>
+      </a:ln>
+    </cs:spPr>
+  </cs:gridlineMajor>
+  <cs:gridlineMinor>
+    <cs:lnRef idx="0"/>
+    <cs:fillRef idx="0"/>
+    <cs:effectRef idx="0"/>
+    <cs:fontRef idx="minor">
+      <a:schemeClr val="tx1"/>
+    </cs:fontRef>
+    <cs:spPr>
+      <a:ln w="9525" cap="flat" cmpd="sng" algn="ctr">
+        <a:solidFill>
+          <a:schemeClr val="tx1">
+            <a:lumMod val="5000"/>
+            <a:lumOff val="95000"/>
+          </a:schemeClr>
+        </a:solidFill>
+        <a:round/>
+      </a:ln>
+    </cs:spPr>
+  </cs:gridlineMinor>
+  <cs:hiLoLine>
+    <cs:lnRef idx="0"/>
+    <cs:fillRef idx="0"/>
+    <cs:effectRef idx="0"/>
+    <cs:fontRef idx="minor">
+      <a:schemeClr val="tx1"/>
+    </cs:fontRef>
+    <cs:spPr>
+      <a:ln w="9525" cap="flat" cmpd="sng" algn="ctr">
+        <a:solidFill>
+          <a:schemeClr val="tx1">
+            <a:lumMod val="75000"/>
+            <a:lumOff val="25000"/>
+          </a:schemeClr>
+        </a:solidFill>
+        <a:round/>
+      </a:ln>
+    </cs:spPr>
+  </cs:hiLoLine>
+  <cs:leaderLine>
+    <cs:lnRef idx="0"/>
+    <cs:fillRef idx="0"/>
+    <cs:effectRef idx="0"/>
+    <cs:fontRef idx="minor">
+      <a:schemeClr val="tx1"/>
+    </cs:fontRef>
+    <cs:spPr>
+      <a:ln w="9525" cap="flat" cmpd="sng" algn="ctr">
+        <a:solidFill>
+          <a:schemeClr val="tx1">
+            <a:lumMod val="35000"/>
+            <a:lumOff val="65000"/>
+          </a:schemeClr>
+        </a:solidFill>
+        <a:round/>
+      </a:ln>
+    </cs:spPr>
+  </cs:leaderLine>
+  <cs:legend>
+    <cs:lnRef idx="0"/>
+    <cs:fillRef idx="0"/>
+    <cs:effectRef idx="0"/>
+    <cs:fontRef idx="minor">
+      <a:schemeClr val="tx1">
+        <a:lumMod val="65000"/>
+        <a:lumOff val="35000"/>
+      </a:schemeClr>
+    </cs:fontRef>
+    <cs:defRPr sz="1197" kern="1200"/>
+  </cs:legend>
+  <cs:plotArea mods="allowNoFillOverride allowNoLineOverride">
+    <cs:lnRef idx="0"/>
+    <cs:fillRef idx="0"/>
+    <cs:effectRef idx="0"/>
+    <cs:fontRef idx="minor">
+      <a:schemeClr val="tx1"/>
+    </cs:fontRef>
+  </cs:plotArea>
+  <cs:plotArea3D mods="allowNoFillOverride allowNoLineOverride">
+    <cs:lnRef idx="0"/>
+    <cs:fillRef idx="0"/>
+    <cs:effectRef idx="0"/>
+    <cs:fontRef idx="minor">
+      <a:schemeClr val="tx1"/>
+    </cs:fontRef>
+  </cs:plotArea3D>
+  <cs:seriesAxis>
+    <cs:lnRef idx="0"/>
+    <cs:fillRef idx="0"/>
+    <cs:effectRef idx="0"/>
+    <cs:fontRef idx="minor">
+      <a:schemeClr val="tx1">
+        <a:lumMod val="65000"/>
+        <a:lumOff val="35000"/>
+      </a:schemeClr>
+    </cs:fontRef>
+    <cs:defRPr sz="1197" kern="1200"/>
+  </cs:seriesAxis>
+  <cs:seriesLine>
+    <cs:lnRef idx="0"/>
+    <cs:fillRef idx="0"/>
+    <cs:effectRef idx="0"/>
+    <cs:fontRef idx="minor">
+      <a:schemeClr val="tx1"/>
+    </cs:fontRef>
+    <cs:spPr>
+      <a:ln w="9525" cap="flat" cmpd="sng" algn="ctr">
+        <a:solidFill>
+          <a:schemeClr val="tx1">
+            <a:lumMod val="35000"/>
+            <a:lumOff val="65000"/>
+          </a:schemeClr>
+        </a:solidFill>
+        <a:round/>
+      </a:ln>
+    </cs:spPr>
+  </cs:seriesLine>
+  <cs:title>
+    <cs:lnRef idx="0"/>
+    <cs:fillRef idx="0"/>
+    <cs:effectRef idx="0"/>
+    <cs:fontRef idx="minor">
+      <a:schemeClr val="tx1">
+        <a:lumMod val="65000"/>
+        <a:lumOff val="35000"/>
+      </a:schemeClr>
+    </cs:fontRef>
+    <cs:defRPr sz="1862" b="0" kern="1200" spc="0" baseline="0"/>
+  </cs:title>
+  <cs:trendline>
+    <cs:lnRef idx="0">
+      <cs:styleClr val="auto"/>
+    </cs:lnRef>
+    <cs:fillRef idx="0"/>
+    <cs:effectRef idx="0"/>
+    <cs:fontRef idx="minor">
+      <a:schemeClr val="tx1"/>
+    </cs:fontRef>
+    <cs:spPr>
+      <a:ln w="19050" cap="rnd">
+        <a:solidFill>
+          <a:schemeClr val="phClr"/>
+        </a:solidFill>
+        <a:prstDash val="sysDot"/>
+      </a:ln>
+    </cs:spPr>
+  </cs:trendline>
+  <cs:trendlineLabel>
+    <cs:lnRef idx="0"/>
+    <cs:fillRef idx="0"/>
+    <cs:effectRef idx="0"/>
+    <cs:fontRef idx="minor">
+      <a:schemeClr val="tx1">
+        <a:lumMod val="65000"/>
+        <a:lumOff val="35000"/>
+      </a:schemeClr>
+    </cs:fontRef>
+    <cs:defRPr sz="1197" kern="1200"/>
+  </cs:trendlineLabel>
+  <cs:upBar>
+    <cs:lnRef idx="0"/>
+    <cs:fillRef idx="0"/>
+    <cs:effectRef idx="0"/>
+    <cs:fontRef idx="minor">
+      <a:schemeClr val="dk1"/>
+    </cs:fontRef>
+    <cs:spPr>
+      <a:solidFill>
+        <a:schemeClr val="lt1"/>
+      </a:solidFill>
+      <a:ln w="9525">
+        <a:solidFill>
+          <a:schemeClr val="tx1">
+            <a:lumMod val="15000"/>
+            <a:lumOff val="85000"/>
+          </a:schemeClr>
+        </a:solidFill>
       </a:ln>
     </cs:spPr>
   </cs:upBar>
@@ -12673,7 +13521,7 @@
           <a:p>
             <a:fld id="{CABA1996-3473-4B90-97F8-63F65D2C44E5}" type="datetimeFigureOut">
               <a:rPr lang="zh-CN" altLang="en-US" smtClean="0"/>
-              <a:t>2022/9/8</a:t>
+              <a:t>2022/9/11</a:t>
             </a:fld>
             <a:endParaRPr lang="zh-CN" altLang="en-US"/>
           </a:p>
@@ -12871,7 +13719,7 @@
           <a:p>
             <a:fld id="{CABA1996-3473-4B90-97F8-63F65D2C44E5}" type="datetimeFigureOut">
               <a:rPr lang="zh-CN" altLang="en-US" smtClean="0"/>
-              <a:t>2022/9/8</a:t>
+              <a:t>2022/9/11</a:t>
             </a:fld>
             <a:endParaRPr lang="zh-CN" altLang="en-US"/>
           </a:p>
@@ -13079,7 +13927,7 @@
           <a:p>
             <a:fld id="{CABA1996-3473-4B90-97F8-63F65D2C44E5}" type="datetimeFigureOut">
               <a:rPr lang="zh-CN" altLang="en-US" smtClean="0"/>
-              <a:t>2022/9/8</a:t>
+              <a:t>2022/9/11</a:t>
             </a:fld>
             <a:endParaRPr lang="zh-CN" altLang="en-US"/>
           </a:p>
@@ -13277,7 +14125,7 @@
           <a:p>
             <a:fld id="{CABA1996-3473-4B90-97F8-63F65D2C44E5}" type="datetimeFigureOut">
               <a:rPr lang="zh-CN" altLang="en-US" smtClean="0"/>
-              <a:t>2022/9/8</a:t>
+              <a:t>2022/9/11</a:t>
             </a:fld>
             <a:endParaRPr lang="zh-CN" altLang="en-US"/>
           </a:p>
@@ -13552,7 +14400,7 @@
           <a:p>
             <a:fld id="{CABA1996-3473-4B90-97F8-63F65D2C44E5}" type="datetimeFigureOut">
               <a:rPr lang="zh-CN" altLang="en-US" smtClean="0"/>
-              <a:t>2022/9/8</a:t>
+              <a:t>2022/9/11</a:t>
             </a:fld>
             <a:endParaRPr lang="zh-CN" altLang="en-US"/>
           </a:p>
@@ -13817,7 +14665,7 @@
           <a:p>
             <a:fld id="{CABA1996-3473-4B90-97F8-63F65D2C44E5}" type="datetimeFigureOut">
               <a:rPr lang="zh-CN" altLang="en-US" smtClean="0"/>
-              <a:t>2022/9/8</a:t>
+              <a:t>2022/9/11</a:t>
             </a:fld>
             <a:endParaRPr lang="zh-CN" altLang="en-US"/>
           </a:p>
@@ -14229,7 +15077,7 @@
           <a:p>
             <a:fld id="{CABA1996-3473-4B90-97F8-63F65D2C44E5}" type="datetimeFigureOut">
               <a:rPr lang="zh-CN" altLang="en-US" smtClean="0"/>
-              <a:t>2022/9/8</a:t>
+              <a:t>2022/9/11</a:t>
             </a:fld>
             <a:endParaRPr lang="zh-CN" altLang="en-US"/>
           </a:p>
@@ -14370,7 +15218,7 @@
           <a:p>
             <a:fld id="{CABA1996-3473-4B90-97F8-63F65D2C44E5}" type="datetimeFigureOut">
               <a:rPr lang="zh-CN" altLang="en-US" smtClean="0"/>
-              <a:t>2022/9/8</a:t>
+              <a:t>2022/9/11</a:t>
             </a:fld>
             <a:endParaRPr lang="zh-CN" altLang="en-US"/>
           </a:p>
@@ -14483,7 +15331,7 @@
           <a:p>
             <a:fld id="{CABA1996-3473-4B90-97F8-63F65D2C44E5}" type="datetimeFigureOut">
               <a:rPr lang="zh-CN" altLang="en-US" smtClean="0"/>
-              <a:t>2022/9/8</a:t>
+              <a:t>2022/9/11</a:t>
             </a:fld>
             <a:endParaRPr lang="zh-CN" altLang="en-US"/>
           </a:p>
@@ -14794,7 +15642,7 @@
           <a:p>
             <a:fld id="{CABA1996-3473-4B90-97F8-63F65D2C44E5}" type="datetimeFigureOut">
               <a:rPr lang="zh-CN" altLang="en-US" smtClean="0"/>
-              <a:t>2022/9/8</a:t>
+              <a:t>2022/9/11</a:t>
             </a:fld>
             <a:endParaRPr lang="zh-CN" altLang="en-US"/>
           </a:p>
@@ -15082,7 +15930,7 @@
           <a:p>
             <a:fld id="{CABA1996-3473-4B90-97F8-63F65D2C44E5}" type="datetimeFigureOut">
               <a:rPr lang="zh-CN" altLang="en-US" smtClean="0"/>
-              <a:t>2022/9/8</a:t>
+              <a:t>2022/9/11</a:t>
             </a:fld>
             <a:endParaRPr lang="zh-CN" altLang="en-US"/>
           </a:p>
@@ -15323,7 +16171,7 @@
           <a:p>
             <a:fld id="{CABA1996-3473-4B90-97F8-63F65D2C44E5}" type="datetimeFigureOut">
               <a:rPr lang="zh-CN" altLang="en-US" smtClean="0"/>
-              <a:t>2022/9/8</a:t>
+              <a:t>2022/9/11</a:t>
             </a:fld>
             <a:endParaRPr lang="zh-CN" altLang="en-US"/>
           </a:p>
@@ -15753,7 +16601,7 @@
           <p:nvPr>
             <p:extLst>
               <p:ext uri="{D42A27DB-BD31-4B8C-83A1-F6EECF244321}">
-                <p14:modId xmlns:p14="http://schemas.microsoft.com/office/powerpoint/2010/main" val="2259797723"/>
+                <p14:modId xmlns:p14="http://schemas.microsoft.com/office/powerpoint/2010/main" val="2893340871"/>
               </p:ext>
             </p:extLst>
           </p:nvPr>
@@ -15798,38 +16646,40 @@
           <a:chExt cx="0" cy="0"/>
         </a:xfrm>
       </p:grpSpPr>
-      <p:graphicFrame>
-        <p:nvGraphicFramePr>
-          <p:cNvPr id="6" name="图表 5">
+      <p:pic>
+        <p:nvPicPr>
+          <p:cNvPr id="3" name="图片 2">
             <a:extLst>
               <a:ext uri="{FF2B5EF4-FFF2-40B4-BE49-F238E27FC236}">
-                <a16:creationId xmlns:a16="http://schemas.microsoft.com/office/drawing/2014/main" id="{F778290B-4E8C-4AF2-DE4F-53FF3EE9FE91}"/>
+                <a16:creationId xmlns:a16="http://schemas.microsoft.com/office/drawing/2014/main" id="{CF0CEC35-D4A1-174E-A98E-AB4A3B0AFF15}"/>
               </a:ext>
             </a:extLst>
           </p:cNvPr>
-          <p:cNvGraphicFramePr/>
-          <p:nvPr>
-            <p:extLst>
-              <p:ext uri="{D42A27DB-BD31-4B8C-83A1-F6EECF244321}">
-                <p14:modId xmlns:p14="http://schemas.microsoft.com/office/powerpoint/2010/main" val="1401604692"/>
-              </p:ext>
-            </p:extLst>
-          </p:nvPr>
-        </p:nvGraphicFramePr>
-        <p:xfrm>
-          <a:off x="2032000" y="719666"/>
-          <a:ext cx="8128000" cy="5418667"/>
-        </p:xfrm>
-        <a:graphic>
-          <a:graphicData uri="http://schemas.openxmlformats.org/drawingml/2006/chart">
-            <c:chart xmlns:c="http://schemas.openxmlformats.org/drawingml/2006/chart" xmlns:r="http://schemas.openxmlformats.org/officeDocument/2006/relationships" r:id="rId2"/>
-          </a:graphicData>
-        </a:graphic>
-      </p:graphicFrame>
+          <p:cNvPicPr>
+            <a:picLocks noChangeAspect="1"/>
+          </p:cNvPicPr>
+          <p:nvPr/>
+        </p:nvPicPr>
+        <p:blipFill>
+          <a:blip r:embed="rId2"/>
+          <a:stretch>
+            <a:fillRect/>
+          </a:stretch>
+        </p:blipFill>
+        <p:spPr>
+          <a:xfrm>
+            <a:off x="1023530" y="1073426"/>
+            <a:ext cx="9719289" cy="4548809"/>
+          </a:xfrm>
+          <a:prstGeom prst="rect">
+            <a:avLst/>
+          </a:prstGeom>
+        </p:spPr>
+      </p:pic>
     </p:spTree>
     <p:extLst>
       <p:ext uri="{BB962C8B-B14F-4D97-AF65-F5344CB8AC3E}">
-        <p14:creationId xmlns:p14="http://schemas.microsoft.com/office/powerpoint/2010/main" val="842168336"/>
+        <p14:creationId xmlns:p14="http://schemas.microsoft.com/office/powerpoint/2010/main" val="3452595432"/>
       </p:ext>
     </p:extLst>
   </p:cSld>
@@ -15861,6 +16711,180 @@
           <p:cNvPr id="6" name="图表 5">
             <a:extLst>
               <a:ext uri="{FF2B5EF4-FFF2-40B4-BE49-F238E27FC236}">
+                <a16:creationId xmlns:a16="http://schemas.microsoft.com/office/drawing/2014/main" id="{F7BAAA48-49C2-E508-271B-3330909D8ACA}"/>
+              </a:ext>
+            </a:extLst>
+          </p:cNvPr>
+          <p:cNvGraphicFramePr/>
+          <p:nvPr>
+            <p:extLst>
+              <p:ext uri="{D42A27DB-BD31-4B8C-83A1-F6EECF244321}">
+                <p14:modId xmlns:p14="http://schemas.microsoft.com/office/powerpoint/2010/main" val="183228622"/>
+              </p:ext>
+            </p:extLst>
+          </p:nvPr>
+        </p:nvGraphicFramePr>
+        <p:xfrm>
+          <a:off x="2032000" y="719666"/>
+          <a:ext cx="8128000" cy="5418667"/>
+        </p:xfrm>
+        <a:graphic>
+          <a:graphicData uri="http://schemas.openxmlformats.org/drawingml/2006/chart">
+            <c:chart xmlns:c="http://schemas.openxmlformats.org/drawingml/2006/chart" xmlns:r="http://schemas.openxmlformats.org/officeDocument/2006/relationships" r:id="rId2"/>
+          </a:graphicData>
+        </a:graphic>
+      </p:graphicFrame>
+    </p:spTree>
+    <p:extLst>
+      <p:ext uri="{BB962C8B-B14F-4D97-AF65-F5344CB8AC3E}">
+        <p14:creationId xmlns:p14="http://schemas.microsoft.com/office/powerpoint/2010/main" val="275186712"/>
+      </p:ext>
+    </p:extLst>
+  </p:cSld>
+  <p:clrMapOvr>
+    <a:masterClrMapping/>
+  </p:clrMapOvr>
+</p:sld>
+</file>
+
+<file path=ppt/slides/slide12.xml><?xml version="1.0" encoding="utf-8"?>
+<p:sld xmlns:a="http://schemas.openxmlformats.org/drawingml/2006/main" xmlns:r="http://schemas.openxmlformats.org/officeDocument/2006/relationships" xmlns:p="http://schemas.openxmlformats.org/presentationml/2006/main">
+  <p:cSld>
+    <p:spTree>
+      <p:nvGrpSpPr>
+        <p:cNvPr id="1" name=""/>
+        <p:cNvGrpSpPr/>
+        <p:nvPr/>
+      </p:nvGrpSpPr>
+      <p:grpSpPr>
+        <a:xfrm>
+          <a:off x="0" y="0"/>
+          <a:ext cx="0" cy="0"/>
+          <a:chOff x="0" y="0"/>
+          <a:chExt cx="0" cy="0"/>
+        </a:xfrm>
+      </p:grpSpPr>
+      <p:graphicFrame>
+        <p:nvGraphicFramePr>
+          <p:cNvPr id="6" name="图表 5">
+            <a:extLst>
+              <a:ext uri="{FF2B5EF4-FFF2-40B4-BE49-F238E27FC236}">
+                <a16:creationId xmlns:a16="http://schemas.microsoft.com/office/drawing/2014/main" id="{CC59433F-F76D-4BD7-3C23-16C55A9DF9E0}"/>
+              </a:ext>
+            </a:extLst>
+          </p:cNvPr>
+          <p:cNvGraphicFramePr/>
+          <p:nvPr>
+            <p:extLst>
+              <p:ext uri="{D42A27DB-BD31-4B8C-83A1-F6EECF244321}">
+                <p14:modId xmlns:p14="http://schemas.microsoft.com/office/powerpoint/2010/main" val="741947460"/>
+              </p:ext>
+            </p:extLst>
+          </p:nvPr>
+        </p:nvGraphicFramePr>
+        <p:xfrm>
+          <a:off x="2032000" y="719666"/>
+          <a:ext cx="8128000" cy="5418667"/>
+        </p:xfrm>
+        <a:graphic>
+          <a:graphicData uri="http://schemas.openxmlformats.org/drawingml/2006/chart">
+            <c:chart xmlns:c="http://schemas.openxmlformats.org/drawingml/2006/chart" xmlns:r="http://schemas.openxmlformats.org/officeDocument/2006/relationships" r:id="rId2"/>
+          </a:graphicData>
+        </a:graphic>
+      </p:graphicFrame>
+    </p:spTree>
+    <p:extLst>
+      <p:ext uri="{BB962C8B-B14F-4D97-AF65-F5344CB8AC3E}">
+        <p14:creationId xmlns:p14="http://schemas.microsoft.com/office/powerpoint/2010/main" val="571943326"/>
+      </p:ext>
+    </p:extLst>
+  </p:cSld>
+  <p:clrMapOvr>
+    <a:masterClrMapping/>
+  </p:clrMapOvr>
+</p:sld>
+</file>
+
+<file path=ppt/slides/slide13.xml><?xml version="1.0" encoding="utf-8"?>
+<p:sld xmlns:a="http://schemas.openxmlformats.org/drawingml/2006/main" xmlns:r="http://schemas.openxmlformats.org/officeDocument/2006/relationships" xmlns:p="http://schemas.openxmlformats.org/presentationml/2006/main">
+  <p:cSld>
+    <p:spTree>
+      <p:nvGrpSpPr>
+        <p:cNvPr id="1" name=""/>
+        <p:cNvGrpSpPr/>
+        <p:nvPr/>
+      </p:nvGrpSpPr>
+      <p:grpSpPr>
+        <a:xfrm>
+          <a:off x="0" y="0"/>
+          <a:ext cx="0" cy="0"/>
+          <a:chOff x="0" y="0"/>
+          <a:chExt cx="0" cy="0"/>
+        </a:xfrm>
+      </p:grpSpPr>
+      <p:graphicFrame>
+        <p:nvGraphicFramePr>
+          <p:cNvPr id="6" name="图表 5">
+            <a:extLst>
+              <a:ext uri="{FF2B5EF4-FFF2-40B4-BE49-F238E27FC236}">
+                <a16:creationId xmlns:a16="http://schemas.microsoft.com/office/drawing/2014/main" id="{CC59433F-F76D-4BD7-3C23-16C55A9DF9E0}"/>
+              </a:ext>
+            </a:extLst>
+          </p:cNvPr>
+          <p:cNvGraphicFramePr/>
+          <p:nvPr>
+            <p:extLst>
+              <p:ext uri="{D42A27DB-BD31-4B8C-83A1-F6EECF244321}">
+                <p14:modId xmlns:p14="http://schemas.microsoft.com/office/powerpoint/2010/main" val="3368418252"/>
+              </p:ext>
+            </p:extLst>
+          </p:nvPr>
+        </p:nvGraphicFramePr>
+        <p:xfrm>
+          <a:off x="2032000" y="719666"/>
+          <a:ext cx="8128000" cy="5418667"/>
+        </p:xfrm>
+        <a:graphic>
+          <a:graphicData uri="http://schemas.openxmlformats.org/drawingml/2006/chart">
+            <c:chart xmlns:c="http://schemas.openxmlformats.org/drawingml/2006/chart" xmlns:r="http://schemas.openxmlformats.org/officeDocument/2006/relationships" r:id="rId2"/>
+          </a:graphicData>
+        </a:graphic>
+      </p:graphicFrame>
+    </p:spTree>
+    <p:extLst>
+      <p:ext uri="{BB962C8B-B14F-4D97-AF65-F5344CB8AC3E}">
+        <p14:creationId xmlns:p14="http://schemas.microsoft.com/office/powerpoint/2010/main" val="2623427718"/>
+      </p:ext>
+    </p:extLst>
+  </p:cSld>
+  <p:clrMapOvr>
+    <a:masterClrMapping/>
+  </p:clrMapOvr>
+</p:sld>
+</file>
+
+<file path=ppt/slides/slide14.xml><?xml version="1.0" encoding="utf-8"?>
+<p:sld xmlns:a="http://schemas.openxmlformats.org/drawingml/2006/main" xmlns:r="http://schemas.openxmlformats.org/officeDocument/2006/relationships" xmlns:p="http://schemas.openxmlformats.org/presentationml/2006/main">
+  <p:cSld>
+    <p:spTree>
+      <p:nvGrpSpPr>
+        <p:cNvPr id="1" name=""/>
+        <p:cNvGrpSpPr/>
+        <p:nvPr/>
+      </p:nvGrpSpPr>
+      <p:grpSpPr>
+        <a:xfrm>
+          <a:off x="0" y="0"/>
+          <a:ext cx="0" cy="0"/>
+          <a:chOff x="0" y="0"/>
+          <a:chExt cx="0" cy="0"/>
+        </a:xfrm>
+      </p:grpSpPr>
+      <p:graphicFrame>
+        <p:nvGraphicFramePr>
+          <p:cNvPr id="6" name="图表 5">
+            <a:extLst>
+              <a:ext uri="{FF2B5EF4-FFF2-40B4-BE49-F238E27FC236}">
                 <a16:creationId xmlns:a16="http://schemas.microsoft.com/office/drawing/2014/main" id="{F778290B-4E8C-4AF2-DE4F-53FF3EE9FE91}"/>
               </a:ext>
             </a:extLst>
@@ -15869,7 +16893,95 @@
           <p:nvPr>
             <p:extLst>
               <p:ext uri="{D42A27DB-BD31-4B8C-83A1-F6EECF244321}">
-                <p14:modId xmlns:p14="http://schemas.microsoft.com/office/powerpoint/2010/main" val="2931230834"/>
+                <p14:modId xmlns:p14="http://schemas.microsoft.com/office/powerpoint/2010/main" val="3265894849"/>
+              </p:ext>
+            </p:extLst>
+          </p:nvPr>
+        </p:nvGraphicFramePr>
+        <p:xfrm>
+          <a:off x="2032000" y="719666"/>
+          <a:ext cx="8128000" cy="5418667"/>
+        </p:xfrm>
+        <a:graphic>
+          <a:graphicData uri="http://schemas.openxmlformats.org/drawingml/2006/chart">
+            <c:chart xmlns:c="http://schemas.openxmlformats.org/drawingml/2006/chart" xmlns:r="http://schemas.openxmlformats.org/officeDocument/2006/relationships" r:id="rId2"/>
+          </a:graphicData>
+        </a:graphic>
+      </p:graphicFrame>
+      <p:pic>
+        <p:nvPicPr>
+          <p:cNvPr id="2" name="图片 1">
+            <a:extLst>
+              <a:ext uri="{FF2B5EF4-FFF2-40B4-BE49-F238E27FC236}">
+                <a16:creationId xmlns:a16="http://schemas.microsoft.com/office/drawing/2014/main" id="{7B91E0BB-A8AD-3349-BA36-197BE4A0C7F8}"/>
+              </a:ext>
+            </a:extLst>
+          </p:cNvPr>
+          <p:cNvPicPr>
+            <a:picLocks noChangeAspect="1"/>
+          </p:cNvPicPr>
+          <p:nvPr/>
+        </p:nvPicPr>
+        <p:blipFill>
+          <a:blip r:embed="rId3"/>
+          <a:stretch>
+            <a:fillRect/>
+          </a:stretch>
+        </p:blipFill>
+        <p:spPr>
+          <a:xfrm>
+            <a:off x="1043351" y="719666"/>
+            <a:ext cx="5496762" cy="4383741"/>
+          </a:xfrm>
+          <a:prstGeom prst="rect">
+            <a:avLst/>
+          </a:prstGeom>
+        </p:spPr>
+      </p:pic>
+    </p:spTree>
+    <p:extLst>
+      <p:ext uri="{BB962C8B-B14F-4D97-AF65-F5344CB8AC3E}">
+        <p14:creationId xmlns:p14="http://schemas.microsoft.com/office/powerpoint/2010/main" val="842168336"/>
+      </p:ext>
+    </p:extLst>
+  </p:cSld>
+  <p:clrMapOvr>
+    <a:masterClrMapping/>
+  </p:clrMapOvr>
+</p:sld>
+</file>
+
+<file path=ppt/slides/slide15.xml><?xml version="1.0" encoding="utf-8"?>
+<p:sld xmlns:a="http://schemas.openxmlformats.org/drawingml/2006/main" xmlns:r="http://schemas.openxmlformats.org/officeDocument/2006/relationships" xmlns:p="http://schemas.openxmlformats.org/presentationml/2006/main">
+  <p:cSld>
+    <p:spTree>
+      <p:nvGrpSpPr>
+        <p:cNvPr id="1" name=""/>
+        <p:cNvGrpSpPr/>
+        <p:nvPr/>
+      </p:nvGrpSpPr>
+      <p:grpSpPr>
+        <a:xfrm>
+          <a:off x="0" y="0"/>
+          <a:ext cx="0" cy="0"/>
+          <a:chOff x="0" y="0"/>
+          <a:chExt cx="0" cy="0"/>
+        </a:xfrm>
+      </p:grpSpPr>
+      <p:graphicFrame>
+        <p:nvGraphicFramePr>
+          <p:cNvPr id="6" name="图表 5">
+            <a:extLst>
+              <a:ext uri="{FF2B5EF4-FFF2-40B4-BE49-F238E27FC236}">
+                <a16:creationId xmlns:a16="http://schemas.microsoft.com/office/drawing/2014/main" id="{F778290B-4E8C-4AF2-DE4F-53FF3EE9FE91}"/>
+              </a:ext>
+            </a:extLst>
+          </p:cNvPr>
+          <p:cNvGraphicFramePr/>
+          <p:nvPr>
+            <p:extLst>
+              <p:ext uri="{D42A27DB-BD31-4B8C-83A1-F6EECF244321}">
+                <p14:modId xmlns:p14="http://schemas.microsoft.com/office/powerpoint/2010/main" val="3422808255"/>
               </p:ext>
             </p:extLst>
           </p:nvPr>
@@ -15888,6 +17000,1055 @@
     <p:extLst>
       <p:ext uri="{BB962C8B-B14F-4D97-AF65-F5344CB8AC3E}">
         <p14:creationId xmlns:p14="http://schemas.microsoft.com/office/powerpoint/2010/main" val="1821433746"/>
+      </p:ext>
+    </p:extLst>
+  </p:cSld>
+  <p:clrMapOvr>
+    <a:masterClrMapping/>
+  </p:clrMapOvr>
+</p:sld>
+</file>
+
+<file path=ppt/slides/slide16.xml><?xml version="1.0" encoding="utf-8"?>
+<p:sld xmlns:a="http://schemas.openxmlformats.org/drawingml/2006/main" xmlns:r="http://schemas.openxmlformats.org/officeDocument/2006/relationships" xmlns:p="http://schemas.openxmlformats.org/presentationml/2006/main">
+  <p:cSld>
+    <p:bg>
+      <p:bgPr>
+        <a:solidFill>
+          <a:schemeClr val="bg1"/>
+        </a:solidFill>
+        <a:effectLst/>
+      </p:bgPr>
+    </p:bg>
+    <p:spTree>
+      <p:nvGrpSpPr>
+        <p:cNvPr id="1" name=""/>
+        <p:cNvGrpSpPr/>
+        <p:nvPr/>
+      </p:nvGrpSpPr>
+      <p:grpSpPr>
+        <a:xfrm>
+          <a:off x="0" y="0"/>
+          <a:ext cx="0" cy="0"/>
+          <a:chOff x="0" y="0"/>
+          <a:chExt cx="0" cy="0"/>
+        </a:xfrm>
+      </p:grpSpPr>
+      <p:sp>
+        <p:nvSpPr>
+          <p:cNvPr id="26" name="Rectangle 25">
+            <a:extLst>
+              <a:ext uri="{FF2B5EF4-FFF2-40B4-BE49-F238E27FC236}">
+                <a16:creationId xmlns:a16="http://schemas.microsoft.com/office/drawing/2014/main" id="{2B566528-1B12-4246-9431-5C2D7D081168}"/>
+              </a:ext>
+              <a:ext uri="{C183D7F6-B498-43B3-948B-1728B52AA6E4}">
+                <adec:decorative xmlns:adec="http://schemas.microsoft.com/office/drawing/2017/decorative" val="1"/>
+              </a:ext>
+            </a:extLst>
+          </p:cNvPr>
+          <p:cNvSpPr>
+            <a:spLocks noGrp="1" noRot="1" noChangeAspect="1" noMove="1" noResize="1" noEditPoints="1" noAdjustHandles="1" noChangeArrowheads="1" noChangeShapeType="1" noTextEdit="1"/>
+          </p:cNvSpPr>
+          <p:nvPr>
+            <p:extLst>
+              <p:ext uri="{386F3935-93C4-4BCD-93E2-E3B085C9AB24}">
+                <p16:designElem xmlns:p16="http://schemas.microsoft.com/office/powerpoint/2015/main" val="1"/>
+              </p:ext>
+            </p:extLst>
+          </p:nvPr>
+        </p:nvSpPr>
+        <p:spPr>
+          <a:xfrm>
+            <a:off x="0" y="0"/>
+            <a:ext cx="12192000" cy="6858000"/>
+          </a:xfrm>
+          <a:prstGeom prst="rect">
+            <a:avLst/>
+          </a:prstGeom>
+          <a:solidFill>
+            <a:schemeClr val="bg1"/>
+          </a:solidFill>
+          <a:ln>
+            <a:noFill/>
+          </a:ln>
+        </p:spPr>
+        <p:style>
+          <a:lnRef idx="2">
+            <a:schemeClr val="accent1">
+              <a:shade val="50000"/>
+            </a:schemeClr>
+          </a:lnRef>
+          <a:fillRef idx="1">
+            <a:schemeClr val="accent1"/>
+          </a:fillRef>
+          <a:effectRef idx="0">
+            <a:schemeClr val="accent1"/>
+          </a:effectRef>
+          <a:fontRef idx="minor">
+            <a:schemeClr val="lt1"/>
+          </a:fontRef>
+        </p:style>
+        <p:txBody>
+          <a:bodyPr rtlCol="0" anchor="ctr"/>
+          <a:lstStyle/>
+          <a:p>
+            <a:pPr algn="ctr"/>
+            <a:endParaRPr lang="en-US" dirty="0"/>
+          </a:p>
+        </p:txBody>
+      </p:sp>
+      <p:sp>
+        <p:nvSpPr>
+          <p:cNvPr id="7" name="文本框 6">
+            <a:extLst>
+              <a:ext uri="{FF2B5EF4-FFF2-40B4-BE49-F238E27FC236}">
+                <a16:creationId xmlns:a16="http://schemas.microsoft.com/office/drawing/2014/main" id="{CE2A7DFA-180D-E745-855F-192CCE9DAF14}"/>
+              </a:ext>
+            </a:extLst>
+          </p:cNvPr>
+          <p:cNvSpPr txBox="1"/>
+          <p:nvPr/>
+        </p:nvSpPr>
+        <p:spPr>
+          <a:xfrm>
+            <a:off x="643469" y="1782981"/>
+            <a:ext cx="4008384" cy="4393982"/>
+          </a:xfrm>
+          <a:prstGeom prst="rect">
+            <a:avLst/>
+          </a:prstGeom>
+        </p:spPr>
+        <p:txBody>
+          <a:bodyPr vert="horz" lIns="91440" tIns="45720" rIns="91440" bIns="45720" rtlCol="0">
+            <a:normAutofit/>
+          </a:bodyPr>
+          <a:lstStyle/>
+          <a:p>
+            <a:pPr indent="-228600">
+              <a:lnSpc>
+                <a:spcPct val="90000"/>
+              </a:lnSpc>
+              <a:spcAft>
+                <a:spcPts val="600"/>
+              </a:spcAft>
+              <a:buFont typeface="Arial" panose="020B0604020202020204" pitchFamily="34" charset="0"/>
+              <a:buChar char="•"/>
+            </a:pPr>
+            <a:r>
+              <a:rPr kumimoji="1" lang="en-US" altLang="zh-CN" sz="2000"/>
+              <a:t>14</a:t>
+            </a:r>
+            <a:r>
+              <a:rPr kumimoji="1" lang="zh-CN" altLang="en-US" sz="2000"/>
+              <a:t>年前，广深占用国家💰</a:t>
+            </a:r>
+            <a:r>
+              <a:rPr kumimoji="1" lang="en-US" altLang="zh-CN" sz="2000"/>
+              <a:t> </a:t>
+            </a:r>
+            <a:r>
+              <a:rPr kumimoji="1" lang="zh-CN" altLang="en-US" sz="2000"/>
+              <a:t>， 后来国家占用他的钱</a:t>
+            </a:r>
+          </a:p>
+        </p:txBody>
+      </p:sp>
+      <p:grpSp>
+        <p:nvGrpSpPr>
+          <p:cNvPr id="28" name="Group 27">
+            <a:extLst>
+              <a:ext uri="{FF2B5EF4-FFF2-40B4-BE49-F238E27FC236}">
+                <a16:creationId xmlns:a16="http://schemas.microsoft.com/office/drawing/2014/main" id="{5995D10D-E9C9-47DB-AE7E-801FEF38F5C9}"/>
+              </a:ext>
+              <a:ext uri="{C183D7F6-B498-43B3-948B-1728B52AA6E4}">
+                <adec:decorative xmlns:adec="http://schemas.microsoft.com/office/drawing/2017/decorative" val="1"/>
+              </a:ext>
+            </a:extLst>
+          </p:cNvPr>
+          <p:cNvGrpSpPr>
+            <a:grpSpLocks noGrp="1" noUngrp="1" noRot="1" noChangeAspect="1" noMove="1" noResize="1"/>
+          </p:cNvGrpSpPr>
+          <p:nvPr>
+            <p:extLst>
+              <p:ext uri="{386F3935-93C4-4BCD-93E2-E3B085C9AB24}">
+                <p16:designElem xmlns:p16="http://schemas.microsoft.com/office/powerpoint/2015/main" val="1"/>
+              </p:ext>
+            </p:extLst>
+          </p:nvPr>
+        </p:nvGrpSpPr>
+        <p:grpSpPr>
+          <a:xfrm>
+            <a:off x="11219290" y="1"/>
+            <a:ext cx="972709" cy="1935307"/>
+            <a:chOff x="10918968" y="713127"/>
+            <a:chExt cx="1273032" cy="2532832"/>
+          </a:xfrm>
+        </p:grpSpPr>
+        <p:sp>
+          <p:nvSpPr>
+            <p:cNvPr id="29" name="Rectangle 28">
+              <a:extLst>
+                <a:ext uri="{FF2B5EF4-FFF2-40B4-BE49-F238E27FC236}">
+                  <a16:creationId xmlns:a16="http://schemas.microsoft.com/office/drawing/2014/main" id="{CC1A72C6-3DE4-4EC3-9AD5-9E0D40D8CE8A}"/>
+                </a:ext>
+                <a:ext uri="{C183D7F6-B498-43B3-948B-1728B52AA6E4}">
+                  <adec:decorative xmlns:adec="http://schemas.microsoft.com/office/drawing/2017/decorative" val="1"/>
+                </a:ext>
+              </a:extLst>
+            </p:cNvPr>
+            <p:cNvSpPr/>
+            <p:nvPr>
+              <p:extLst>
+                <p:ext uri="{386F3935-93C4-4BCD-93E2-E3B085C9AB24}">
+                  <p16:designElem xmlns:p16="http://schemas.microsoft.com/office/powerpoint/2015/main" val="1"/>
+                </p:ext>
+              </p:extLst>
+            </p:nvPr>
+          </p:nvSpPr>
+          <p:spPr>
+            <a:xfrm rot="2700000">
+              <a:off x="11052629" y="2120024"/>
+              <a:ext cx="645368" cy="645368"/>
+            </a:xfrm>
+            <a:prstGeom prst="rect">
+              <a:avLst/>
+            </a:prstGeom>
+            <a:solidFill>
+              <a:schemeClr val="accent4">
+                <a:alpha val="30000"/>
+              </a:schemeClr>
+            </a:solidFill>
+            <a:ln>
+              <a:noFill/>
+            </a:ln>
+          </p:spPr>
+          <p:style>
+            <a:lnRef idx="2">
+              <a:schemeClr val="accent1">
+                <a:shade val="50000"/>
+              </a:schemeClr>
+            </a:lnRef>
+            <a:fillRef idx="1">
+              <a:schemeClr val="accent1"/>
+            </a:fillRef>
+            <a:effectRef idx="0">
+              <a:schemeClr val="accent1"/>
+            </a:effectRef>
+            <a:fontRef idx="minor">
+              <a:schemeClr val="lt1"/>
+            </a:fontRef>
+          </p:style>
+          <p:txBody>
+            <a:bodyPr rtlCol="0" anchor="ctr"/>
+            <a:lstStyle/>
+            <a:p>
+              <a:pPr algn="ctr"/>
+              <a:endParaRPr lang="en-US"/>
+            </a:p>
+          </p:txBody>
+        </p:sp>
+        <p:sp>
+          <p:nvSpPr>
+            <p:cNvPr id="30" name="Isosceles Triangle 29">
+              <a:extLst>
+                <a:ext uri="{FF2B5EF4-FFF2-40B4-BE49-F238E27FC236}">
+                  <a16:creationId xmlns:a16="http://schemas.microsoft.com/office/drawing/2014/main" id="{0B0DA1F1-C391-4EDF-9FE0-23E86E137765}"/>
+                </a:ext>
+                <a:ext uri="{C183D7F6-B498-43B3-948B-1728B52AA6E4}">
+                  <adec:decorative xmlns:adec="http://schemas.microsoft.com/office/drawing/2017/decorative" val="1"/>
+                </a:ext>
+              </a:extLst>
+            </p:cNvPr>
+            <p:cNvSpPr/>
+            <p:nvPr>
+              <p:extLst>
+                <p:ext uri="{386F3935-93C4-4BCD-93E2-E3B085C9AB24}">
+                  <p16:designElem xmlns:p16="http://schemas.microsoft.com/office/powerpoint/2015/main" val="1"/>
+                </p:ext>
+              </p:extLst>
+            </p:nvPr>
+          </p:nvSpPr>
+          <p:spPr>
+            <a:xfrm rot="16200000">
+              <a:off x="10289068" y="1343027"/>
+              <a:ext cx="2532832" cy="1273032"/>
+            </a:xfrm>
+            <a:prstGeom prst="triangle">
+              <a:avLst>
+                <a:gd name="adj" fmla="val 50000"/>
+              </a:avLst>
+            </a:prstGeom>
+            <a:solidFill>
+              <a:schemeClr val="accent4">
+                <a:alpha val="30000"/>
+              </a:schemeClr>
+            </a:solidFill>
+            <a:ln>
+              <a:noFill/>
+            </a:ln>
+          </p:spPr>
+          <p:style>
+            <a:lnRef idx="2">
+              <a:schemeClr val="accent1">
+                <a:shade val="50000"/>
+              </a:schemeClr>
+            </a:lnRef>
+            <a:fillRef idx="1">
+              <a:schemeClr val="accent1"/>
+            </a:fillRef>
+            <a:effectRef idx="0">
+              <a:schemeClr val="accent1"/>
+            </a:effectRef>
+            <a:fontRef idx="minor">
+              <a:schemeClr val="lt1"/>
+            </a:fontRef>
+          </p:style>
+          <p:txBody>
+            <a:bodyPr rtlCol="0" anchor="ctr"/>
+            <a:lstStyle/>
+            <a:p>
+              <a:pPr algn="ctr"/>
+              <a:endParaRPr lang="en-US" dirty="0"/>
+            </a:p>
+          </p:txBody>
+        </p:sp>
+      </p:grpSp>
+      <p:pic>
+        <p:nvPicPr>
+          <p:cNvPr id="4" name="图片 3">
+            <a:extLst>
+              <a:ext uri="{FF2B5EF4-FFF2-40B4-BE49-F238E27FC236}">
+                <a16:creationId xmlns:a16="http://schemas.microsoft.com/office/drawing/2014/main" id="{DC9B74D7-9373-874F-AD7F-1038E8CF993D}"/>
+              </a:ext>
+            </a:extLst>
+          </p:cNvPr>
+          <p:cNvPicPr>
+            <a:picLocks noChangeAspect="1"/>
+          </p:cNvPicPr>
+          <p:nvPr/>
+        </p:nvPicPr>
+        <p:blipFill>
+          <a:blip r:embed="rId2"/>
+          <a:stretch>
+            <a:fillRect/>
+          </a:stretch>
+        </p:blipFill>
+        <p:spPr>
+          <a:xfrm>
+            <a:off x="6748756" y="1782982"/>
+            <a:ext cx="3346337" cy="2116558"/>
+          </a:xfrm>
+          <a:prstGeom prst="rect">
+            <a:avLst/>
+          </a:prstGeom>
+        </p:spPr>
+      </p:pic>
+      <p:grpSp>
+        <p:nvGrpSpPr>
+          <p:cNvPr id="32" name="Group 31">
+            <a:extLst>
+              <a:ext uri="{FF2B5EF4-FFF2-40B4-BE49-F238E27FC236}">
+                <a16:creationId xmlns:a16="http://schemas.microsoft.com/office/drawing/2014/main" id="{828A5161-06F1-46CF-8AD7-844680A59E13}"/>
+              </a:ext>
+              <a:ext uri="{C183D7F6-B498-43B3-948B-1728B52AA6E4}">
+                <adec:decorative xmlns:adec="http://schemas.microsoft.com/office/drawing/2017/decorative" val="1"/>
+              </a:ext>
+            </a:extLst>
+          </p:cNvPr>
+          <p:cNvGrpSpPr>
+            <a:grpSpLocks noGrp="1" noUngrp="1" noRot="1" noChangeAspect="1" noMove="1" noResize="1"/>
+          </p:cNvGrpSpPr>
+          <p:nvPr>
+            <p:extLst>
+              <p:ext uri="{386F3935-93C4-4BCD-93E2-E3B085C9AB24}">
+                <p16:designElem xmlns:p16="http://schemas.microsoft.com/office/powerpoint/2015/main" val="1"/>
+              </p:ext>
+            </p:extLst>
+          </p:nvPr>
+        </p:nvGrpSpPr>
+        <p:grpSpPr>
+          <a:xfrm>
+            <a:off x="0" y="4601497"/>
+            <a:ext cx="1014060" cy="2017580"/>
+            <a:chOff x="0" y="4601497"/>
+            <a:chExt cx="1014060" cy="2017580"/>
+          </a:xfrm>
+        </p:grpSpPr>
+        <p:sp>
+          <p:nvSpPr>
+            <p:cNvPr id="33" name="Isosceles Triangle 32">
+              <a:extLst>
+                <a:ext uri="{FF2B5EF4-FFF2-40B4-BE49-F238E27FC236}">
+                  <a16:creationId xmlns:a16="http://schemas.microsoft.com/office/drawing/2014/main" id="{D3F51FEB-38FB-4F6C-9F7B-2F2AFAB65463}"/>
+                </a:ext>
+                <a:ext uri="{C183D7F6-B498-43B3-948B-1728B52AA6E4}">
+                  <adec:decorative xmlns:adec="http://schemas.microsoft.com/office/drawing/2017/decorative" val="1"/>
+                </a:ext>
+              </a:extLst>
+            </p:cNvPr>
+            <p:cNvSpPr/>
+            <p:nvPr>
+              <p:extLst>
+                <p:ext uri="{386F3935-93C4-4BCD-93E2-E3B085C9AB24}">
+                  <p16:designElem xmlns:p16="http://schemas.microsoft.com/office/powerpoint/2015/main" val="1"/>
+                </p:ext>
+              </p:extLst>
+            </p:nvPr>
+          </p:nvSpPr>
+          <p:spPr>
+            <a:xfrm rot="5400000">
+              <a:off x="-501760" y="5103257"/>
+              <a:ext cx="2017580" cy="1014060"/>
+            </a:xfrm>
+            <a:prstGeom prst="triangle">
+              <a:avLst>
+                <a:gd name="adj" fmla="val 50000"/>
+              </a:avLst>
+            </a:prstGeom>
+            <a:solidFill>
+              <a:schemeClr val="accent1">
+                <a:alpha val="30000"/>
+              </a:schemeClr>
+            </a:solidFill>
+            <a:ln>
+              <a:noFill/>
+            </a:ln>
+          </p:spPr>
+          <p:style>
+            <a:lnRef idx="2">
+              <a:schemeClr val="accent1">
+                <a:shade val="50000"/>
+              </a:schemeClr>
+            </a:lnRef>
+            <a:fillRef idx="1">
+              <a:schemeClr val="accent1"/>
+            </a:fillRef>
+            <a:effectRef idx="0">
+              <a:schemeClr val="accent1"/>
+            </a:effectRef>
+            <a:fontRef idx="minor">
+              <a:schemeClr val="lt1"/>
+            </a:fontRef>
+          </p:style>
+          <p:txBody>
+            <a:bodyPr rtlCol="0" anchor="ctr"/>
+            <a:lstStyle/>
+            <a:p>
+              <a:pPr algn="ctr"/>
+              <a:endParaRPr lang="en-US"/>
+            </a:p>
+          </p:txBody>
+        </p:sp>
+        <p:sp>
+          <p:nvSpPr>
+            <p:cNvPr id="34" name="Rectangle 33">
+              <a:extLst>
+                <a:ext uri="{FF2B5EF4-FFF2-40B4-BE49-F238E27FC236}">
+                  <a16:creationId xmlns:a16="http://schemas.microsoft.com/office/drawing/2014/main" id="{1E547BA6-BAE0-43BB-A7CA-60F69CE252F0}"/>
+                </a:ext>
+                <a:ext uri="{C183D7F6-B498-43B3-948B-1728B52AA6E4}">
+                  <adec:decorative xmlns:adec="http://schemas.microsoft.com/office/drawing/2017/decorative" val="1"/>
+                </a:ext>
+              </a:extLst>
+            </p:cNvPr>
+            <p:cNvSpPr/>
+            <p:nvPr>
+              <p:extLst>
+                <p:ext uri="{386F3935-93C4-4BCD-93E2-E3B085C9AB24}">
+                  <p16:designElem xmlns:p16="http://schemas.microsoft.com/office/powerpoint/2015/main" val="1"/>
+                </p:ext>
+              </p:extLst>
+            </p:nvPr>
+          </p:nvSpPr>
+          <p:spPr>
+            <a:xfrm rot="2700000">
+              <a:off x="427916" y="5728708"/>
+              <a:ext cx="485578" cy="485578"/>
+            </a:xfrm>
+            <a:prstGeom prst="rect">
+              <a:avLst/>
+            </a:prstGeom>
+            <a:solidFill>
+              <a:schemeClr val="accent1">
+                <a:alpha val="30000"/>
+              </a:schemeClr>
+            </a:solidFill>
+            <a:ln>
+              <a:noFill/>
+            </a:ln>
+          </p:spPr>
+          <p:style>
+            <a:lnRef idx="2">
+              <a:schemeClr val="accent1">
+                <a:shade val="50000"/>
+              </a:schemeClr>
+            </a:lnRef>
+            <a:fillRef idx="1">
+              <a:schemeClr val="accent1"/>
+            </a:fillRef>
+            <a:effectRef idx="0">
+              <a:schemeClr val="accent1"/>
+            </a:effectRef>
+            <a:fontRef idx="minor">
+              <a:schemeClr val="lt1"/>
+            </a:fontRef>
+          </p:style>
+          <p:txBody>
+            <a:bodyPr rtlCol="0" anchor="ctr"/>
+            <a:lstStyle/>
+            <a:p>
+              <a:pPr algn="ctr"/>
+              <a:endParaRPr lang="en-US"/>
+            </a:p>
+          </p:txBody>
+        </p:sp>
+      </p:grpSp>
+      <p:pic>
+        <p:nvPicPr>
+          <p:cNvPr id="8" name="图片 7">
+            <a:extLst>
+              <a:ext uri="{FF2B5EF4-FFF2-40B4-BE49-F238E27FC236}">
+                <a16:creationId xmlns:a16="http://schemas.microsoft.com/office/drawing/2014/main" id="{FF5CE341-61A3-D74F-AAE2-1836A47103B2}"/>
+              </a:ext>
+            </a:extLst>
+          </p:cNvPr>
+          <p:cNvPicPr>
+            <a:picLocks noChangeAspect="1"/>
+          </p:cNvPicPr>
+          <p:nvPr/>
+        </p:nvPicPr>
+        <p:blipFill>
+          <a:blip r:embed="rId3"/>
+          <a:stretch>
+            <a:fillRect/>
+          </a:stretch>
+        </p:blipFill>
+        <p:spPr>
+          <a:xfrm>
+            <a:off x="5585917" y="4060406"/>
+            <a:ext cx="5672017" cy="2084467"/>
+          </a:xfrm>
+          <a:prstGeom prst="rect">
+            <a:avLst/>
+          </a:prstGeom>
+        </p:spPr>
+      </p:pic>
+      <p:sp>
+        <p:nvSpPr>
+          <p:cNvPr id="10" name="文本框 9">
+            <a:extLst>
+              <a:ext uri="{FF2B5EF4-FFF2-40B4-BE49-F238E27FC236}">
+                <a16:creationId xmlns:a16="http://schemas.microsoft.com/office/drawing/2014/main" id="{9CF198C4-37D3-C142-BB97-FE79AF5A3B9C}"/>
+              </a:ext>
+            </a:extLst>
+          </p:cNvPr>
+          <p:cNvSpPr txBox="1"/>
+          <p:nvPr/>
+        </p:nvSpPr>
+        <p:spPr>
+          <a:xfrm>
+            <a:off x="1452282" y="4722607"/>
+            <a:ext cx="3416320" cy="369332"/>
+          </a:xfrm>
+          <a:prstGeom prst="rect">
+            <a:avLst/>
+          </a:prstGeom>
+          <a:noFill/>
+        </p:spPr>
+        <p:txBody>
+          <a:bodyPr wrap="none" rtlCol="0">
+            <a:spAutoFit/>
+          </a:bodyPr>
+          <a:lstStyle/>
+          <a:p>
+            <a:r>
+              <a:rPr kumimoji="1" lang="zh-CN" altLang="en-US" dirty="0"/>
+              <a:t>国家需要钱，但是国家利润不高</a:t>
+            </a:r>
+          </a:p>
+        </p:txBody>
+      </p:sp>
+    </p:spTree>
+    <p:extLst>
+      <p:ext uri="{BB962C8B-B14F-4D97-AF65-F5344CB8AC3E}">
+        <p14:creationId xmlns:p14="http://schemas.microsoft.com/office/powerpoint/2010/main" val="4226813665"/>
+      </p:ext>
+    </p:extLst>
+  </p:cSld>
+  <p:clrMapOvr>
+    <a:masterClrMapping/>
+  </p:clrMapOvr>
+</p:sld>
+</file>
+
+<file path=ppt/slides/slide17.xml><?xml version="1.0" encoding="utf-8"?>
+<p:sld xmlns:a="http://schemas.openxmlformats.org/drawingml/2006/main" xmlns:r="http://schemas.openxmlformats.org/officeDocument/2006/relationships" xmlns:p="http://schemas.openxmlformats.org/presentationml/2006/main">
+  <p:cSld>
+    <p:bg>
+      <p:bgPr>
+        <a:solidFill>
+          <a:schemeClr val="bg1"/>
+        </a:solidFill>
+        <a:effectLst/>
+      </p:bgPr>
+    </p:bg>
+    <p:spTree>
+      <p:nvGrpSpPr>
+        <p:cNvPr id="1" name=""/>
+        <p:cNvGrpSpPr/>
+        <p:nvPr/>
+      </p:nvGrpSpPr>
+      <p:grpSpPr>
+        <a:xfrm>
+          <a:off x="0" y="0"/>
+          <a:ext cx="0" cy="0"/>
+          <a:chOff x="0" y="0"/>
+          <a:chExt cx="0" cy="0"/>
+        </a:xfrm>
+      </p:grpSpPr>
+      <p:sp>
+        <p:nvSpPr>
+          <p:cNvPr id="19" name="Rectangle 8">
+            <a:extLst>
+              <a:ext uri="{FF2B5EF4-FFF2-40B4-BE49-F238E27FC236}">
+                <a16:creationId xmlns:a16="http://schemas.microsoft.com/office/drawing/2014/main" id="{86FF76B9-219D-4469-AF87-0236D29032F1}"/>
+              </a:ext>
+              <a:ext uri="{C183D7F6-B498-43B3-948B-1728B52AA6E4}">
+                <adec:decorative xmlns:adec="http://schemas.microsoft.com/office/drawing/2017/decorative" val="1"/>
+              </a:ext>
+            </a:extLst>
+          </p:cNvPr>
+          <p:cNvSpPr>
+            <a:spLocks noGrp="1" noRot="1" noChangeAspect="1" noMove="1" noResize="1" noEditPoints="1" noAdjustHandles="1" noChangeArrowheads="1" noChangeShapeType="1" noTextEdit="1"/>
+          </p:cNvSpPr>
+          <p:nvPr>
+            <p:extLst>
+              <p:ext uri="{386F3935-93C4-4BCD-93E2-E3B085C9AB24}">
+                <p16:designElem xmlns:p16="http://schemas.microsoft.com/office/powerpoint/2015/main" val="1"/>
+              </p:ext>
+            </p:extLst>
+          </p:nvPr>
+        </p:nvSpPr>
+        <p:spPr>
+          <a:xfrm>
+            <a:off x="0" y="0"/>
+            <a:ext cx="12192000" cy="6858000"/>
+          </a:xfrm>
+          <a:prstGeom prst="rect">
+            <a:avLst/>
+          </a:prstGeom>
+          <a:solidFill>
+            <a:schemeClr val="bg1"/>
+          </a:solidFill>
+          <a:ln>
+            <a:noFill/>
+          </a:ln>
+        </p:spPr>
+        <p:style>
+          <a:lnRef idx="2">
+            <a:schemeClr val="accent1">
+              <a:shade val="50000"/>
+            </a:schemeClr>
+          </a:lnRef>
+          <a:fillRef idx="1">
+            <a:schemeClr val="accent1"/>
+          </a:fillRef>
+          <a:effectRef idx="0">
+            <a:schemeClr val="accent1"/>
+          </a:effectRef>
+          <a:fontRef idx="minor">
+            <a:schemeClr val="lt1"/>
+          </a:fontRef>
+        </p:style>
+        <p:txBody>
+          <a:bodyPr rtlCol="0" anchor="ctr"/>
+          <a:lstStyle/>
+          <a:p>
+            <a:pPr algn="ctr"/>
+            <a:endParaRPr lang="en-US" dirty="0"/>
+          </a:p>
+        </p:txBody>
+      </p:sp>
+      <p:grpSp>
+        <p:nvGrpSpPr>
+          <p:cNvPr id="20" name="Group 10">
+            <a:extLst>
+              <a:ext uri="{FF2B5EF4-FFF2-40B4-BE49-F238E27FC236}">
+                <a16:creationId xmlns:a16="http://schemas.microsoft.com/office/drawing/2014/main" id="{DB88BD78-87E1-424D-B479-C37D8E41B12E}"/>
+              </a:ext>
+              <a:ext uri="{C183D7F6-B498-43B3-948B-1728B52AA6E4}">
+                <adec:decorative xmlns:adec="http://schemas.microsoft.com/office/drawing/2017/decorative" val="1"/>
+              </a:ext>
+            </a:extLst>
+          </p:cNvPr>
+          <p:cNvGrpSpPr>
+            <a:grpSpLocks noGrp="1" noUngrp="1" noRot="1" noChangeAspect="1" noMove="1" noResize="1"/>
+          </p:cNvGrpSpPr>
+          <p:nvPr>
+            <p:extLst>
+              <p:ext uri="{386F3935-93C4-4BCD-93E2-E3B085C9AB24}">
+                <p16:designElem xmlns:p16="http://schemas.microsoft.com/office/powerpoint/2015/main" val="1"/>
+              </p:ext>
+            </p:extLst>
+          </p:nvPr>
+        </p:nvGrpSpPr>
+        <p:grpSpPr>
+          <a:xfrm flipH="1">
+            <a:off x="10964637" y="2358"/>
+            <a:ext cx="1876653" cy="1766008"/>
+            <a:chOff x="-648769" y="2358"/>
+            <a:chExt cx="1876653" cy="1766008"/>
+          </a:xfrm>
+        </p:grpSpPr>
+        <p:sp>
+          <p:nvSpPr>
+            <p:cNvPr id="21" name="Freeform: Shape 11">
+              <a:extLst>
+                <a:ext uri="{FF2B5EF4-FFF2-40B4-BE49-F238E27FC236}">
+                  <a16:creationId xmlns:a16="http://schemas.microsoft.com/office/drawing/2014/main" id="{C05EB894-9410-4B20-95E4-7A25101AB895}"/>
+                </a:ext>
+                <a:ext uri="{C183D7F6-B498-43B3-948B-1728B52AA6E4}">
+                  <adec:decorative xmlns:adec="http://schemas.microsoft.com/office/drawing/2017/decorative" val="1"/>
+                </a:ext>
+              </a:extLst>
+            </p:cNvPr>
+            <p:cNvSpPr/>
+            <p:nvPr>
+              <p:extLst>
+                <p:ext uri="{386F3935-93C4-4BCD-93E2-E3B085C9AB24}">
+                  <p16:designElem xmlns:p16="http://schemas.microsoft.com/office/powerpoint/2015/main" val="1"/>
+                </p:ext>
+              </p:extLst>
+            </p:nvPr>
+          </p:nvSpPr>
+          <p:spPr>
+            <a:xfrm rot="2700000">
+              <a:off x="-415188" y="-231223"/>
+              <a:ext cx="1409491" cy="1876653"/>
+            </a:xfrm>
+            <a:custGeom>
+              <a:avLst/>
+              <a:gdLst>
+                <a:gd name="connsiteX0" fmla="*/ 0 w 1409491"/>
+                <a:gd name="connsiteY0" fmla="*/ 643075 h 1876653"/>
+                <a:gd name="connsiteX1" fmla="*/ 643075 w 1409491"/>
+                <a:gd name="connsiteY1" fmla="*/ 0 h 1876653"/>
+                <a:gd name="connsiteX2" fmla="*/ 1409491 w 1409491"/>
+                <a:gd name="connsiteY2" fmla="*/ 0 h 1876653"/>
+                <a:gd name="connsiteX3" fmla="*/ 1409491 w 1409491"/>
+                <a:gd name="connsiteY3" fmla="*/ 1876653 h 1876653"/>
+                <a:gd name="connsiteX4" fmla="*/ 1233578 w 1409491"/>
+                <a:gd name="connsiteY4" fmla="*/ 1876653 h 1876653"/>
+              </a:gdLst>
+              <a:ahLst/>
+              <a:cxnLst>
+                <a:cxn ang="0">
+                  <a:pos x="connsiteX0" y="connsiteY0"/>
+                </a:cxn>
+                <a:cxn ang="0">
+                  <a:pos x="connsiteX1" y="connsiteY1"/>
+                </a:cxn>
+                <a:cxn ang="0">
+                  <a:pos x="connsiteX2" y="connsiteY2"/>
+                </a:cxn>
+                <a:cxn ang="0">
+                  <a:pos x="connsiteX3" y="connsiteY3"/>
+                </a:cxn>
+                <a:cxn ang="0">
+                  <a:pos x="connsiteX4" y="connsiteY4"/>
+                </a:cxn>
+              </a:cxnLst>
+              <a:rect l="l" t="t" r="r" b="b"/>
+              <a:pathLst>
+                <a:path w="1409491" h="1876653">
+                  <a:moveTo>
+                    <a:pt x="0" y="643075"/>
+                  </a:moveTo>
+                  <a:lnTo>
+                    <a:pt x="643075" y="0"/>
+                  </a:lnTo>
+                  <a:lnTo>
+                    <a:pt x="1409491" y="0"/>
+                  </a:lnTo>
+                  <a:lnTo>
+                    <a:pt x="1409491" y="1876653"/>
+                  </a:lnTo>
+                  <a:lnTo>
+                    <a:pt x="1233578" y="1876653"/>
+                  </a:lnTo>
+                  <a:close/>
+                </a:path>
+              </a:pathLst>
+            </a:custGeom>
+            <a:solidFill>
+              <a:schemeClr val="accent1">
+                <a:alpha val="30000"/>
+              </a:schemeClr>
+            </a:solidFill>
+            <a:ln>
+              <a:noFill/>
+            </a:ln>
+          </p:spPr>
+          <p:style>
+            <a:lnRef idx="2">
+              <a:schemeClr val="accent1">
+                <a:shade val="50000"/>
+              </a:schemeClr>
+            </a:lnRef>
+            <a:fillRef idx="1">
+              <a:schemeClr val="accent1"/>
+            </a:fillRef>
+            <a:effectRef idx="0">
+              <a:schemeClr val="accent1"/>
+            </a:effectRef>
+            <a:fontRef idx="minor">
+              <a:schemeClr val="lt1"/>
+            </a:fontRef>
+          </p:style>
+          <p:txBody>
+            <a:bodyPr rtlCol="0" anchor="ctr"/>
+            <a:lstStyle/>
+            <a:p>
+              <a:pPr algn="ctr"/>
+              <a:endParaRPr lang="en-US"/>
+            </a:p>
+          </p:txBody>
+        </p:sp>
+        <p:sp>
+          <p:nvSpPr>
+            <p:cNvPr id="22" name="Rectangle 12">
+              <a:extLst>
+                <a:ext uri="{FF2B5EF4-FFF2-40B4-BE49-F238E27FC236}">
+                  <a16:creationId xmlns:a16="http://schemas.microsoft.com/office/drawing/2014/main" id="{166E38B6-B050-4340-8E8F-3A971DADC031}"/>
+                </a:ext>
+                <a:ext uri="{C183D7F6-B498-43B3-948B-1728B52AA6E4}">
+                  <adec:decorative xmlns:adec="http://schemas.microsoft.com/office/drawing/2017/decorative" val="1"/>
+                </a:ext>
+              </a:extLst>
+            </p:cNvPr>
+            <p:cNvSpPr/>
+            <p:nvPr>
+              <p:extLst>
+                <p:ext uri="{386F3935-93C4-4BCD-93E2-E3B085C9AB24}">
+                  <p16:designElem xmlns:p16="http://schemas.microsoft.com/office/powerpoint/2015/main" val="1"/>
+                </p:ext>
+              </p:extLst>
+            </p:nvPr>
+          </p:nvSpPr>
+          <p:spPr>
+            <a:xfrm rot="2700000">
+              <a:off x="301285" y="1282788"/>
+              <a:ext cx="485578" cy="485578"/>
+            </a:xfrm>
+            <a:prstGeom prst="rect">
+              <a:avLst/>
+            </a:prstGeom>
+            <a:solidFill>
+              <a:schemeClr val="accent1">
+                <a:alpha val="30000"/>
+              </a:schemeClr>
+            </a:solidFill>
+            <a:ln>
+              <a:noFill/>
+            </a:ln>
+          </p:spPr>
+          <p:style>
+            <a:lnRef idx="2">
+              <a:schemeClr val="accent1">
+                <a:shade val="50000"/>
+              </a:schemeClr>
+            </a:lnRef>
+            <a:fillRef idx="1">
+              <a:schemeClr val="accent1"/>
+            </a:fillRef>
+            <a:effectRef idx="0">
+              <a:schemeClr val="accent1"/>
+            </a:effectRef>
+            <a:fontRef idx="minor">
+              <a:schemeClr val="lt1"/>
+            </a:fontRef>
+          </p:style>
+          <p:txBody>
+            <a:bodyPr rtlCol="0" anchor="ctr"/>
+            <a:lstStyle/>
+            <a:p>
+              <a:pPr algn="ctr"/>
+              <a:endParaRPr lang="en-US"/>
+            </a:p>
+          </p:txBody>
+        </p:sp>
+      </p:grpSp>
+      <p:sp>
+        <p:nvSpPr>
+          <p:cNvPr id="23" name="Rectangle 14">
+            <a:extLst>
+              <a:ext uri="{FF2B5EF4-FFF2-40B4-BE49-F238E27FC236}">
+                <a16:creationId xmlns:a16="http://schemas.microsoft.com/office/drawing/2014/main" id="{2E80C965-DB6D-4F81-9E9E-B027384D0BD6}"/>
+              </a:ext>
+              <a:ext uri="{C183D7F6-B498-43B3-948B-1728B52AA6E4}">
+                <adec:decorative xmlns:adec="http://schemas.microsoft.com/office/drawing/2017/decorative" val="1"/>
+              </a:ext>
+            </a:extLst>
+          </p:cNvPr>
+          <p:cNvSpPr>
+            <a:spLocks noGrp="1" noRot="1" noChangeAspect="1" noMove="1" noResize="1" noEditPoints="1" noAdjustHandles="1" noChangeArrowheads="1" noChangeShapeType="1" noTextEdit="1"/>
+          </p:cNvSpPr>
+          <p:nvPr>
+            <p:extLst>
+              <p:ext uri="{386F3935-93C4-4BCD-93E2-E3B085C9AB24}">
+                <p16:designElem xmlns:p16="http://schemas.microsoft.com/office/powerpoint/2015/main" val="1"/>
+              </p:ext>
+            </p:extLst>
+          </p:nvPr>
+        </p:nvSpPr>
+        <p:spPr>
+          <a:xfrm rot="2700000">
+            <a:off x="2737196" y="6033666"/>
+            <a:ext cx="645368" cy="645368"/>
+          </a:xfrm>
+          <a:prstGeom prst="rect">
+            <a:avLst/>
+          </a:prstGeom>
+          <a:solidFill>
+            <a:schemeClr val="accent4">
+              <a:alpha val="30000"/>
+            </a:schemeClr>
+          </a:solidFill>
+          <a:ln>
+            <a:noFill/>
+          </a:ln>
+        </p:spPr>
+        <p:style>
+          <a:lnRef idx="2">
+            <a:schemeClr val="accent1">
+              <a:shade val="50000"/>
+            </a:schemeClr>
+          </a:lnRef>
+          <a:fillRef idx="1">
+            <a:schemeClr val="accent1"/>
+          </a:fillRef>
+          <a:effectRef idx="0">
+            <a:schemeClr val="accent1"/>
+          </a:effectRef>
+          <a:fontRef idx="minor">
+            <a:schemeClr val="lt1"/>
+          </a:fontRef>
+        </p:style>
+        <p:txBody>
+          <a:bodyPr rtlCol="0" anchor="ctr"/>
+          <a:lstStyle/>
+          <a:p>
+            <a:pPr algn="ctr"/>
+            <a:endParaRPr lang="en-US"/>
+          </a:p>
+        </p:txBody>
+      </p:sp>
+      <p:sp>
+        <p:nvSpPr>
+          <p:cNvPr id="24" name="Isosceles Triangle 16">
+            <a:extLst>
+              <a:ext uri="{FF2B5EF4-FFF2-40B4-BE49-F238E27FC236}">
+                <a16:creationId xmlns:a16="http://schemas.microsoft.com/office/drawing/2014/main" id="{633C5E46-DAC5-4661-9C87-22B08E2A512F}"/>
+              </a:ext>
+              <a:ext uri="{C183D7F6-B498-43B3-948B-1728B52AA6E4}">
+                <adec:decorative xmlns:adec="http://schemas.microsoft.com/office/drawing/2017/decorative" val="1"/>
+              </a:ext>
+            </a:extLst>
+          </p:cNvPr>
+          <p:cNvSpPr>
+            <a:spLocks noGrp="1" noRot="1" noChangeAspect="1" noMove="1" noResize="1" noEditPoints="1" noAdjustHandles="1" noChangeArrowheads="1" noChangeShapeType="1" noTextEdit="1"/>
+          </p:cNvSpPr>
+          <p:nvPr>
+            <p:extLst>
+              <p:ext uri="{386F3935-93C4-4BCD-93E2-E3B085C9AB24}">
+                <p16:designElem xmlns:p16="http://schemas.microsoft.com/office/powerpoint/2015/main" val="1"/>
+              </p:ext>
+            </p:extLst>
+          </p:nvPr>
+        </p:nvSpPr>
+        <p:spPr>
+          <a:xfrm>
+            <a:off x="1343436" y="5721108"/>
+            <a:ext cx="2261965" cy="1136891"/>
+          </a:xfrm>
+          <a:prstGeom prst="triangle">
+            <a:avLst>
+              <a:gd name="adj" fmla="val 50000"/>
+            </a:avLst>
+          </a:prstGeom>
+          <a:solidFill>
+            <a:schemeClr val="accent4">
+              <a:alpha val="30000"/>
+            </a:schemeClr>
+          </a:solidFill>
+          <a:ln>
+            <a:noFill/>
+          </a:ln>
+        </p:spPr>
+        <p:style>
+          <a:lnRef idx="2">
+            <a:schemeClr val="accent1">
+              <a:shade val="50000"/>
+            </a:schemeClr>
+          </a:lnRef>
+          <a:fillRef idx="1">
+            <a:schemeClr val="accent1"/>
+          </a:fillRef>
+          <a:effectRef idx="0">
+            <a:schemeClr val="accent1"/>
+          </a:effectRef>
+          <a:fontRef idx="minor">
+            <a:schemeClr val="lt1"/>
+          </a:fontRef>
+        </p:style>
+        <p:txBody>
+          <a:bodyPr rtlCol="0" anchor="ctr"/>
+          <a:lstStyle/>
+          <a:p>
+            <a:pPr algn="ctr"/>
+            <a:endParaRPr lang="en-US"/>
+          </a:p>
+        </p:txBody>
+      </p:sp>
+      <p:pic>
+        <p:nvPicPr>
+          <p:cNvPr id="4" name="内容占位符 3">
+            <a:extLst>
+              <a:ext uri="{FF2B5EF4-FFF2-40B4-BE49-F238E27FC236}">
+                <a16:creationId xmlns:a16="http://schemas.microsoft.com/office/drawing/2014/main" id="{B2330C2C-A48B-8643-98F5-9F34F85AD888}"/>
+              </a:ext>
+            </a:extLst>
+          </p:cNvPr>
+          <p:cNvPicPr>
+            <a:picLocks noGrp="1" noChangeAspect="1"/>
+          </p:cNvPicPr>
+          <p:nvPr>
+            <p:ph idx="1"/>
+          </p:nvPr>
+        </p:nvPicPr>
+        <p:blipFill>
+          <a:blip r:embed="rId2"/>
+          <a:stretch>
+            <a:fillRect/>
+          </a:stretch>
+        </p:blipFill>
+        <p:spPr>
+          <a:xfrm>
+            <a:off x="1529554" y="643467"/>
+            <a:ext cx="9132892" cy="5571065"/>
+          </a:xfrm>
+          <a:prstGeom prst="rect">
+            <a:avLst/>
+          </a:prstGeom>
+          <a:ln>
+            <a:noFill/>
+          </a:ln>
+        </p:spPr>
+      </p:pic>
+    </p:spTree>
+    <p:extLst>
+      <p:ext uri="{BB962C8B-B14F-4D97-AF65-F5344CB8AC3E}">
+        <p14:creationId xmlns:p14="http://schemas.microsoft.com/office/powerpoint/2010/main" val="1145037016"/>
       </p:ext>
     </p:extLst>
   </p:cSld>
@@ -15919,6 +18080,64 @@
           <p:cNvPr id="4" name="图表 3">
             <a:extLst>
               <a:ext uri="{FF2B5EF4-FFF2-40B4-BE49-F238E27FC236}">
+                <a16:creationId xmlns:a16="http://schemas.microsoft.com/office/drawing/2014/main" id="{D734AC47-3E29-064B-8C80-F89ABA818B75}"/>
+              </a:ext>
+            </a:extLst>
+          </p:cNvPr>
+          <p:cNvGraphicFramePr/>
+          <p:nvPr>
+            <p:extLst>
+              <p:ext uri="{D42A27DB-BD31-4B8C-83A1-F6EECF244321}">
+                <p14:modId xmlns:p14="http://schemas.microsoft.com/office/powerpoint/2010/main" val="3343243398"/>
+              </p:ext>
+            </p:extLst>
+          </p:nvPr>
+        </p:nvGraphicFramePr>
+        <p:xfrm>
+          <a:off x="2032000" y="719666"/>
+          <a:ext cx="8128000" cy="5418667"/>
+        </p:xfrm>
+        <a:graphic>
+          <a:graphicData uri="http://schemas.openxmlformats.org/drawingml/2006/chart">
+            <c:chart xmlns:c="http://schemas.openxmlformats.org/drawingml/2006/chart" xmlns:r="http://schemas.openxmlformats.org/officeDocument/2006/relationships" r:id="rId2"/>
+          </a:graphicData>
+        </a:graphic>
+      </p:graphicFrame>
+    </p:spTree>
+    <p:extLst>
+      <p:ext uri="{BB962C8B-B14F-4D97-AF65-F5344CB8AC3E}">
+        <p14:creationId xmlns:p14="http://schemas.microsoft.com/office/powerpoint/2010/main" val="2953164225"/>
+      </p:ext>
+    </p:extLst>
+  </p:cSld>
+  <p:clrMapOvr>
+    <a:masterClrMapping/>
+  </p:clrMapOvr>
+</p:sld>
+</file>
+
+<file path=ppt/slides/slide3.xml><?xml version="1.0" encoding="utf-8"?>
+<p:sld xmlns:a="http://schemas.openxmlformats.org/drawingml/2006/main" xmlns:r="http://schemas.openxmlformats.org/officeDocument/2006/relationships" xmlns:p="http://schemas.openxmlformats.org/presentationml/2006/main">
+  <p:cSld>
+    <p:spTree>
+      <p:nvGrpSpPr>
+        <p:cNvPr id="1" name=""/>
+        <p:cNvGrpSpPr/>
+        <p:nvPr/>
+      </p:nvGrpSpPr>
+      <p:grpSpPr>
+        <a:xfrm>
+          <a:off x="0" y="0"/>
+          <a:ext cx="0" cy="0"/>
+          <a:chOff x="0" y="0"/>
+          <a:chExt cx="0" cy="0"/>
+        </a:xfrm>
+      </p:grpSpPr>
+      <p:graphicFrame>
+        <p:nvGraphicFramePr>
+          <p:cNvPr id="4" name="图表 3">
+            <a:extLst>
+              <a:ext uri="{FF2B5EF4-FFF2-40B4-BE49-F238E27FC236}">
                 <a16:creationId xmlns:a16="http://schemas.microsoft.com/office/drawing/2014/main" id="{E5CF5959-75A8-6F4D-B381-7D8950AC8893}"/>
               </a:ext>
             </a:extLst>
@@ -15927,7 +18146,7 @@
           <p:nvPr>
             <p:extLst>
               <p:ext uri="{D42A27DB-BD31-4B8C-83A1-F6EECF244321}">
-                <p14:modId xmlns:p14="http://schemas.microsoft.com/office/powerpoint/2010/main" val="177148730"/>
+                <p14:modId xmlns:p14="http://schemas.microsoft.com/office/powerpoint/2010/main" val="388891914"/>
               </p:ext>
             </p:extLst>
           </p:nvPr>
@@ -15955,7 +18174,348 @@
 </p:sld>
 </file>
 
-<file path=ppt/slides/slide3.xml><?xml version="1.0" encoding="utf-8"?>
+<file path=ppt/slides/slide4.xml><?xml version="1.0" encoding="utf-8"?>
+<p:sld xmlns:a="http://schemas.openxmlformats.org/drawingml/2006/main" xmlns:r="http://schemas.openxmlformats.org/officeDocument/2006/relationships" xmlns:p="http://schemas.openxmlformats.org/presentationml/2006/main">
+  <p:cSld>
+    <p:bg>
+      <p:bgPr>
+        <a:solidFill>
+          <a:schemeClr val="bg1"/>
+        </a:solidFill>
+        <a:effectLst/>
+      </p:bgPr>
+    </p:bg>
+    <p:spTree>
+      <p:nvGrpSpPr>
+        <p:cNvPr id="1" name=""/>
+        <p:cNvGrpSpPr/>
+        <p:nvPr/>
+      </p:nvGrpSpPr>
+      <p:grpSpPr>
+        <a:xfrm>
+          <a:off x="0" y="0"/>
+          <a:ext cx="0" cy="0"/>
+          <a:chOff x="0" y="0"/>
+          <a:chExt cx="0" cy="0"/>
+        </a:xfrm>
+      </p:grpSpPr>
+      <p:sp>
+        <p:nvSpPr>
+          <p:cNvPr id="18" name="Freeform: Shape 8">
+            <a:extLst>
+              <a:ext uri="{FF2B5EF4-FFF2-40B4-BE49-F238E27FC236}">
+                <a16:creationId xmlns:a16="http://schemas.microsoft.com/office/drawing/2014/main" id="{B670DBD5-770C-4383-9F54-5B86E86BD5BB}"/>
+              </a:ext>
+              <a:ext uri="{C183D7F6-B498-43B3-948B-1728B52AA6E4}">
+                <adec:decorative xmlns:adec="http://schemas.microsoft.com/office/drawing/2017/decorative" val="1"/>
+              </a:ext>
+            </a:extLst>
+          </p:cNvPr>
+          <p:cNvSpPr>
+            <a:spLocks noGrp="1" noRot="1" noChangeAspect="1" noMove="1" noResize="1" noEditPoints="1" noAdjustHandles="1" noChangeArrowheads="1" noChangeShapeType="1" noTextEdit="1"/>
+          </p:cNvSpPr>
+          <p:nvPr>
+            <p:extLst>
+              <p:ext uri="{386F3935-93C4-4BCD-93E2-E3B085C9AB24}">
+                <p16:designElem xmlns:p16="http://schemas.microsoft.com/office/powerpoint/2015/main" val="1"/>
+              </p:ext>
+            </p:extLst>
+          </p:nvPr>
+        </p:nvSpPr>
+        <p:spPr>
+          <a:xfrm>
+            <a:off x="1210277" y="0"/>
+            <a:ext cx="9771446" cy="6858000"/>
+          </a:xfrm>
+          <a:custGeom>
+            <a:avLst/>
+            <a:gdLst>
+              <a:gd name="connsiteX0" fmla="*/ 1422188 w 9771446"/>
+              <a:gd name="connsiteY0" fmla="*/ 0 h 6858000"/>
+              <a:gd name="connsiteX1" fmla="*/ 8349258 w 9771446"/>
+              <a:gd name="connsiteY1" fmla="*/ 0 h 6858000"/>
+              <a:gd name="connsiteX2" fmla="*/ 8502224 w 9771446"/>
+              <a:gd name="connsiteY2" fmla="*/ 159673 h 6858000"/>
+              <a:gd name="connsiteX3" fmla="*/ 9771446 w 9771446"/>
+              <a:gd name="connsiteY3" fmla="*/ 3429001 h 6858000"/>
+              <a:gd name="connsiteX4" fmla="*/ 8502224 w 9771446"/>
+              <a:gd name="connsiteY4" fmla="*/ 6698330 h 6858000"/>
+              <a:gd name="connsiteX5" fmla="*/ 8349260 w 9771446"/>
+              <a:gd name="connsiteY5" fmla="*/ 6858000 h 6858000"/>
+              <a:gd name="connsiteX6" fmla="*/ 1422186 w 9771446"/>
+              <a:gd name="connsiteY6" fmla="*/ 6858000 h 6858000"/>
+              <a:gd name="connsiteX7" fmla="*/ 1269223 w 9771446"/>
+              <a:gd name="connsiteY7" fmla="*/ 6698330 h 6858000"/>
+              <a:gd name="connsiteX8" fmla="*/ 0 w 9771446"/>
+              <a:gd name="connsiteY8" fmla="*/ 3429001 h 6858000"/>
+              <a:gd name="connsiteX9" fmla="*/ 1269223 w 9771446"/>
+              <a:gd name="connsiteY9" fmla="*/ 159673 h 6858000"/>
+            </a:gdLst>
+            <a:ahLst/>
+            <a:cxnLst>
+              <a:cxn ang="0">
+                <a:pos x="connsiteX0" y="connsiteY0"/>
+              </a:cxn>
+              <a:cxn ang="0">
+                <a:pos x="connsiteX1" y="connsiteY1"/>
+              </a:cxn>
+              <a:cxn ang="0">
+                <a:pos x="connsiteX2" y="connsiteY2"/>
+              </a:cxn>
+              <a:cxn ang="0">
+                <a:pos x="connsiteX3" y="connsiteY3"/>
+              </a:cxn>
+              <a:cxn ang="0">
+                <a:pos x="connsiteX4" y="connsiteY4"/>
+              </a:cxn>
+              <a:cxn ang="0">
+                <a:pos x="connsiteX5" y="connsiteY5"/>
+              </a:cxn>
+              <a:cxn ang="0">
+                <a:pos x="connsiteX6" y="connsiteY6"/>
+              </a:cxn>
+              <a:cxn ang="0">
+                <a:pos x="connsiteX7" y="connsiteY7"/>
+              </a:cxn>
+              <a:cxn ang="0">
+                <a:pos x="connsiteX8" y="connsiteY8"/>
+              </a:cxn>
+              <a:cxn ang="0">
+                <a:pos x="connsiteX9" y="connsiteY9"/>
+              </a:cxn>
+            </a:cxnLst>
+            <a:rect l="l" t="t" r="r" b="b"/>
+            <a:pathLst>
+              <a:path w="9771446" h="6858000">
+                <a:moveTo>
+                  <a:pt x="1422188" y="0"/>
+                </a:moveTo>
+                <a:lnTo>
+                  <a:pt x="8349258" y="0"/>
+                </a:lnTo>
+                <a:lnTo>
+                  <a:pt x="8502224" y="159673"/>
+                </a:lnTo>
+                <a:cubicBezTo>
+                  <a:pt x="9290813" y="1023162"/>
+                  <a:pt x="9771446" y="2170221"/>
+                  <a:pt x="9771446" y="3429001"/>
+                </a:cubicBezTo>
+                <a:cubicBezTo>
+                  <a:pt x="9771446" y="4687781"/>
+                  <a:pt x="9290813" y="5834840"/>
+                  <a:pt x="8502224" y="6698330"/>
+                </a:cubicBezTo>
+                <a:lnTo>
+                  <a:pt x="8349260" y="6858000"/>
+                </a:lnTo>
+                <a:lnTo>
+                  <a:pt x="1422186" y="6858000"/>
+                </a:lnTo>
+                <a:lnTo>
+                  <a:pt x="1269223" y="6698330"/>
+                </a:lnTo>
+                <a:cubicBezTo>
+                  <a:pt x="480633" y="5834840"/>
+                  <a:pt x="0" y="4687781"/>
+                  <a:pt x="0" y="3429001"/>
+                </a:cubicBezTo>
+                <a:cubicBezTo>
+                  <a:pt x="0" y="2170221"/>
+                  <a:pt x="480633" y="1023162"/>
+                  <a:pt x="1269223" y="159673"/>
+                </a:cubicBezTo>
+                <a:close/>
+              </a:path>
+            </a:pathLst>
+          </a:custGeom>
+          <a:solidFill>
+            <a:schemeClr val="bg1">
+              <a:lumMod val="85000"/>
+              <a:alpha val="62000"/>
+            </a:schemeClr>
+          </a:solidFill>
+          <a:ln>
+            <a:noFill/>
+          </a:ln>
+        </p:spPr>
+        <p:style>
+          <a:lnRef idx="2">
+            <a:schemeClr val="accent1">
+              <a:shade val="50000"/>
+            </a:schemeClr>
+          </a:lnRef>
+          <a:fillRef idx="1">
+            <a:schemeClr val="accent1"/>
+          </a:fillRef>
+          <a:effectRef idx="0">
+            <a:schemeClr val="accent1"/>
+          </a:effectRef>
+          <a:fontRef idx="minor">
+            <a:schemeClr val="lt1"/>
+          </a:fontRef>
+        </p:style>
+        <p:txBody>
+          <a:bodyPr wrap="square" rtlCol="0" anchor="ctr">
+            <a:noAutofit/>
+          </a:bodyPr>
+          <a:lstStyle/>
+          <a:p>
+            <a:pPr algn="ctr"/>
+            <a:endParaRPr lang="en-US"/>
+          </a:p>
+        </p:txBody>
+      </p:sp>
+      <p:pic>
+        <p:nvPicPr>
+          <p:cNvPr id="4" name="图片 3">
+            <a:extLst>
+              <a:ext uri="{FF2B5EF4-FFF2-40B4-BE49-F238E27FC236}">
+                <a16:creationId xmlns:a16="http://schemas.microsoft.com/office/drawing/2014/main" id="{A2F4E0C7-5443-DA4E-9848-599C27F5DE46}"/>
+              </a:ext>
+            </a:extLst>
+          </p:cNvPr>
+          <p:cNvPicPr>
+            <a:picLocks noChangeAspect="1"/>
+          </p:cNvPicPr>
+          <p:nvPr/>
+        </p:nvPicPr>
+        <p:blipFill rotWithShape="1">
+          <a:blip r:embed="rId2"/>
+          <a:srcRect l="15671" r="8289"/>
+          <a:stretch/>
+        </p:blipFill>
+        <p:spPr>
+          <a:xfrm>
+            <a:off x="1460597" y="10"/>
+            <a:ext cx="9270806" cy="6857990"/>
+          </a:xfrm>
+          <a:custGeom>
+            <a:avLst/>
+            <a:gdLst/>
+            <a:ahLst/>
+            <a:cxnLst/>
+            <a:rect l="l" t="t" r="r" b="b"/>
+            <a:pathLst>
+              <a:path w="9270806" h="6858000">
+                <a:moveTo>
+                  <a:pt x="1503712" y="0"/>
+                </a:moveTo>
+                <a:lnTo>
+                  <a:pt x="7767094" y="0"/>
+                </a:lnTo>
+                <a:lnTo>
+                  <a:pt x="7913128" y="139721"/>
+                </a:lnTo>
+                <a:cubicBezTo>
+                  <a:pt x="8751971" y="981521"/>
+                  <a:pt x="9270806" y="2144457"/>
+                  <a:pt x="9270806" y="3429000"/>
+                </a:cubicBezTo>
+                <a:cubicBezTo>
+                  <a:pt x="9270806" y="4713544"/>
+                  <a:pt x="8751971" y="5876479"/>
+                  <a:pt x="7913128" y="6718279"/>
+                </a:cubicBezTo>
+                <a:lnTo>
+                  <a:pt x="7767094" y="6858000"/>
+                </a:lnTo>
+                <a:lnTo>
+                  <a:pt x="1503712" y="6858000"/>
+                </a:lnTo>
+                <a:lnTo>
+                  <a:pt x="1357679" y="6718279"/>
+                </a:lnTo>
+                <a:cubicBezTo>
+                  <a:pt x="518835" y="5876479"/>
+                  <a:pt x="0" y="4713544"/>
+                  <a:pt x="0" y="3429000"/>
+                </a:cubicBezTo>
+                <a:cubicBezTo>
+                  <a:pt x="0" y="2144457"/>
+                  <a:pt x="518835" y="981521"/>
+                  <a:pt x="1357679" y="139721"/>
+                </a:cubicBezTo>
+                <a:close/>
+              </a:path>
+            </a:pathLst>
+          </a:custGeom>
+        </p:spPr>
+      </p:pic>
+    </p:spTree>
+    <p:extLst>
+      <p:ext uri="{BB962C8B-B14F-4D97-AF65-F5344CB8AC3E}">
+        <p14:creationId xmlns:p14="http://schemas.microsoft.com/office/powerpoint/2010/main" val="3275254152"/>
+      </p:ext>
+    </p:extLst>
+  </p:cSld>
+  <p:clrMapOvr>
+    <a:masterClrMapping/>
+  </p:clrMapOvr>
+</p:sld>
+</file>
+
+<file path=ppt/slides/slide5.xml><?xml version="1.0" encoding="utf-8"?>
+<p:sld xmlns:a="http://schemas.openxmlformats.org/drawingml/2006/main" xmlns:r="http://schemas.openxmlformats.org/officeDocument/2006/relationships" xmlns:p="http://schemas.openxmlformats.org/presentationml/2006/main">
+  <p:cSld>
+    <p:spTree>
+      <p:nvGrpSpPr>
+        <p:cNvPr id="1" name=""/>
+        <p:cNvGrpSpPr/>
+        <p:nvPr/>
+      </p:nvGrpSpPr>
+      <p:grpSpPr>
+        <a:xfrm>
+          <a:off x="0" y="0"/>
+          <a:ext cx="0" cy="0"/>
+          <a:chOff x="0" y="0"/>
+          <a:chExt cx="0" cy="0"/>
+        </a:xfrm>
+      </p:grpSpPr>
+      <p:pic>
+        <p:nvPicPr>
+          <p:cNvPr id="4" name="图片 3">
+            <a:extLst>
+              <a:ext uri="{FF2B5EF4-FFF2-40B4-BE49-F238E27FC236}">
+                <a16:creationId xmlns:a16="http://schemas.microsoft.com/office/drawing/2014/main" id="{E37995BD-4702-554F-80C1-C0B314ADD0E8}"/>
+              </a:ext>
+            </a:extLst>
+          </p:cNvPr>
+          <p:cNvPicPr>
+            <a:picLocks noChangeAspect="1"/>
+          </p:cNvPicPr>
+          <p:nvPr/>
+        </p:nvPicPr>
+        <p:blipFill>
+          <a:blip r:embed="rId2"/>
+          <a:stretch>
+            <a:fillRect/>
+          </a:stretch>
+        </p:blipFill>
+        <p:spPr>
+          <a:xfrm>
+            <a:off x="0" y="0"/>
+            <a:ext cx="12192000" cy="6858000"/>
+          </a:xfrm>
+          <a:prstGeom prst="rect">
+            <a:avLst/>
+          </a:prstGeom>
+        </p:spPr>
+      </p:pic>
+    </p:spTree>
+    <p:extLst>
+      <p:ext uri="{BB962C8B-B14F-4D97-AF65-F5344CB8AC3E}">
+        <p14:creationId xmlns:p14="http://schemas.microsoft.com/office/powerpoint/2010/main" val="1682509089"/>
+      </p:ext>
+    </p:extLst>
+  </p:cSld>
+  <p:clrMapOvr>
+    <a:masterClrMapping/>
+  </p:clrMapOvr>
+</p:sld>
+</file>
+
+<file path=ppt/slides/slide6.xml><?xml version="1.0" encoding="utf-8"?>
 <p:sld xmlns:a="http://schemas.openxmlformats.org/drawingml/2006/main" xmlns:r="http://schemas.openxmlformats.org/officeDocument/2006/relationships" xmlns:p="http://schemas.openxmlformats.org/presentationml/2006/main">
   <p:cSld>
     <p:spTree>
@@ -16000,6 +18560,66 @@
           </a:graphicData>
         </a:graphic>
       </p:graphicFrame>
+      <p:pic>
+        <p:nvPicPr>
+          <p:cNvPr id="2" name="图片 1">
+            <a:extLst>
+              <a:ext uri="{FF2B5EF4-FFF2-40B4-BE49-F238E27FC236}">
+                <a16:creationId xmlns:a16="http://schemas.microsoft.com/office/drawing/2014/main" id="{F3315250-2B82-7A40-B691-EF7CBFD6716D}"/>
+              </a:ext>
+            </a:extLst>
+          </p:cNvPr>
+          <p:cNvPicPr>
+            <a:picLocks noChangeAspect="1"/>
+          </p:cNvPicPr>
+          <p:nvPr/>
+        </p:nvPicPr>
+        <p:blipFill>
+          <a:blip r:embed="rId3"/>
+          <a:stretch>
+            <a:fillRect/>
+          </a:stretch>
+        </p:blipFill>
+        <p:spPr>
+          <a:xfrm>
+            <a:off x="-98342" y="3916937"/>
+            <a:ext cx="4553745" cy="4442791"/>
+          </a:xfrm>
+          <a:prstGeom prst="rect">
+            <a:avLst/>
+          </a:prstGeom>
+        </p:spPr>
+      </p:pic>
+      <p:pic>
+        <p:nvPicPr>
+          <p:cNvPr id="3" name="图片 2">
+            <a:extLst>
+              <a:ext uri="{FF2B5EF4-FFF2-40B4-BE49-F238E27FC236}">
+                <a16:creationId xmlns:a16="http://schemas.microsoft.com/office/drawing/2014/main" id="{827EF4D8-DBB9-6942-8187-5FB28A598FE3}"/>
+              </a:ext>
+            </a:extLst>
+          </p:cNvPr>
+          <p:cNvPicPr>
+            <a:picLocks noChangeAspect="1"/>
+          </p:cNvPicPr>
+          <p:nvPr/>
+        </p:nvPicPr>
+        <p:blipFill>
+          <a:blip r:embed="rId4"/>
+          <a:stretch>
+            <a:fillRect/>
+          </a:stretch>
+        </p:blipFill>
+        <p:spPr>
+          <a:xfrm>
+            <a:off x="8761376" y="-565321"/>
+            <a:ext cx="4553746" cy="2891078"/>
+          </a:xfrm>
+          <a:prstGeom prst="rect">
+            <a:avLst/>
+          </a:prstGeom>
+        </p:spPr>
+      </p:pic>
     </p:spTree>
     <p:extLst>
       <p:ext uri="{BB962C8B-B14F-4D97-AF65-F5344CB8AC3E}">
@@ -16013,7 +18633,7 @@
 </p:sld>
 </file>
 
-<file path=ppt/slides/slide4.xml><?xml version="1.0" encoding="utf-8"?>
+<file path=ppt/slides/slide7.xml><?xml version="1.0" encoding="utf-8"?>
 <p:sld xmlns:a="http://schemas.openxmlformats.org/drawingml/2006/main" xmlns:r="http://schemas.openxmlformats.org/officeDocument/2006/relationships" xmlns:p="http://schemas.openxmlformats.org/presentationml/2006/main">
   <p:cSld>
     <p:spTree>
@@ -16058,6 +18678,36 @@
           </a:graphicData>
         </a:graphic>
       </p:graphicFrame>
+      <p:pic>
+        <p:nvPicPr>
+          <p:cNvPr id="2" name="图片 1">
+            <a:extLst>
+              <a:ext uri="{FF2B5EF4-FFF2-40B4-BE49-F238E27FC236}">
+                <a16:creationId xmlns:a16="http://schemas.microsoft.com/office/drawing/2014/main" id="{25762A2D-6912-4344-AD0B-042F66F5E217}"/>
+              </a:ext>
+            </a:extLst>
+          </p:cNvPr>
+          <p:cNvPicPr>
+            <a:picLocks noChangeAspect="1"/>
+          </p:cNvPicPr>
+          <p:nvPr/>
+        </p:nvPicPr>
+        <p:blipFill>
+          <a:blip r:embed="rId3"/>
+          <a:stretch>
+            <a:fillRect/>
+          </a:stretch>
+        </p:blipFill>
+        <p:spPr>
+          <a:xfrm>
+            <a:off x="1834158" y="115921"/>
+            <a:ext cx="7985704" cy="5718348"/>
+          </a:xfrm>
+          <a:prstGeom prst="rect">
+            <a:avLst/>
+          </a:prstGeom>
+        </p:spPr>
+      </p:pic>
     </p:spTree>
     <p:extLst>
       <p:ext uri="{BB962C8B-B14F-4D97-AF65-F5344CB8AC3E}">
@@ -16071,7 +18721,7 @@
 </p:sld>
 </file>
 
-<file path=ppt/slides/slide5.xml><?xml version="1.0" encoding="utf-8"?>
+<file path=ppt/slides/slide8.xml><?xml version="1.0" encoding="utf-8"?>
 <p:sld xmlns:a="http://schemas.openxmlformats.org/drawingml/2006/main" xmlns:r="http://schemas.openxmlformats.org/officeDocument/2006/relationships" xmlns:p="http://schemas.openxmlformats.org/presentationml/2006/main">
   <p:cSld>
     <p:spTree>
@@ -16131,182 +18781,6 @@
 </p:sld>
 </file>
 
-<file path=ppt/slides/slide6.xml><?xml version="1.0" encoding="utf-8"?>
-<p:sld xmlns:a="http://schemas.openxmlformats.org/drawingml/2006/main" xmlns:r="http://schemas.openxmlformats.org/officeDocument/2006/relationships" xmlns:p="http://schemas.openxmlformats.org/presentationml/2006/main">
-  <p:cSld>
-    <p:spTree>
-      <p:nvGrpSpPr>
-        <p:cNvPr id="1" name=""/>
-        <p:cNvGrpSpPr/>
-        <p:nvPr/>
-      </p:nvGrpSpPr>
-      <p:grpSpPr>
-        <a:xfrm>
-          <a:off x="0" y="0"/>
-          <a:ext cx="0" cy="0"/>
-          <a:chOff x="0" y="0"/>
-          <a:chExt cx="0" cy="0"/>
-        </a:xfrm>
-      </p:grpSpPr>
-      <p:pic>
-        <p:nvPicPr>
-          <p:cNvPr id="2" name="图片 1">
-            <a:extLst>
-              <a:ext uri="{FF2B5EF4-FFF2-40B4-BE49-F238E27FC236}">
-                <a16:creationId xmlns:a16="http://schemas.microsoft.com/office/drawing/2014/main" id="{0B802655-7106-2642-84ED-95788B1A13E2}"/>
-              </a:ext>
-            </a:extLst>
-          </p:cNvPr>
-          <p:cNvPicPr>
-            <a:picLocks noChangeAspect="1"/>
-          </p:cNvPicPr>
-          <p:nvPr/>
-        </p:nvPicPr>
-        <p:blipFill>
-          <a:blip r:embed="rId2"/>
-          <a:stretch>
-            <a:fillRect/>
-          </a:stretch>
-        </p:blipFill>
-        <p:spPr>
-          <a:xfrm>
-            <a:off x="635020" y="968188"/>
-            <a:ext cx="11124882" cy="5013064"/>
-          </a:xfrm>
-          <a:prstGeom prst="rect">
-            <a:avLst/>
-          </a:prstGeom>
-        </p:spPr>
-      </p:pic>
-    </p:spTree>
-    <p:extLst>
-      <p:ext uri="{BB962C8B-B14F-4D97-AF65-F5344CB8AC3E}">
-        <p14:creationId xmlns:p14="http://schemas.microsoft.com/office/powerpoint/2010/main" val="3452595432"/>
-      </p:ext>
-    </p:extLst>
-  </p:cSld>
-  <p:clrMapOvr>
-    <a:masterClrMapping/>
-  </p:clrMapOvr>
-</p:sld>
-</file>
-
-<file path=ppt/slides/slide7.xml><?xml version="1.0" encoding="utf-8"?>
-<p:sld xmlns:a="http://schemas.openxmlformats.org/drawingml/2006/main" xmlns:r="http://schemas.openxmlformats.org/officeDocument/2006/relationships" xmlns:p="http://schemas.openxmlformats.org/presentationml/2006/main">
-  <p:cSld>
-    <p:spTree>
-      <p:nvGrpSpPr>
-        <p:cNvPr id="1" name=""/>
-        <p:cNvGrpSpPr/>
-        <p:nvPr/>
-      </p:nvGrpSpPr>
-      <p:grpSpPr>
-        <a:xfrm>
-          <a:off x="0" y="0"/>
-          <a:ext cx="0" cy="0"/>
-          <a:chOff x="0" y="0"/>
-          <a:chExt cx="0" cy="0"/>
-        </a:xfrm>
-      </p:grpSpPr>
-      <p:graphicFrame>
-        <p:nvGraphicFramePr>
-          <p:cNvPr id="6" name="图表 5">
-            <a:extLst>
-              <a:ext uri="{FF2B5EF4-FFF2-40B4-BE49-F238E27FC236}">
-                <a16:creationId xmlns:a16="http://schemas.microsoft.com/office/drawing/2014/main" id="{F7BAAA48-49C2-E508-271B-3330909D8ACA}"/>
-              </a:ext>
-            </a:extLst>
-          </p:cNvPr>
-          <p:cNvGraphicFramePr/>
-          <p:nvPr>
-            <p:extLst>
-              <p:ext uri="{D42A27DB-BD31-4B8C-83A1-F6EECF244321}">
-                <p14:modId xmlns:p14="http://schemas.microsoft.com/office/powerpoint/2010/main" val="3167275176"/>
-              </p:ext>
-            </p:extLst>
-          </p:nvPr>
-        </p:nvGraphicFramePr>
-        <p:xfrm>
-          <a:off x="2032000" y="719666"/>
-          <a:ext cx="8128000" cy="5418667"/>
-        </p:xfrm>
-        <a:graphic>
-          <a:graphicData uri="http://schemas.openxmlformats.org/drawingml/2006/chart">
-            <c:chart xmlns:c="http://schemas.openxmlformats.org/drawingml/2006/chart" xmlns:r="http://schemas.openxmlformats.org/officeDocument/2006/relationships" r:id="rId2"/>
-          </a:graphicData>
-        </a:graphic>
-      </p:graphicFrame>
-    </p:spTree>
-    <p:extLst>
-      <p:ext uri="{BB962C8B-B14F-4D97-AF65-F5344CB8AC3E}">
-        <p14:creationId xmlns:p14="http://schemas.microsoft.com/office/powerpoint/2010/main" val="275186712"/>
-      </p:ext>
-    </p:extLst>
-  </p:cSld>
-  <p:clrMapOvr>
-    <a:masterClrMapping/>
-  </p:clrMapOvr>
-</p:sld>
-</file>
-
-<file path=ppt/slides/slide8.xml><?xml version="1.0" encoding="utf-8"?>
-<p:sld xmlns:a="http://schemas.openxmlformats.org/drawingml/2006/main" xmlns:r="http://schemas.openxmlformats.org/officeDocument/2006/relationships" xmlns:p="http://schemas.openxmlformats.org/presentationml/2006/main">
-  <p:cSld>
-    <p:spTree>
-      <p:nvGrpSpPr>
-        <p:cNvPr id="1" name=""/>
-        <p:cNvGrpSpPr/>
-        <p:nvPr/>
-      </p:nvGrpSpPr>
-      <p:grpSpPr>
-        <a:xfrm>
-          <a:off x="0" y="0"/>
-          <a:ext cx="0" cy="0"/>
-          <a:chOff x="0" y="0"/>
-          <a:chExt cx="0" cy="0"/>
-        </a:xfrm>
-      </p:grpSpPr>
-      <p:graphicFrame>
-        <p:nvGraphicFramePr>
-          <p:cNvPr id="6" name="图表 5">
-            <a:extLst>
-              <a:ext uri="{FF2B5EF4-FFF2-40B4-BE49-F238E27FC236}">
-                <a16:creationId xmlns:a16="http://schemas.microsoft.com/office/drawing/2014/main" id="{CC59433F-F76D-4BD7-3C23-16C55A9DF9E0}"/>
-              </a:ext>
-            </a:extLst>
-          </p:cNvPr>
-          <p:cNvGraphicFramePr/>
-          <p:nvPr>
-            <p:extLst>
-              <p:ext uri="{D42A27DB-BD31-4B8C-83A1-F6EECF244321}">
-                <p14:modId xmlns:p14="http://schemas.microsoft.com/office/powerpoint/2010/main" val="1214141683"/>
-              </p:ext>
-            </p:extLst>
-          </p:nvPr>
-        </p:nvGraphicFramePr>
-        <p:xfrm>
-          <a:off x="2032000" y="719666"/>
-          <a:ext cx="8128000" cy="5418667"/>
-        </p:xfrm>
-        <a:graphic>
-          <a:graphicData uri="http://schemas.openxmlformats.org/drawingml/2006/chart">
-            <c:chart xmlns:c="http://schemas.openxmlformats.org/drawingml/2006/chart" xmlns:r="http://schemas.openxmlformats.org/officeDocument/2006/relationships" r:id="rId2"/>
-          </a:graphicData>
-        </a:graphic>
-      </p:graphicFrame>
-    </p:spTree>
-    <p:extLst>
-      <p:ext uri="{BB962C8B-B14F-4D97-AF65-F5344CB8AC3E}">
-        <p14:creationId xmlns:p14="http://schemas.microsoft.com/office/powerpoint/2010/main" val="571943326"/>
-      </p:ext>
-    </p:extLst>
-  </p:cSld>
-  <p:clrMapOvr>
-    <a:masterClrMapping/>
-  </p:clrMapOvr>
-</p:sld>
-</file>
-
 <file path=ppt/slides/slide9.xml><?xml version="1.0" encoding="utf-8"?>
 <p:sld xmlns:a="http://schemas.openxmlformats.org/drawingml/2006/main" xmlns:r="http://schemas.openxmlformats.org/officeDocument/2006/relationships" xmlns:p="http://schemas.openxmlformats.org/presentationml/2006/main">
   <p:cSld>
@@ -16324,38 +18798,90 @@
           <a:chExt cx="0" cy="0"/>
         </a:xfrm>
       </p:grpSpPr>
-      <p:graphicFrame>
-        <p:nvGraphicFramePr>
-          <p:cNvPr id="6" name="图表 5">
+      <p:sp>
+        <p:nvSpPr>
+          <p:cNvPr id="2" name="标题 1">
             <a:extLst>
               <a:ext uri="{FF2B5EF4-FFF2-40B4-BE49-F238E27FC236}">
-                <a16:creationId xmlns:a16="http://schemas.microsoft.com/office/drawing/2014/main" id="{CC59433F-F76D-4BD7-3C23-16C55A9DF9E0}"/>
+                <a16:creationId xmlns:a16="http://schemas.microsoft.com/office/drawing/2014/main" id="{AD001A12-B8A9-484E-BE4F-55A0AA895AF8}"/>
               </a:ext>
             </a:extLst>
           </p:cNvPr>
-          <p:cNvGraphicFramePr/>
+          <p:cNvSpPr>
+            <a:spLocks noGrp="1"/>
+          </p:cNvSpPr>
           <p:nvPr>
-            <p:extLst>
-              <p:ext uri="{D42A27DB-BD31-4B8C-83A1-F6EECF244321}">
-                <p14:modId xmlns:p14="http://schemas.microsoft.com/office/powerpoint/2010/main" val="3090321279"/>
-              </p:ext>
-            </p:extLst>
+            <p:ph type="title"/>
           </p:nvPr>
-        </p:nvGraphicFramePr>
-        <p:xfrm>
-          <a:off x="2032000" y="719666"/>
-          <a:ext cx="8128000" cy="5418667"/>
-        </p:xfrm>
-        <a:graphic>
-          <a:graphicData uri="http://schemas.openxmlformats.org/drawingml/2006/chart">
-            <c:chart xmlns:c="http://schemas.openxmlformats.org/drawingml/2006/chart" xmlns:r="http://schemas.openxmlformats.org/officeDocument/2006/relationships" r:id="rId2"/>
-          </a:graphicData>
-        </a:graphic>
-      </p:graphicFrame>
+        </p:nvSpPr>
+        <p:spPr/>
+        <p:txBody>
+          <a:bodyPr/>
+          <a:lstStyle/>
+          <a:p>
+            <a:endParaRPr kumimoji="1" lang="zh-CN" altLang="en-US"/>
+          </a:p>
+        </p:txBody>
+      </p:sp>
+      <p:sp>
+        <p:nvSpPr>
+          <p:cNvPr id="3" name="内容占位符 2">
+            <a:extLst>
+              <a:ext uri="{FF2B5EF4-FFF2-40B4-BE49-F238E27FC236}">
+                <a16:creationId xmlns:a16="http://schemas.microsoft.com/office/drawing/2014/main" id="{FCD189A6-2040-5D47-8643-76707CD468F4}"/>
+              </a:ext>
+            </a:extLst>
+          </p:cNvPr>
+          <p:cNvSpPr>
+            <a:spLocks noGrp="1"/>
+          </p:cNvSpPr>
+          <p:nvPr>
+            <p:ph idx="1"/>
+          </p:nvPr>
+        </p:nvSpPr>
+        <p:spPr/>
+        <p:txBody>
+          <a:bodyPr/>
+          <a:lstStyle/>
+          <a:p>
+            <a:endParaRPr kumimoji="1" lang="zh-CN" altLang="en-US" dirty="0"/>
+          </a:p>
+        </p:txBody>
+      </p:sp>
+      <p:pic>
+        <p:nvPicPr>
+          <p:cNvPr id="4" name="图片 3">
+            <a:extLst>
+              <a:ext uri="{FF2B5EF4-FFF2-40B4-BE49-F238E27FC236}">
+                <a16:creationId xmlns:a16="http://schemas.microsoft.com/office/drawing/2014/main" id="{7894157C-58F5-6145-A767-72DE9F321A8C}"/>
+              </a:ext>
+            </a:extLst>
+          </p:cNvPr>
+          <p:cNvPicPr>
+            <a:picLocks noChangeAspect="1"/>
+          </p:cNvPicPr>
+          <p:nvPr/>
+        </p:nvPicPr>
+        <p:blipFill>
+          <a:blip r:embed="rId2"/>
+          <a:stretch>
+            <a:fillRect/>
+          </a:stretch>
+        </p:blipFill>
+        <p:spPr>
+          <a:xfrm>
+            <a:off x="0" y="0"/>
+            <a:ext cx="12192000" cy="6858000"/>
+          </a:xfrm>
+          <a:prstGeom prst="rect">
+            <a:avLst/>
+          </a:prstGeom>
+        </p:spPr>
+      </p:pic>
     </p:spTree>
     <p:extLst>
       <p:ext uri="{BB962C8B-B14F-4D97-AF65-F5344CB8AC3E}">
-        <p14:creationId xmlns:p14="http://schemas.microsoft.com/office/powerpoint/2010/main" val="2623427718"/>
+        <p14:creationId xmlns:p14="http://schemas.microsoft.com/office/powerpoint/2010/main" val="4255366898"/>
       </p:ext>
     </p:extLst>
   </p:cSld>
